--- a/Masterprüfung/Presentation/Pamuk_MT_Präsentation_10102024.pptx
+++ b/Masterprüfung/Presentation/Pamuk_MT_Präsentation_10102024.pptx
@@ -8957,7 +8957,7 @@
 </file>
 
 <file path=ppt/slides/slide21.xml><?xml version="1.0" encoding="utf-8"?>
-<p:sld xmlns:a="http://schemas.openxmlformats.org/drawingml/2006/main" xmlns:r="http://schemas.openxmlformats.org/officeDocument/2006/relationships" xmlns:p="http://schemas.openxmlformats.org/presentationml/2006/main">
+<p:sld xmlns:a="http://schemas.openxmlformats.org/drawingml/2006/main" xmlns:r="http://schemas.openxmlformats.org/officeDocument/2006/relationships" xmlns:p="http://schemas.openxmlformats.org/presentationml/2006/main" show="0">
   <p:cSld>
     <p:spTree>
       <p:nvGrpSpPr>

--- a/Masterprüfung/Presentation/Pamuk_MT_Präsentation_10102024.pptx
+++ b/Masterprüfung/Presentation/Pamuk_MT_Präsentation_10102024.pptx
@@ -14706,14 +14706,18 @@
           </a:p>
           <a:p>
             <a:r>
+              <a:rPr lang="en-US" sz="2000"/>
+              <a:t>Close to bare metal’s 10.709 µs</a:t>
+            </a:r>
+          </a:p>
+          <a:p>
+            <a:r>
+              <a:rPr lang="en-US" sz="2000"/>
+              <a:t>No </a:t>
+            </a:r>
+            <a:r>
               <a:rPr lang="en-US" sz="2000" dirty="0"/>
-              <a:t>No overruns</a:t>
-            </a:r>
-          </a:p>
-          <a:p>
-            <a:r>
-              <a:rPr lang="en-US" sz="2000" dirty="0"/>
-              <a:t>Close to bare metal’s 10.709 µs</a:t>
+              <a:t>overruns</a:t>
             </a:r>
           </a:p>
           <a:p>

--- a/Masterprüfung/Presentation/Pamuk_MT_Präsentation_10102024.pptx
+++ b/Masterprüfung/Presentation/Pamuk_MT_Präsentation_10102024.pptx
@@ -290,7 +290,7 @@
           <a:p>
             <a:fld id="{177B9070-9281-4B15-842B-9B135EE24603}" type="datetimeFigureOut">
               <a:rPr lang="de-AT" smtClean="0"/>
-              <a:t>07.10.2024</a:t>
+              <a:t>08.10.2024</a:t>
             </a:fld>
             <a:endParaRPr lang="de-AT"/>
           </a:p>
@@ -455,7 +455,7 @@
           <a:p>
             <a:fld id="{843A4CAD-2332-440A-B5F3-F5F26A7FAEC2}" type="datetimeFigureOut">
               <a:rPr lang="en-US" smtClean="0"/>
-              <a:t>10/7/2024</a:t>
+              <a:t>10/8/2024</a:t>
             </a:fld>
             <a:endParaRPr lang="en-US"/>
           </a:p>
@@ -4383,8 +4383,8 @@
         </p:nvSpPr>
         <p:spPr>
           <a:xfrm>
-            <a:off x="2465644" y="4812504"/>
-            <a:ext cx="5969914" cy="273844"/>
+            <a:off x="2377440" y="4812504"/>
+            <a:ext cx="6058118" cy="273844"/>
           </a:xfrm>
         </p:spPr>
         <p:txBody>
@@ -4393,15 +4393,7 @@
           <a:p>
             <a:r>
               <a:rPr lang="en-US" dirty="0"/>
-              <a:t>Virtualization of a Real-Time Operating System for Robot Control with a Focus on </a:t>
-            </a:r>
-            <a:r>
-              <a:rPr lang="en-US" dirty="0" err="1"/>
-              <a:t>RealTime</a:t>
-            </a:r>
-            <a:r>
-              <a:rPr lang="en-US" dirty="0"/>
-              <a:t> Compliance</a:t>
+              <a:t>Virtualization of a Real-Time Operating System for Robot Control with a Focus on Real-Time Compliance</a:t>
             </a:r>
             <a:r>
               <a:rPr lang="en-GB" dirty="0"/>
@@ -4979,8 +4971,8 @@
         </p:nvSpPr>
         <p:spPr>
           <a:xfrm>
-            <a:off x="2465644" y="4812504"/>
-            <a:ext cx="5969914" cy="273844"/>
+            <a:off x="2395728" y="4812504"/>
+            <a:ext cx="6039830" cy="273844"/>
           </a:xfrm>
         </p:spPr>
         <p:txBody>
@@ -4989,15 +4981,7 @@
           <a:p>
             <a:r>
               <a:rPr lang="en-US" dirty="0"/>
-              <a:t>Virtualization of a Real-Time Operating System for Robot Control with a Focus on </a:t>
-            </a:r>
-            <a:r>
-              <a:rPr lang="en-US" dirty="0" err="1"/>
-              <a:t>RealTime</a:t>
-            </a:r>
-            <a:r>
-              <a:rPr lang="en-US" dirty="0"/>
-              <a:t> Compliance</a:t>
+              <a:t>Virtualization of a Real-Time Operating System for Robot Control with a Focus on Real-Time Compliance</a:t>
             </a:r>
             <a:r>
               <a:rPr lang="en-GB" dirty="0"/>
@@ -5942,115 +5926,115 @@
           <a:p>
             <a:r>
               <a:rPr lang="en-US" sz="1800" b="0" i="0" u="none" strike="noStrike" baseline="0" dirty="0">
-                <a:latin typeface="NimbusSanL-Regu"/>
+                <a:latin typeface="Arial "/>
               </a:rPr>
               <a:t>[1] </a:t>
             </a:r>
             <a:r>
               <a:rPr lang="en-US" sz="1800" b="0" i="0" u="none" strike="noStrike" baseline="0" dirty="0">
-                <a:latin typeface="NimbusSanL-Regu"/>
+                <a:latin typeface="Arial "/>
                 <a:hlinkClick r:id="rId2"/>
               </a:rPr>
               <a:t>https://ubuntu.com/blog/what-is-real-time-linux-ii</a:t>
             </a:r>
             <a:endParaRPr lang="en-US" sz="1800" b="0" i="0" u="none" strike="noStrike" baseline="0" dirty="0">
-              <a:latin typeface="NimbusSanL-Regu"/>
+              <a:latin typeface="Arial "/>
             </a:endParaRPr>
           </a:p>
           <a:p>
             <a:r>
               <a:rPr lang="en-US" sz="1800" dirty="0">
-                <a:latin typeface="NimbusSanL-Regu"/>
+                <a:latin typeface="Arial "/>
               </a:rPr>
               <a:t>[2] </a:t>
             </a:r>
             <a:r>
               <a:rPr lang="en-US" sz="1800" b="0" i="0" u="none" strike="noStrike" baseline="0" dirty="0">
-                <a:latin typeface="NimbusSanL-Regu"/>
+                <a:latin typeface="Arial "/>
                 <a:hlinkClick r:id="rId3"/>
               </a:rPr>
               <a:t>https://docs.yoctoproject.org/</a:t>
             </a:r>
             <a:endParaRPr lang="en-US" sz="1800" b="0" i="0" u="none" strike="noStrike" baseline="0" dirty="0">
-              <a:latin typeface="NimbusSanL-Regu"/>
+              <a:latin typeface="Arial "/>
             </a:endParaRPr>
           </a:p>
           <a:p>
             <a:r>
               <a:rPr lang="en-US" sz="1800" dirty="0">
-                <a:latin typeface="NimbusSanL-Regu"/>
+                <a:latin typeface="Arial "/>
               </a:rPr>
               <a:t>[3] </a:t>
             </a:r>
             <a:r>
               <a:rPr lang="en-US" sz="1800" b="0" i="0" u="none" strike="noStrike" baseline="0" dirty="0">
-                <a:latin typeface="NimbusSanL-Regu"/>
+                <a:latin typeface="Arial "/>
                 <a:hlinkClick r:id="rId4"/>
               </a:rPr>
               <a:t>https://www.qemu.org/</a:t>
             </a:r>
             <a:endParaRPr lang="en-US" sz="1800" b="0" i="0" u="none" strike="noStrike" baseline="0" dirty="0">
-              <a:latin typeface="NimbusSanL-Regu"/>
+              <a:latin typeface="Arial "/>
             </a:endParaRPr>
           </a:p>
           <a:p>
             <a:r>
               <a:rPr lang="en-US" sz="1800" dirty="0">
-                <a:latin typeface="NimbusSanL-Regu"/>
+                <a:latin typeface="Arial "/>
               </a:rPr>
               <a:t>[4] </a:t>
             </a:r>
             <a:r>
               <a:rPr lang="en-US" sz="1800" b="0" i="0" u="none" strike="noStrike" baseline="0" dirty="0">
-                <a:latin typeface="NimbusSanL-Regu"/>
+                <a:latin typeface="Arial "/>
                 <a:hlinkClick r:id="rId5"/>
               </a:rPr>
               <a:t>https://xenomai.org/</a:t>
             </a:r>
             <a:endParaRPr lang="en-US" sz="1800" b="0" i="0" u="none" strike="noStrike" baseline="0" dirty="0">
-              <a:latin typeface="NimbusSanL-Regu"/>
+              <a:latin typeface="Arial "/>
             </a:endParaRPr>
           </a:p>
           <a:p>
             <a:r>
               <a:rPr lang="en-US" sz="1800" dirty="0">
-                <a:latin typeface="NimbusSanL-Regu"/>
+                <a:latin typeface="Arial "/>
               </a:rPr>
               <a:t>[5] </a:t>
             </a:r>
             <a:r>
               <a:rPr lang="en-US" sz="1800" b="0" i="0" u="none" strike="noStrike" baseline="0" dirty="0">
-                <a:latin typeface="NimbusSanL-Regu"/>
+                <a:latin typeface="Arial "/>
                 <a:hlinkClick r:id="rId6"/>
               </a:rPr>
               <a:t>https://trace-cmd.org/</a:t>
             </a:r>
             <a:endParaRPr lang="en-US" sz="1800" dirty="0">
-              <a:latin typeface="NimbusSanL-Regu"/>
+              <a:latin typeface="Arial "/>
             </a:endParaRPr>
           </a:p>
           <a:p>
             <a:r>
               <a:rPr lang="en-US" sz="1800" dirty="0">
-                <a:latin typeface="NimbusSanL-Regu"/>
+                <a:latin typeface="Arial "/>
               </a:rPr>
               <a:t>[6]</a:t>
             </a:r>
             <a:r>
               <a:rPr lang="en-US" sz="1800" b="0" i="0" u="none" strike="noStrike" baseline="0" dirty="0">
-                <a:latin typeface="NimbusSanL-Regu"/>
+                <a:latin typeface="Arial "/>
               </a:rPr>
               <a:t> </a:t>
             </a:r>
             <a:r>
               <a:rPr lang="en-US" sz="1800" b="0" i="0" u="none" strike="noStrike" baseline="0" dirty="0">
-                <a:latin typeface="NimbusSanL-Regu"/>
+                <a:latin typeface="Arial "/>
                 <a:hlinkClick r:id="rId7"/>
               </a:rPr>
               <a:t>https://kernelshark.org/</a:t>
             </a:r>
             <a:endParaRPr lang="en-US" sz="1800" b="0" i="0" u="none" strike="noStrike" baseline="0" dirty="0">
-              <a:latin typeface="NimbusSanL-Regu"/>
+              <a:latin typeface="Arial "/>
             </a:endParaRPr>
           </a:p>
         </p:txBody>
@@ -6077,22 +6061,29 @@
           <a:lstStyle/>
           <a:p>
             <a:r>
-              <a:rPr lang="en-US"/>
-              <a:t>Virtualization of a Real-Time Operating System for Robot Control with a Focus on RealTime Compliance</a:t>
-            </a:r>
-            <a:r>
-              <a:rPr lang="en-GB"/>
+              <a:rPr lang="en-US" dirty="0"/>
+              <a:t>Virtualization of a Real-Time Operating System for Robot Control with a Focus on Real-Time Compliance</a:t>
+            </a:r>
+            <a:r>
+              <a:rPr lang="en-GB" dirty="0"/>
               <a:t> | </a:t>
             </a:r>
             <a:r>
-              <a:rPr lang="de-AT"/>
-              <a:t>Halil Pamuk, BSc.</a:t>
-            </a:r>
-            <a:r>
-              <a:rPr lang="en-GB"/>
+              <a:rPr lang="de-AT" dirty="0"/>
+              <a:t>Halil Pamuk, </a:t>
+            </a:r>
+            <a:r>
+              <a:rPr lang="de-AT" dirty="0" err="1"/>
+              <a:t>BSc</a:t>
+            </a:r>
+            <a:r>
+              <a:rPr lang="de-AT" dirty="0"/>
+              <a:t>.</a:t>
+            </a:r>
+            <a:r>
+              <a:rPr lang="en-GB" dirty="0"/>
               <a:t> | 10.10.2024</a:t>
             </a:r>
-            <a:endParaRPr lang="en-GB" dirty="0"/>
           </a:p>
         </p:txBody>
       </p:sp>
@@ -6140,7 +6131,7 @@
 </file>
 
 <file path=ppt/slides/slide11.xml><?xml version="1.0" encoding="utf-8"?>
-<p:sld xmlns:a="http://schemas.openxmlformats.org/drawingml/2006/main" xmlns:r="http://schemas.openxmlformats.org/officeDocument/2006/relationships" xmlns:p="http://schemas.openxmlformats.org/presentationml/2006/main" show="0">
+<p:sld xmlns:a="http://schemas.openxmlformats.org/drawingml/2006/main" xmlns:r="http://schemas.openxmlformats.org/officeDocument/2006/relationships" xmlns:p="http://schemas.openxmlformats.org/presentationml/2006/main">
   <p:cSld>
     <p:spTree>
       <p:nvGrpSpPr>
@@ -6188,10 +6179,10 @@
       </p:sp>
       <p:sp>
         <p:nvSpPr>
-          <p:cNvPr id="3" name="Textplatzhalter 2">
-            <a:extLst>
-              <a:ext uri="{FF2B5EF4-FFF2-40B4-BE49-F238E27FC236}">
-                <a16:creationId xmlns:a16="http://schemas.microsoft.com/office/drawing/2014/main" id="{04897626-5992-AC9F-A7C2-0A8A6A65B6F9}"/>
+          <p:cNvPr id="9" name="Textplatzhalter 8">
+            <a:extLst>
+              <a:ext uri="{FF2B5EF4-FFF2-40B4-BE49-F238E27FC236}">
+                <a16:creationId xmlns:a16="http://schemas.microsoft.com/office/drawing/2014/main" id="{9E87AC14-0222-FF16-6B3B-EEE47B34F8B4}"/>
               </a:ext>
             </a:extLst>
           </p:cNvPr>
@@ -6204,13 +6195,10 @@
         </p:nvSpPr>
         <p:spPr/>
         <p:txBody>
-          <a:bodyPr>
-            <a:normAutofit/>
-          </a:bodyPr>
-          <a:lstStyle/>
-          <a:p>
-            <a:pPr algn="l"/>
-            <a:endParaRPr lang="en-US" sz="1600" dirty="0"/>
+          <a:bodyPr/>
+          <a:lstStyle/>
+          <a:p>
+            <a:endParaRPr lang="en-US"/>
           </a:p>
         </p:txBody>
       </p:sp>
@@ -6236,22 +6224,29 @@
           <a:lstStyle/>
           <a:p>
             <a:r>
-              <a:rPr lang="en-US"/>
-              <a:t>Virtualization of a Real-Time Operating System for Robot Control with a Focus on RealTime Compliance</a:t>
-            </a:r>
-            <a:r>
-              <a:rPr lang="en-GB"/>
+              <a:rPr lang="en-US" dirty="0"/>
+              <a:t>Virtualization of a Real-Time Operating System for Robot Control with a Focus on Real-Time Compliance</a:t>
+            </a:r>
+            <a:r>
+              <a:rPr lang="en-GB" dirty="0"/>
               <a:t> | </a:t>
             </a:r>
             <a:r>
-              <a:rPr lang="de-AT"/>
-              <a:t>Halil Pamuk, BSc.</a:t>
-            </a:r>
-            <a:r>
-              <a:rPr lang="en-GB"/>
+              <a:rPr lang="de-AT" dirty="0"/>
+              <a:t>Halil Pamuk, </a:t>
+            </a:r>
+            <a:r>
+              <a:rPr lang="de-AT" dirty="0" err="1"/>
+              <a:t>BSc</a:t>
+            </a:r>
+            <a:r>
+              <a:rPr lang="de-AT" dirty="0"/>
+              <a:t>.</a:t>
+            </a:r>
+            <a:r>
+              <a:rPr lang="en-GB" dirty="0"/>
               <a:t> | 10.10.2024</a:t>
             </a:r>
-            <a:endParaRPr lang="en-GB" dirty="0"/>
           </a:p>
         </p:txBody>
       </p:sp>
@@ -6401,7 +6396,7 @@
 </file>
 
 <file path=ppt/slides/slide12.xml><?xml version="1.0" encoding="utf-8"?>
-<p:sld xmlns:a="http://schemas.openxmlformats.org/drawingml/2006/main" xmlns:r="http://schemas.openxmlformats.org/officeDocument/2006/relationships" xmlns:p="http://schemas.openxmlformats.org/presentationml/2006/main" show="0">
+<p:sld xmlns:a="http://schemas.openxmlformats.org/drawingml/2006/main" xmlns:r="http://schemas.openxmlformats.org/officeDocument/2006/relationships" xmlns:p="http://schemas.openxmlformats.org/presentationml/2006/main">
   <p:cSld>
     <p:spTree>
       <p:nvGrpSpPr>
@@ -6449,10 +6444,10 @@
       </p:sp>
       <p:sp>
         <p:nvSpPr>
-          <p:cNvPr id="3" name="Textplatzhalter 2">
-            <a:extLst>
-              <a:ext uri="{FF2B5EF4-FFF2-40B4-BE49-F238E27FC236}">
-                <a16:creationId xmlns:a16="http://schemas.microsoft.com/office/drawing/2014/main" id="{04897626-5992-AC9F-A7C2-0A8A6A65B6F9}"/>
+          <p:cNvPr id="8" name="Textplatzhalter 7">
+            <a:extLst>
+              <a:ext uri="{FF2B5EF4-FFF2-40B4-BE49-F238E27FC236}">
+                <a16:creationId xmlns:a16="http://schemas.microsoft.com/office/drawing/2014/main" id="{A61793E8-72C9-17BC-032C-7387A0598E2C}"/>
               </a:ext>
             </a:extLst>
           </p:cNvPr>
@@ -6465,13 +6460,10 @@
         </p:nvSpPr>
         <p:spPr/>
         <p:txBody>
-          <a:bodyPr>
-            <a:normAutofit/>
-          </a:bodyPr>
-          <a:lstStyle/>
-          <a:p>
-            <a:pPr algn="l"/>
-            <a:endParaRPr lang="en-US" sz="1600" dirty="0"/>
+          <a:bodyPr/>
+          <a:lstStyle/>
+          <a:p>
+            <a:endParaRPr lang="en-US"/>
           </a:p>
         </p:txBody>
       </p:sp>
@@ -6497,22 +6489,29 @@
           <a:lstStyle/>
           <a:p>
             <a:r>
-              <a:rPr lang="en-US"/>
-              <a:t>Virtualization of a Real-Time Operating System for Robot Control with a Focus on RealTime Compliance</a:t>
-            </a:r>
-            <a:r>
-              <a:rPr lang="en-GB"/>
+              <a:rPr lang="en-US" dirty="0"/>
+              <a:t>Virtualization of a Real-Time Operating System for Robot Control with a Focus on Real-Time Compliance</a:t>
+            </a:r>
+            <a:r>
+              <a:rPr lang="en-GB" dirty="0"/>
               <a:t> | </a:t>
             </a:r>
             <a:r>
-              <a:rPr lang="de-AT"/>
-              <a:t>Halil Pamuk, BSc.</a:t>
-            </a:r>
-            <a:r>
-              <a:rPr lang="en-GB"/>
+              <a:rPr lang="de-AT" dirty="0"/>
+              <a:t>Halil Pamuk, </a:t>
+            </a:r>
+            <a:r>
+              <a:rPr lang="de-AT" dirty="0" err="1"/>
+              <a:t>BSc</a:t>
+            </a:r>
+            <a:r>
+              <a:rPr lang="de-AT" dirty="0"/>
+              <a:t>.</a:t>
+            </a:r>
+            <a:r>
+              <a:rPr lang="en-GB" dirty="0"/>
               <a:t> | 10.10.2024</a:t>
             </a:r>
-            <a:endParaRPr lang="en-GB" dirty="0"/>
           </a:p>
         </p:txBody>
       </p:sp>
@@ -6662,7 +6661,7 @@
 </file>
 
 <file path=ppt/slides/slide13.xml><?xml version="1.0" encoding="utf-8"?>
-<p:sld xmlns:a="http://schemas.openxmlformats.org/drawingml/2006/main" xmlns:r="http://schemas.openxmlformats.org/officeDocument/2006/relationships" xmlns:p="http://schemas.openxmlformats.org/presentationml/2006/main" show="0">
+<p:sld xmlns:a="http://schemas.openxmlformats.org/drawingml/2006/main" xmlns:r="http://schemas.openxmlformats.org/officeDocument/2006/relationships" xmlns:p="http://schemas.openxmlformats.org/presentationml/2006/main">
   <p:cSld>
     <p:spTree>
       <p:nvGrpSpPr>
@@ -6710,10 +6709,10 @@
       </p:sp>
       <p:sp>
         <p:nvSpPr>
-          <p:cNvPr id="3" name="Textplatzhalter 2">
-            <a:extLst>
-              <a:ext uri="{FF2B5EF4-FFF2-40B4-BE49-F238E27FC236}">
-                <a16:creationId xmlns:a16="http://schemas.microsoft.com/office/drawing/2014/main" id="{04897626-5992-AC9F-A7C2-0A8A6A65B6F9}"/>
+          <p:cNvPr id="8" name="Textplatzhalter 7">
+            <a:extLst>
+              <a:ext uri="{FF2B5EF4-FFF2-40B4-BE49-F238E27FC236}">
+                <a16:creationId xmlns:a16="http://schemas.microsoft.com/office/drawing/2014/main" id="{0786CB8B-9FDA-E91C-46F5-B967513C8191}"/>
               </a:ext>
             </a:extLst>
           </p:cNvPr>
@@ -6726,13 +6725,10 @@
         </p:nvSpPr>
         <p:spPr/>
         <p:txBody>
-          <a:bodyPr>
-            <a:normAutofit/>
-          </a:bodyPr>
-          <a:lstStyle/>
-          <a:p>
-            <a:pPr algn="l"/>
-            <a:endParaRPr lang="en-US" sz="1600" dirty="0"/>
+          <a:bodyPr/>
+          <a:lstStyle/>
+          <a:p>
+            <a:endParaRPr lang="en-US"/>
           </a:p>
         </p:txBody>
       </p:sp>
@@ -6758,22 +6754,29 @@
           <a:lstStyle/>
           <a:p>
             <a:r>
-              <a:rPr lang="en-US"/>
-              <a:t>Virtualization of a Real-Time Operating System for Robot Control with a Focus on RealTime Compliance</a:t>
-            </a:r>
-            <a:r>
-              <a:rPr lang="en-GB"/>
+              <a:rPr lang="en-US" dirty="0"/>
+              <a:t>Virtualization of a Real-Time Operating System for Robot Control with a Focus on Real-Time Compliance</a:t>
+            </a:r>
+            <a:r>
+              <a:rPr lang="en-GB" dirty="0"/>
               <a:t> | </a:t>
             </a:r>
             <a:r>
-              <a:rPr lang="de-AT"/>
-              <a:t>Halil Pamuk, BSc.</a:t>
-            </a:r>
-            <a:r>
-              <a:rPr lang="en-GB"/>
+              <a:rPr lang="de-AT" dirty="0"/>
+              <a:t>Halil Pamuk, </a:t>
+            </a:r>
+            <a:r>
+              <a:rPr lang="de-AT" dirty="0" err="1"/>
+              <a:t>BSc</a:t>
+            </a:r>
+            <a:r>
+              <a:rPr lang="de-AT" dirty="0"/>
+              <a:t>.</a:t>
+            </a:r>
+            <a:r>
+              <a:rPr lang="en-GB" dirty="0"/>
               <a:t> | 10.10.2024</a:t>
             </a:r>
-            <a:endParaRPr lang="en-GB" dirty="0"/>
           </a:p>
         </p:txBody>
       </p:sp>
@@ -6883,7 +6886,7 @@
 </file>
 
 <file path=ppt/slides/slide14.xml><?xml version="1.0" encoding="utf-8"?>
-<p:sld xmlns:a="http://schemas.openxmlformats.org/drawingml/2006/main" xmlns:r="http://schemas.openxmlformats.org/officeDocument/2006/relationships" xmlns:p="http://schemas.openxmlformats.org/presentationml/2006/main" show="0">
+<p:sld xmlns:a="http://schemas.openxmlformats.org/drawingml/2006/main" xmlns:r="http://schemas.openxmlformats.org/officeDocument/2006/relationships" xmlns:p="http://schemas.openxmlformats.org/presentationml/2006/main">
   <p:cSld>
     <p:spTree>
       <p:nvGrpSpPr>
@@ -6931,10 +6934,10 @@
       </p:sp>
       <p:sp>
         <p:nvSpPr>
-          <p:cNvPr id="3" name="Textplatzhalter 2">
-            <a:extLst>
-              <a:ext uri="{FF2B5EF4-FFF2-40B4-BE49-F238E27FC236}">
-                <a16:creationId xmlns:a16="http://schemas.microsoft.com/office/drawing/2014/main" id="{04897626-5992-AC9F-A7C2-0A8A6A65B6F9}"/>
+          <p:cNvPr id="8" name="Textplatzhalter 7">
+            <a:extLst>
+              <a:ext uri="{FF2B5EF4-FFF2-40B4-BE49-F238E27FC236}">
+                <a16:creationId xmlns:a16="http://schemas.microsoft.com/office/drawing/2014/main" id="{7ED23655-D1F1-E694-EE06-01E85855D93B}"/>
               </a:ext>
             </a:extLst>
           </p:cNvPr>
@@ -6947,13 +6950,10 @@
         </p:nvSpPr>
         <p:spPr/>
         <p:txBody>
-          <a:bodyPr>
-            <a:normAutofit/>
-          </a:bodyPr>
-          <a:lstStyle/>
-          <a:p>
-            <a:pPr algn="l"/>
-            <a:endParaRPr lang="en-US" sz="1600" dirty="0"/>
+          <a:bodyPr/>
+          <a:lstStyle/>
+          <a:p>
+            <a:endParaRPr lang="en-US"/>
           </a:p>
         </p:txBody>
       </p:sp>
@@ -6979,22 +6979,29 @@
           <a:lstStyle/>
           <a:p>
             <a:r>
-              <a:rPr lang="en-US"/>
-              <a:t>Virtualization of a Real-Time Operating System for Robot Control with a Focus on RealTime Compliance</a:t>
-            </a:r>
-            <a:r>
-              <a:rPr lang="en-GB"/>
+              <a:rPr lang="en-US" dirty="0"/>
+              <a:t>Virtualization of a Real-Time Operating System for Robot Control with a Focus on Real-Time Compliance</a:t>
+            </a:r>
+            <a:r>
+              <a:rPr lang="en-GB" dirty="0"/>
               <a:t> | </a:t>
             </a:r>
             <a:r>
-              <a:rPr lang="de-AT"/>
-              <a:t>Halil Pamuk, BSc.</a:t>
-            </a:r>
-            <a:r>
-              <a:rPr lang="en-GB"/>
+              <a:rPr lang="de-AT" dirty="0"/>
+              <a:t>Halil Pamuk, </a:t>
+            </a:r>
+            <a:r>
+              <a:rPr lang="de-AT" dirty="0" err="1"/>
+              <a:t>BSc</a:t>
+            </a:r>
+            <a:r>
+              <a:rPr lang="de-AT" dirty="0"/>
+              <a:t>.</a:t>
+            </a:r>
+            <a:r>
+              <a:rPr lang="en-GB" dirty="0"/>
               <a:t> | 10.10.2024</a:t>
             </a:r>
-            <a:endParaRPr lang="en-GB" dirty="0"/>
           </a:p>
         </p:txBody>
       </p:sp>
@@ -7104,7 +7111,7 @@
 </file>
 
 <file path=ppt/slides/slide15.xml><?xml version="1.0" encoding="utf-8"?>
-<p:sld xmlns:a="http://schemas.openxmlformats.org/drawingml/2006/main" xmlns:r="http://schemas.openxmlformats.org/officeDocument/2006/relationships" xmlns:p="http://schemas.openxmlformats.org/presentationml/2006/main" show="0">
+<p:sld xmlns:a="http://schemas.openxmlformats.org/drawingml/2006/main" xmlns:r="http://schemas.openxmlformats.org/officeDocument/2006/relationships" xmlns:p="http://schemas.openxmlformats.org/presentationml/2006/main">
   <p:cSld>
     <p:spTree>
       <p:nvGrpSpPr>
@@ -7152,10 +7159,10 @@
       </p:sp>
       <p:sp>
         <p:nvSpPr>
-          <p:cNvPr id="3" name="Textplatzhalter 2">
-            <a:extLst>
-              <a:ext uri="{FF2B5EF4-FFF2-40B4-BE49-F238E27FC236}">
-                <a16:creationId xmlns:a16="http://schemas.microsoft.com/office/drawing/2014/main" id="{04897626-5992-AC9F-A7C2-0A8A6A65B6F9}"/>
+          <p:cNvPr id="8" name="Textplatzhalter 7">
+            <a:extLst>
+              <a:ext uri="{FF2B5EF4-FFF2-40B4-BE49-F238E27FC236}">
+                <a16:creationId xmlns:a16="http://schemas.microsoft.com/office/drawing/2014/main" id="{F05616BE-FB58-A570-92DD-4B4B323C9DC6}"/>
               </a:ext>
             </a:extLst>
           </p:cNvPr>
@@ -7168,13 +7175,10 @@
         </p:nvSpPr>
         <p:spPr/>
         <p:txBody>
-          <a:bodyPr>
-            <a:normAutofit/>
-          </a:bodyPr>
-          <a:lstStyle/>
-          <a:p>
-            <a:pPr algn="l"/>
-            <a:endParaRPr lang="en-US" sz="1600" dirty="0"/>
+          <a:bodyPr/>
+          <a:lstStyle/>
+          <a:p>
+            <a:endParaRPr lang="en-US"/>
           </a:p>
         </p:txBody>
       </p:sp>
@@ -7200,22 +7204,29 @@
           <a:lstStyle/>
           <a:p>
             <a:r>
-              <a:rPr lang="en-US"/>
-              <a:t>Virtualization of a Real-Time Operating System for Robot Control with a Focus on RealTime Compliance</a:t>
-            </a:r>
-            <a:r>
-              <a:rPr lang="en-GB"/>
+              <a:rPr lang="en-US" dirty="0"/>
+              <a:t>Virtualization of a Real-Time Operating System for Robot Control with a Focus on Real-Time Compliance</a:t>
+            </a:r>
+            <a:r>
+              <a:rPr lang="en-GB" dirty="0"/>
               <a:t> | </a:t>
             </a:r>
             <a:r>
-              <a:rPr lang="de-AT"/>
-              <a:t>Halil Pamuk, BSc.</a:t>
-            </a:r>
-            <a:r>
-              <a:rPr lang="en-GB"/>
+              <a:rPr lang="de-AT" dirty="0"/>
+              <a:t>Halil Pamuk, </a:t>
+            </a:r>
+            <a:r>
+              <a:rPr lang="de-AT" dirty="0" err="1"/>
+              <a:t>BSc</a:t>
+            </a:r>
+            <a:r>
+              <a:rPr lang="de-AT" dirty="0"/>
+              <a:t>.</a:t>
+            </a:r>
+            <a:r>
+              <a:rPr lang="en-GB" dirty="0"/>
               <a:t> | 10.10.2024</a:t>
             </a:r>
-            <a:endParaRPr lang="en-GB" dirty="0"/>
           </a:p>
         </p:txBody>
       </p:sp>
@@ -7365,7 +7376,7 @@
 </file>
 
 <file path=ppt/slides/slide16.xml><?xml version="1.0" encoding="utf-8"?>
-<p:sld xmlns:a="http://schemas.openxmlformats.org/drawingml/2006/main" xmlns:r="http://schemas.openxmlformats.org/officeDocument/2006/relationships" xmlns:p="http://schemas.openxmlformats.org/presentationml/2006/main" show="0">
+<p:sld xmlns:a="http://schemas.openxmlformats.org/drawingml/2006/main" xmlns:r="http://schemas.openxmlformats.org/officeDocument/2006/relationships" xmlns:p="http://schemas.openxmlformats.org/presentationml/2006/main">
   <p:cSld>
     <p:spTree>
       <p:nvGrpSpPr>
@@ -7413,10 +7424,10 @@
       </p:sp>
       <p:sp>
         <p:nvSpPr>
-          <p:cNvPr id="3" name="Textplatzhalter 2">
-            <a:extLst>
-              <a:ext uri="{FF2B5EF4-FFF2-40B4-BE49-F238E27FC236}">
-                <a16:creationId xmlns:a16="http://schemas.microsoft.com/office/drawing/2014/main" id="{04897626-5992-AC9F-A7C2-0A8A6A65B6F9}"/>
+          <p:cNvPr id="8" name="Textplatzhalter 7">
+            <a:extLst>
+              <a:ext uri="{FF2B5EF4-FFF2-40B4-BE49-F238E27FC236}">
+                <a16:creationId xmlns:a16="http://schemas.microsoft.com/office/drawing/2014/main" id="{0908F014-568A-615E-8567-2DABBBCB666E}"/>
               </a:ext>
             </a:extLst>
           </p:cNvPr>
@@ -7429,13 +7440,10 @@
         </p:nvSpPr>
         <p:spPr/>
         <p:txBody>
-          <a:bodyPr>
-            <a:normAutofit/>
-          </a:bodyPr>
-          <a:lstStyle/>
-          <a:p>
-            <a:pPr algn="l"/>
-            <a:endParaRPr lang="en-US" sz="1600" dirty="0"/>
+          <a:bodyPr/>
+          <a:lstStyle/>
+          <a:p>
+            <a:endParaRPr lang="en-US"/>
           </a:p>
         </p:txBody>
       </p:sp>
@@ -7461,22 +7469,29 @@
           <a:lstStyle/>
           <a:p>
             <a:r>
-              <a:rPr lang="en-US"/>
-              <a:t>Virtualization of a Real-Time Operating System for Robot Control with a Focus on RealTime Compliance</a:t>
-            </a:r>
-            <a:r>
-              <a:rPr lang="en-GB"/>
+              <a:rPr lang="en-US" dirty="0"/>
+              <a:t>Virtualization of a Real-Time Operating System for Robot Control with a Focus on Real-Time Compliance</a:t>
+            </a:r>
+            <a:r>
+              <a:rPr lang="en-GB" dirty="0"/>
               <a:t> | </a:t>
             </a:r>
             <a:r>
-              <a:rPr lang="de-AT"/>
-              <a:t>Halil Pamuk, BSc.</a:t>
-            </a:r>
-            <a:r>
-              <a:rPr lang="en-GB"/>
+              <a:rPr lang="de-AT" dirty="0"/>
+              <a:t>Halil Pamuk, </a:t>
+            </a:r>
+            <a:r>
+              <a:rPr lang="de-AT" dirty="0" err="1"/>
+              <a:t>BSc</a:t>
+            </a:r>
+            <a:r>
+              <a:rPr lang="de-AT" dirty="0"/>
+              <a:t>.</a:t>
+            </a:r>
+            <a:r>
+              <a:rPr lang="en-GB" dirty="0"/>
               <a:t> | 10.10.2024</a:t>
             </a:r>
-            <a:endParaRPr lang="en-GB" dirty="0"/>
           </a:p>
         </p:txBody>
       </p:sp>
@@ -7586,7 +7601,7 @@
 </file>
 
 <file path=ppt/slides/slide17.xml><?xml version="1.0" encoding="utf-8"?>
-<p:sld xmlns:a="http://schemas.openxmlformats.org/drawingml/2006/main" xmlns:r="http://schemas.openxmlformats.org/officeDocument/2006/relationships" xmlns:p="http://schemas.openxmlformats.org/presentationml/2006/main" show="0">
+<p:sld xmlns:a="http://schemas.openxmlformats.org/drawingml/2006/main" xmlns:r="http://schemas.openxmlformats.org/officeDocument/2006/relationships" xmlns:p="http://schemas.openxmlformats.org/presentationml/2006/main">
   <p:cSld>
     <p:spTree>
       <p:nvGrpSpPr>
@@ -7634,10 +7649,10 @@
       </p:sp>
       <p:sp>
         <p:nvSpPr>
-          <p:cNvPr id="3" name="Textplatzhalter 2">
-            <a:extLst>
-              <a:ext uri="{FF2B5EF4-FFF2-40B4-BE49-F238E27FC236}">
-                <a16:creationId xmlns:a16="http://schemas.microsoft.com/office/drawing/2014/main" id="{04897626-5992-AC9F-A7C2-0A8A6A65B6F9}"/>
+          <p:cNvPr id="8" name="Textplatzhalter 7">
+            <a:extLst>
+              <a:ext uri="{FF2B5EF4-FFF2-40B4-BE49-F238E27FC236}">
+                <a16:creationId xmlns:a16="http://schemas.microsoft.com/office/drawing/2014/main" id="{27D2DF2B-8949-B7A0-278F-386241F65B32}"/>
               </a:ext>
             </a:extLst>
           </p:cNvPr>
@@ -7650,13 +7665,10 @@
         </p:nvSpPr>
         <p:spPr/>
         <p:txBody>
-          <a:bodyPr>
-            <a:normAutofit/>
-          </a:bodyPr>
-          <a:lstStyle/>
-          <a:p>
-            <a:pPr algn="l"/>
-            <a:endParaRPr lang="en-US" sz="1600" dirty="0"/>
+          <a:bodyPr/>
+          <a:lstStyle/>
+          <a:p>
+            <a:endParaRPr lang="en-US"/>
           </a:p>
         </p:txBody>
       </p:sp>
@@ -7682,22 +7694,29 @@
           <a:lstStyle/>
           <a:p>
             <a:r>
-              <a:rPr lang="en-US"/>
-              <a:t>Virtualization of a Real-Time Operating System for Robot Control with a Focus on RealTime Compliance</a:t>
-            </a:r>
-            <a:r>
-              <a:rPr lang="en-GB"/>
+              <a:rPr lang="en-US" dirty="0"/>
+              <a:t>Virtualization of a Real-Time Operating System for Robot Control with a Focus on Real-Time Compliance</a:t>
+            </a:r>
+            <a:r>
+              <a:rPr lang="en-GB" dirty="0"/>
               <a:t> | </a:t>
             </a:r>
             <a:r>
-              <a:rPr lang="de-AT"/>
-              <a:t>Halil Pamuk, BSc.</a:t>
-            </a:r>
-            <a:r>
-              <a:rPr lang="en-GB"/>
+              <a:rPr lang="de-AT" dirty="0"/>
+              <a:t>Halil Pamuk, </a:t>
+            </a:r>
+            <a:r>
+              <a:rPr lang="de-AT" dirty="0" err="1"/>
+              <a:t>BSc</a:t>
+            </a:r>
+            <a:r>
+              <a:rPr lang="de-AT" dirty="0"/>
+              <a:t>.</a:t>
+            </a:r>
+            <a:r>
+              <a:rPr lang="en-GB" dirty="0"/>
               <a:t> | 10.10.2024</a:t>
             </a:r>
-            <a:endParaRPr lang="en-GB" dirty="0"/>
           </a:p>
         </p:txBody>
       </p:sp>
@@ -7847,7 +7866,7 @@
 </file>
 
 <file path=ppt/slides/slide18.xml><?xml version="1.0" encoding="utf-8"?>
-<p:sld xmlns:a="http://schemas.openxmlformats.org/drawingml/2006/main" xmlns:r="http://schemas.openxmlformats.org/officeDocument/2006/relationships" xmlns:p="http://schemas.openxmlformats.org/presentationml/2006/main" show="0">
+<p:sld xmlns:a="http://schemas.openxmlformats.org/drawingml/2006/main" xmlns:r="http://schemas.openxmlformats.org/officeDocument/2006/relationships" xmlns:p="http://schemas.openxmlformats.org/presentationml/2006/main">
   <p:cSld>
     <p:spTree>
       <p:nvGrpSpPr>
@@ -7895,10 +7914,10 @@
       </p:sp>
       <p:sp>
         <p:nvSpPr>
-          <p:cNvPr id="3" name="Textplatzhalter 2">
-            <a:extLst>
-              <a:ext uri="{FF2B5EF4-FFF2-40B4-BE49-F238E27FC236}">
-                <a16:creationId xmlns:a16="http://schemas.microsoft.com/office/drawing/2014/main" id="{04897626-5992-AC9F-A7C2-0A8A6A65B6F9}"/>
+          <p:cNvPr id="8" name="Textplatzhalter 7">
+            <a:extLst>
+              <a:ext uri="{FF2B5EF4-FFF2-40B4-BE49-F238E27FC236}">
+                <a16:creationId xmlns:a16="http://schemas.microsoft.com/office/drawing/2014/main" id="{13D46DC6-80CF-1A9E-A334-DD5B3F043EE6}"/>
               </a:ext>
             </a:extLst>
           </p:cNvPr>
@@ -7911,13 +7930,10 @@
         </p:nvSpPr>
         <p:spPr/>
         <p:txBody>
-          <a:bodyPr>
-            <a:normAutofit/>
-          </a:bodyPr>
-          <a:lstStyle/>
-          <a:p>
-            <a:pPr algn="l"/>
-            <a:endParaRPr lang="en-US" sz="1600" dirty="0"/>
+          <a:bodyPr/>
+          <a:lstStyle/>
+          <a:p>
+            <a:endParaRPr lang="en-US"/>
           </a:p>
         </p:txBody>
       </p:sp>
@@ -7943,22 +7959,29 @@
           <a:lstStyle/>
           <a:p>
             <a:r>
-              <a:rPr lang="en-US"/>
-              <a:t>Virtualization of a Real-Time Operating System for Robot Control with a Focus on RealTime Compliance</a:t>
-            </a:r>
-            <a:r>
-              <a:rPr lang="en-GB"/>
+              <a:rPr lang="en-US" dirty="0"/>
+              <a:t>Virtualization of a Real-Time Operating System for Robot Control with a Focus on Real-Time Compliance</a:t>
+            </a:r>
+            <a:r>
+              <a:rPr lang="en-GB" dirty="0"/>
               <a:t> | </a:t>
             </a:r>
             <a:r>
-              <a:rPr lang="de-AT"/>
-              <a:t>Halil Pamuk, BSc.</a:t>
-            </a:r>
-            <a:r>
-              <a:rPr lang="en-GB"/>
+              <a:rPr lang="de-AT" dirty="0"/>
+              <a:t>Halil Pamuk, </a:t>
+            </a:r>
+            <a:r>
+              <a:rPr lang="de-AT" dirty="0" err="1"/>
+              <a:t>BSc</a:t>
+            </a:r>
+            <a:r>
+              <a:rPr lang="de-AT" dirty="0"/>
+              <a:t>.</a:t>
+            </a:r>
+            <a:r>
+              <a:rPr lang="en-GB" dirty="0"/>
               <a:t> | 10.10.2024</a:t>
             </a:r>
-            <a:endParaRPr lang="en-GB" dirty="0"/>
           </a:p>
         </p:txBody>
       </p:sp>
@@ -8068,7 +8091,7 @@
 </file>
 
 <file path=ppt/slides/slide19.xml><?xml version="1.0" encoding="utf-8"?>
-<p:sld xmlns:a="http://schemas.openxmlformats.org/drawingml/2006/main" xmlns:r="http://schemas.openxmlformats.org/officeDocument/2006/relationships" xmlns:p="http://schemas.openxmlformats.org/presentationml/2006/main" show="0">
+<p:sld xmlns:a="http://schemas.openxmlformats.org/drawingml/2006/main" xmlns:r="http://schemas.openxmlformats.org/officeDocument/2006/relationships" xmlns:p="http://schemas.openxmlformats.org/presentationml/2006/main">
   <p:cSld>
     <p:spTree>
       <p:nvGrpSpPr>
@@ -8116,10 +8139,10 @@
       </p:sp>
       <p:sp>
         <p:nvSpPr>
-          <p:cNvPr id="3" name="Textplatzhalter 2">
-            <a:extLst>
-              <a:ext uri="{FF2B5EF4-FFF2-40B4-BE49-F238E27FC236}">
-                <a16:creationId xmlns:a16="http://schemas.microsoft.com/office/drawing/2014/main" id="{04897626-5992-AC9F-A7C2-0A8A6A65B6F9}"/>
+          <p:cNvPr id="9" name="Textplatzhalter 8">
+            <a:extLst>
+              <a:ext uri="{FF2B5EF4-FFF2-40B4-BE49-F238E27FC236}">
+                <a16:creationId xmlns:a16="http://schemas.microsoft.com/office/drawing/2014/main" id="{70600A50-9E44-45A0-1990-BBED990D99F9}"/>
               </a:ext>
             </a:extLst>
           </p:cNvPr>
@@ -8132,13 +8155,10 @@
         </p:nvSpPr>
         <p:spPr/>
         <p:txBody>
-          <a:bodyPr>
-            <a:normAutofit/>
-          </a:bodyPr>
-          <a:lstStyle/>
-          <a:p>
-            <a:pPr algn="l"/>
-            <a:endParaRPr lang="en-US" sz="1600" dirty="0"/>
+          <a:bodyPr/>
+          <a:lstStyle/>
+          <a:p>
+            <a:endParaRPr lang="en-US"/>
           </a:p>
         </p:txBody>
       </p:sp>
@@ -8164,22 +8184,29 @@
           <a:lstStyle/>
           <a:p>
             <a:r>
-              <a:rPr lang="en-US"/>
-              <a:t>Virtualization of a Real-Time Operating System for Robot Control with a Focus on RealTime Compliance</a:t>
-            </a:r>
-            <a:r>
-              <a:rPr lang="en-GB"/>
+              <a:rPr lang="en-US" dirty="0"/>
+              <a:t>Virtualization of a Real-Time Operating System for Robot Control with a Focus on Real-Time Compliance</a:t>
+            </a:r>
+            <a:r>
+              <a:rPr lang="en-GB" dirty="0"/>
               <a:t> | </a:t>
             </a:r>
             <a:r>
-              <a:rPr lang="de-AT"/>
-              <a:t>Halil Pamuk, BSc.</a:t>
-            </a:r>
-            <a:r>
-              <a:rPr lang="en-GB"/>
+              <a:rPr lang="de-AT" dirty="0"/>
+              <a:t>Halil Pamuk, </a:t>
+            </a:r>
+            <a:r>
+              <a:rPr lang="de-AT" dirty="0" err="1"/>
+              <a:t>BSc</a:t>
+            </a:r>
+            <a:r>
+              <a:rPr lang="de-AT" dirty="0"/>
+              <a:t>.</a:t>
+            </a:r>
+            <a:r>
+              <a:rPr lang="en-GB" dirty="0"/>
               <a:t> | 10.10.2024</a:t>
             </a:r>
-            <a:endParaRPr lang="en-GB" dirty="0"/>
           </a:p>
         </p:txBody>
       </p:sp>
@@ -8373,8 +8400,8 @@
         </p:blipFill>
         <p:spPr>
           <a:xfrm>
-            <a:off x="4699159" y="2771774"/>
-            <a:ext cx="4064534" cy="1536903"/>
+            <a:off x="4707541" y="2774944"/>
+            <a:ext cx="4056151" cy="1533733"/>
           </a:xfrm>
           <a:prstGeom prst="rect">
             <a:avLst/>
@@ -8500,15 +8527,7 @@
           <a:p>
             <a:r>
               <a:rPr lang="en-US" dirty="0"/>
-              <a:t>Virtualization of a Real-Time Operating System for Robot Control with a Focus on </a:t>
-            </a:r>
-            <a:r>
-              <a:rPr lang="en-US" dirty="0" err="1"/>
-              <a:t>RealTime</a:t>
-            </a:r>
-            <a:r>
-              <a:rPr lang="en-US" dirty="0"/>
-              <a:t> Compliance</a:t>
+              <a:t>Virtualization of a Real-Time Operating System for Robot Control with a Focus on Real-Time Compliance</a:t>
             </a:r>
             <a:r>
               <a:rPr lang="en-GB" dirty="0"/>
@@ -8706,7 +8725,7 @@
 </file>
 
 <file path=ppt/slides/slide20.xml><?xml version="1.0" encoding="utf-8"?>
-<p:sld xmlns:a="http://schemas.openxmlformats.org/drawingml/2006/main" xmlns:r="http://schemas.openxmlformats.org/officeDocument/2006/relationships" xmlns:p="http://schemas.openxmlformats.org/presentationml/2006/main" show="0">
+<p:sld xmlns:a="http://schemas.openxmlformats.org/drawingml/2006/main" xmlns:r="http://schemas.openxmlformats.org/officeDocument/2006/relationships" xmlns:p="http://schemas.openxmlformats.org/presentationml/2006/main">
   <p:cSld>
     <p:spTree>
       <p:nvGrpSpPr>
@@ -8754,10 +8773,10 @@
       </p:sp>
       <p:sp>
         <p:nvSpPr>
-          <p:cNvPr id="3" name="Textplatzhalter 2">
-            <a:extLst>
-              <a:ext uri="{FF2B5EF4-FFF2-40B4-BE49-F238E27FC236}">
-                <a16:creationId xmlns:a16="http://schemas.microsoft.com/office/drawing/2014/main" id="{04897626-5992-AC9F-A7C2-0A8A6A65B6F9}"/>
+          <p:cNvPr id="8" name="Textplatzhalter 7">
+            <a:extLst>
+              <a:ext uri="{FF2B5EF4-FFF2-40B4-BE49-F238E27FC236}">
+                <a16:creationId xmlns:a16="http://schemas.microsoft.com/office/drawing/2014/main" id="{23370021-7845-74C9-FBFB-B0B30A61DA46}"/>
               </a:ext>
             </a:extLst>
           </p:cNvPr>
@@ -8770,13 +8789,10 @@
         </p:nvSpPr>
         <p:spPr/>
         <p:txBody>
-          <a:bodyPr>
-            <a:normAutofit/>
-          </a:bodyPr>
-          <a:lstStyle/>
-          <a:p>
-            <a:pPr algn="l"/>
-            <a:endParaRPr lang="en-US" sz="1600" dirty="0"/>
+          <a:bodyPr/>
+          <a:lstStyle/>
+          <a:p>
+            <a:endParaRPr lang="en-US"/>
           </a:p>
         </p:txBody>
       </p:sp>
@@ -8802,22 +8818,29 @@
           <a:lstStyle/>
           <a:p>
             <a:r>
-              <a:rPr lang="en-US"/>
-              <a:t>Virtualization of a Real-Time Operating System for Robot Control with a Focus on RealTime Compliance</a:t>
-            </a:r>
-            <a:r>
-              <a:rPr lang="en-GB"/>
+              <a:rPr lang="en-US" dirty="0"/>
+              <a:t>Virtualization of a Real-Time Operating System for Robot Control with a Focus on Real-Time Compliance</a:t>
+            </a:r>
+            <a:r>
+              <a:rPr lang="en-GB" dirty="0"/>
               <a:t> | </a:t>
             </a:r>
             <a:r>
-              <a:rPr lang="de-AT"/>
-              <a:t>Halil Pamuk, BSc.</a:t>
-            </a:r>
-            <a:r>
-              <a:rPr lang="en-GB"/>
+              <a:rPr lang="de-AT" dirty="0"/>
+              <a:t>Halil Pamuk, </a:t>
+            </a:r>
+            <a:r>
+              <a:rPr lang="de-AT" dirty="0" err="1"/>
+              <a:t>BSc</a:t>
+            </a:r>
+            <a:r>
+              <a:rPr lang="de-AT" dirty="0"/>
+              <a:t>.</a:t>
+            </a:r>
+            <a:r>
+              <a:rPr lang="en-GB" dirty="0"/>
               <a:t> | 10.10.2024</a:t>
             </a:r>
-            <a:endParaRPr lang="en-GB" dirty="0"/>
           </a:p>
         </p:txBody>
       </p:sp>
@@ -8957,7 +8980,7 @@
 </file>
 
 <file path=ppt/slides/slide21.xml><?xml version="1.0" encoding="utf-8"?>
-<p:sld xmlns:a="http://schemas.openxmlformats.org/drawingml/2006/main" xmlns:r="http://schemas.openxmlformats.org/officeDocument/2006/relationships" xmlns:p="http://schemas.openxmlformats.org/presentationml/2006/main" show="0">
+<p:sld xmlns:a="http://schemas.openxmlformats.org/drawingml/2006/main" xmlns:r="http://schemas.openxmlformats.org/officeDocument/2006/relationships" xmlns:p="http://schemas.openxmlformats.org/presentationml/2006/main">
   <p:cSld>
     <p:spTree>
       <p:nvGrpSpPr>
@@ -9005,10 +9028,10 @@
       </p:sp>
       <p:sp>
         <p:nvSpPr>
-          <p:cNvPr id="3" name="Textplatzhalter 2">
-            <a:extLst>
-              <a:ext uri="{FF2B5EF4-FFF2-40B4-BE49-F238E27FC236}">
-                <a16:creationId xmlns:a16="http://schemas.microsoft.com/office/drawing/2014/main" id="{2C3BD523-EB69-C2FE-1C22-A628F2613470}"/>
+          <p:cNvPr id="8" name="Textplatzhalter 7">
+            <a:extLst>
+              <a:ext uri="{FF2B5EF4-FFF2-40B4-BE49-F238E27FC236}">
+                <a16:creationId xmlns:a16="http://schemas.microsoft.com/office/drawing/2014/main" id="{5704E97F-140B-85A6-81F0-2901E83F08AD}"/>
               </a:ext>
             </a:extLst>
           </p:cNvPr>
@@ -9024,7 +9047,7 @@
           <a:bodyPr/>
           <a:lstStyle/>
           <a:p>
-            <a:endParaRPr lang="en-US" dirty="0"/>
+            <a:endParaRPr lang="en-US"/>
           </a:p>
         </p:txBody>
       </p:sp>
@@ -9050,22 +9073,29 @@
           <a:lstStyle/>
           <a:p>
             <a:r>
-              <a:rPr lang="en-US"/>
-              <a:t>Virtualization of a Real-Time Operating System for Robot Control with a Focus on RealTime Compliance</a:t>
-            </a:r>
-            <a:r>
-              <a:rPr lang="en-GB"/>
+              <a:rPr lang="en-US" dirty="0"/>
+              <a:t>Virtualization of a Real-Time Operating System for Robot Control with a Focus on Real-Time Compliance</a:t>
+            </a:r>
+            <a:r>
+              <a:rPr lang="en-GB" dirty="0"/>
               <a:t> | </a:t>
             </a:r>
             <a:r>
-              <a:rPr lang="de-AT"/>
-              <a:t>Halil Pamuk, BSc.</a:t>
-            </a:r>
-            <a:r>
-              <a:rPr lang="en-GB"/>
+              <a:rPr lang="de-AT" dirty="0"/>
+              <a:t>Halil Pamuk, </a:t>
+            </a:r>
+            <a:r>
+              <a:rPr lang="de-AT" dirty="0" err="1"/>
+              <a:t>BSc</a:t>
+            </a:r>
+            <a:r>
+              <a:rPr lang="de-AT" dirty="0"/>
+              <a:t>.</a:t>
+            </a:r>
+            <a:r>
+              <a:rPr lang="en-GB" dirty="0"/>
               <a:t> | 10.10.2024</a:t>
             </a:r>
-            <a:endParaRPr lang="en-GB" dirty="0"/>
           </a:p>
         </p:txBody>
       </p:sp>
@@ -9143,7 +9173,7 @@
 </file>
 
 <file path=ppt/slides/slide22.xml><?xml version="1.0" encoding="utf-8"?>
-<p:sld xmlns:a="http://schemas.openxmlformats.org/drawingml/2006/main" xmlns:r="http://schemas.openxmlformats.org/officeDocument/2006/relationships" xmlns:p="http://schemas.openxmlformats.org/presentationml/2006/main" show="0">
+<p:sld xmlns:a="http://schemas.openxmlformats.org/drawingml/2006/main" xmlns:r="http://schemas.openxmlformats.org/officeDocument/2006/relationships" xmlns:p="http://schemas.openxmlformats.org/presentationml/2006/main">
   <p:cSld>
     <p:spTree>
       <p:nvGrpSpPr>
@@ -9191,10 +9221,10 @@
       </p:sp>
       <p:sp>
         <p:nvSpPr>
-          <p:cNvPr id="3" name="Textplatzhalter 2">
-            <a:extLst>
-              <a:ext uri="{FF2B5EF4-FFF2-40B4-BE49-F238E27FC236}">
-                <a16:creationId xmlns:a16="http://schemas.microsoft.com/office/drawing/2014/main" id="{04897626-5992-AC9F-A7C2-0A8A6A65B6F9}"/>
+          <p:cNvPr id="9" name="Textplatzhalter 8">
+            <a:extLst>
+              <a:ext uri="{FF2B5EF4-FFF2-40B4-BE49-F238E27FC236}">
+                <a16:creationId xmlns:a16="http://schemas.microsoft.com/office/drawing/2014/main" id="{B365D29E-A4BC-FF7A-AC87-5D5809774D5A}"/>
               </a:ext>
             </a:extLst>
           </p:cNvPr>
@@ -9207,13 +9237,10 @@
         </p:nvSpPr>
         <p:spPr/>
         <p:txBody>
-          <a:bodyPr>
-            <a:normAutofit/>
-          </a:bodyPr>
-          <a:lstStyle/>
-          <a:p>
-            <a:pPr algn="l"/>
-            <a:endParaRPr lang="en-US" sz="1600" dirty="0"/>
+          <a:bodyPr/>
+          <a:lstStyle/>
+          <a:p>
+            <a:endParaRPr lang="en-US"/>
           </a:p>
         </p:txBody>
       </p:sp>
@@ -9239,22 +9266,29 @@
           <a:lstStyle/>
           <a:p>
             <a:r>
-              <a:rPr lang="en-US"/>
-              <a:t>Virtualization of a Real-Time Operating System for Robot Control with a Focus on RealTime Compliance</a:t>
-            </a:r>
-            <a:r>
-              <a:rPr lang="en-GB"/>
+              <a:rPr lang="en-US" dirty="0"/>
+              <a:t>Virtualization of a Real-Time Operating System for Robot Control with a Focus on Real-Time Compliance</a:t>
+            </a:r>
+            <a:r>
+              <a:rPr lang="en-GB" dirty="0"/>
               <a:t> | </a:t>
             </a:r>
             <a:r>
-              <a:rPr lang="de-AT"/>
-              <a:t>Halil Pamuk, BSc.</a:t>
-            </a:r>
-            <a:r>
-              <a:rPr lang="en-GB"/>
+              <a:rPr lang="de-AT" dirty="0"/>
+              <a:t>Halil Pamuk, </a:t>
+            </a:r>
+            <a:r>
+              <a:rPr lang="de-AT" dirty="0" err="1"/>
+              <a:t>BSc</a:t>
+            </a:r>
+            <a:r>
+              <a:rPr lang="de-AT" dirty="0"/>
+              <a:t>.</a:t>
+            </a:r>
+            <a:r>
+              <a:rPr lang="en-GB" dirty="0"/>
               <a:t> | 10.10.2024</a:t>
             </a:r>
-            <a:endParaRPr lang="en-GB" dirty="0"/>
           </a:p>
         </p:txBody>
       </p:sp>
@@ -9404,7 +9438,7 @@
 </file>
 
 <file path=ppt/slides/slide23.xml><?xml version="1.0" encoding="utf-8"?>
-<p:sld xmlns:a="http://schemas.openxmlformats.org/drawingml/2006/main" xmlns:r="http://schemas.openxmlformats.org/officeDocument/2006/relationships" xmlns:p="http://schemas.openxmlformats.org/presentationml/2006/main" show="0">
+<p:sld xmlns:a="http://schemas.openxmlformats.org/drawingml/2006/main" xmlns:r="http://schemas.openxmlformats.org/officeDocument/2006/relationships" xmlns:p="http://schemas.openxmlformats.org/presentationml/2006/main">
   <p:cSld>
     <p:spTree>
       <p:nvGrpSpPr>
@@ -9453,10 +9487,10 @@
       </p:sp>
       <p:sp>
         <p:nvSpPr>
-          <p:cNvPr id="3" name="Textplatzhalter 2">
-            <a:extLst>
-              <a:ext uri="{FF2B5EF4-FFF2-40B4-BE49-F238E27FC236}">
-                <a16:creationId xmlns:a16="http://schemas.microsoft.com/office/drawing/2014/main" id="{04897626-5992-AC9F-A7C2-0A8A6A65B6F9}"/>
+          <p:cNvPr id="10" name="Textplatzhalter 9">
+            <a:extLst>
+              <a:ext uri="{FF2B5EF4-FFF2-40B4-BE49-F238E27FC236}">
+                <a16:creationId xmlns:a16="http://schemas.microsoft.com/office/drawing/2014/main" id="{5332B56B-C791-1A23-7747-E3A57AACD531}"/>
               </a:ext>
             </a:extLst>
           </p:cNvPr>
@@ -9469,13 +9503,10 @@
         </p:nvSpPr>
         <p:spPr/>
         <p:txBody>
-          <a:bodyPr>
-            <a:normAutofit/>
-          </a:bodyPr>
-          <a:lstStyle/>
-          <a:p>
-            <a:pPr algn="l"/>
-            <a:endParaRPr lang="en-US" sz="1600" dirty="0"/>
+          <a:bodyPr/>
+          <a:lstStyle/>
+          <a:p>
+            <a:endParaRPr lang="en-US"/>
           </a:p>
         </p:txBody>
       </p:sp>
@@ -9502,15 +9533,7 @@
           <a:p>
             <a:r>
               <a:rPr lang="en-US" dirty="0"/>
-              <a:t>Virtualization of a Real-Time Operating System for Robot Control with a Focus on </a:t>
-            </a:r>
-            <a:r>
-              <a:rPr lang="en-US" dirty="0" err="1"/>
-              <a:t>RealTime</a:t>
-            </a:r>
-            <a:r>
-              <a:rPr lang="en-US" dirty="0"/>
-              <a:t> Compliance</a:t>
+              <a:t>Virtualization of a Real-Time Operating System for Robot Control with a Focus on Real-Time Compliance</a:t>
             </a:r>
             <a:r>
               <a:rPr lang="en-GB" dirty="0"/>
@@ -9700,7 +9723,7 @@
 </file>
 
 <file path=ppt/slides/slide24.xml><?xml version="1.0" encoding="utf-8"?>
-<p:sld xmlns:a="http://schemas.openxmlformats.org/drawingml/2006/main" xmlns:r="http://schemas.openxmlformats.org/officeDocument/2006/relationships" xmlns:p="http://schemas.openxmlformats.org/presentationml/2006/main" show="0">
+<p:sld xmlns:a="http://schemas.openxmlformats.org/drawingml/2006/main" xmlns:r="http://schemas.openxmlformats.org/officeDocument/2006/relationships" xmlns:p="http://schemas.openxmlformats.org/presentationml/2006/main">
   <p:cSld>
     <p:spTree>
       <p:nvGrpSpPr>
@@ -9757,10 +9780,10 @@
       </p:sp>
       <p:sp>
         <p:nvSpPr>
-          <p:cNvPr id="3" name="Textplatzhalter 2">
-            <a:extLst>
-              <a:ext uri="{FF2B5EF4-FFF2-40B4-BE49-F238E27FC236}">
-                <a16:creationId xmlns:a16="http://schemas.microsoft.com/office/drawing/2014/main" id="{04897626-5992-AC9F-A7C2-0A8A6A65B6F9}"/>
+          <p:cNvPr id="9" name="Textplatzhalter 8">
+            <a:extLst>
+              <a:ext uri="{FF2B5EF4-FFF2-40B4-BE49-F238E27FC236}">
+                <a16:creationId xmlns:a16="http://schemas.microsoft.com/office/drawing/2014/main" id="{B2270340-B59E-8175-F8C2-2E6C2769B314}"/>
               </a:ext>
             </a:extLst>
           </p:cNvPr>
@@ -9773,13 +9796,10 @@
         </p:nvSpPr>
         <p:spPr/>
         <p:txBody>
-          <a:bodyPr>
-            <a:normAutofit/>
-          </a:bodyPr>
-          <a:lstStyle/>
-          <a:p>
-            <a:pPr algn="l"/>
-            <a:endParaRPr lang="en-US" sz="1600" dirty="0"/>
+          <a:bodyPr/>
+          <a:lstStyle/>
+          <a:p>
+            <a:endParaRPr lang="en-US"/>
           </a:p>
         </p:txBody>
       </p:sp>
@@ -9805,22 +9825,29 @@
           <a:lstStyle/>
           <a:p>
             <a:r>
-              <a:rPr lang="en-US"/>
-              <a:t>Virtualization of a Real-Time Operating System for Robot Control with a Focus on RealTime Compliance</a:t>
-            </a:r>
-            <a:r>
-              <a:rPr lang="en-GB"/>
+              <a:rPr lang="en-US" dirty="0"/>
+              <a:t>Virtualization of a Real-Time Operating System for Robot Control with a Focus on Real-Time Compliance</a:t>
+            </a:r>
+            <a:r>
+              <a:rPr lang="en-GB" dirty="0"/>
               <a:t> | </a:t>
             </a:r>
             <a:r>
-              <a:rPr lang="de-AT"/>
-              <a:t>Halil Pamuk, BSc.</a:t>
-            </a:r>
-            <a:r>
-              <a:rPr lang="en-GB"/>
+              <a:rPr lang="de-AT" dirty="0"/>
+              <a:t>Halil Pamuk, </a:t>
+            </a:r>
+            <a:r>
+              <a:rPr lang="de-AT" dirty="0" err="1"/>
+              <a:t>BSc</a:t>
+            </a:r>
+            <a:r>
+              <a:rPr lang="de-AT" dirty="0"/>
+              <a:t>.</a:t>
+            </a:r>
+            <a:r>
+              <a:rPr lang="en-GB" dirty="0"/>
               <a:t> | 10.10.2024</a:t>
             </a:r>
-            <a:endParaRPr lang="en-GB" dirty="0"/>
           </a:p>
         </p:txBody>
       </p:sp>
@@ -9930,7 +9957,7 @@
 </file>
 
 <file path=ppt/slides/slide25.xml><?xml version="1.0" encoding="utf-8"?>
-<p:sld xmlns:a="http://schemas.openxmlformats.org/drawingml/2006/main" xmlns:r="http://schemas.openxmlformats.org/officeDocument/2006/relationships" xmlns:p="http://schemas.openxmlformats.org/presentationml/2006/main" show="0">
+<p:sld xmlns:a="http://schemas.openxmlformats.org/drawingml/2006/main" xmlns:r="http://schemas.openxmlformats.org/officeDocument/2006/relationships" xmlns:p="http://schemas.openxmlformats.org/presentationml/2006/main">
   <p:cSld>
     <p:spTree>
       <p:nvGrpSpPr>
@@ -9987,10 +10014,10 @@
       </p:sp>
       <p:sp>
         <p:nvSpPr>
-          <p:cNvPr id="3" name="Textplatzhalter 2">
-            <a:extLst>
-              <a:ext uri="{FF2B5EF4-FFF2-40B4-BE49-F238E27FC236}">
-                <a16:creationId xmlns:a16="http://schemas.microsoft.com/office/drawing/2014/main" id="{04897626-5992-AC9F-A7C2-0A8A6A65B6F9}"/>
+          <p:cNvPr id="9" name="Textplatzhalter 8">
+            <a:extLst>
+              <a:ext uri="{FF2B5EF4-FFF2-40B4-BE49-F238E27FC236}">
+                <a16:creationId xmlns:a16="http://schemas.microsoft.com/office/drawing/2014/main" id="{8E79CFF0-DC75-045E-59D8-1F24D87FA38B}"/>
               </a:ext>
             </a:extLst>
           </p:cNvPr>
@@ -10003,13 +10030,10 @@
         </p:nvSpPr>
         <p:spPr/>
         <p:txBody>
-          <a:bodyPr>
-            <a:normAutofit/>
-          </a:bodyPr>
-          <a:lstStyle/>
-          <a:p>
-            <a:pPr algn="l"/>
-            <a:endParaRPr lang="en-US" sz="1600" dirty="0"/>
+          <a:bodyPr/>
+          <a:lstStyle/>
+          <a:p>
+            <a:endParaRPr lang="en-US"/>
           </a:p>
         </p:txBody>
       </p:sp>
@@ -10035,22 +10059,29 @@
           <a:lstStyle/>
           <a:p>
             <a:r>
-              <a:rPr lang="en-US"/>
-              <a:t>Virtualization of a Real-Time Operating System for Robot Control with a Focus on RealTime Compliance</a:t>
-            </a:r>
-            <a:r>
-              <a:rPr lang="en-GB"/>
+              <a:rPr lang="en-US" dirty="0"/>
+              <a:t>Virtualization of a Real-Time Operating System for Robot Control with a Focus on Real-Time Compliance</a:t>
+            </a:r>
+            <a:r>
+              <a:rPr lang="en-GB" dirty="0"/>
               <a:t> | </a:t>
             </a:r>
             <a:r>
-              <a:rPr lang="de-AT"/>
-              <a:t>Halil Pamuk, BSc.</a:t>
-            </a:r>
-            <a:r>
-              <a:rPr lang="en-GB"/>
+              <a:rPr lang="de-AT" dirty="0"/>
+              <a:t>Halil Pamuk, </a:t>
+            </a:r>
+            <a:r>
+              <a:rPr lang="de-AT" dirty="0" err="1"/>
+              <a:t>BSc</a:t>
+            </a:r>
+            <a:r>
+              <a:rPr lang="de-AT" dirty="0"/>
+              <a:t>.</a:t>
+            </a:r>
+            <a:r>
+              <a:rPr lang="en-GB" dirty="0"/>
               <a:t> | 10.10.2024</a:t>
             </a:r>
-            <a:endParaRPr lang="en-GB" dirty="0"/>
           </a:p>
         </p:txBody>
       </p:sp>
@@ -10160,7 +10191,7 @@
 </file>
 
 <file path=ppt/slides/slide26.xml><?xml version="1.0" encoding="utf-8"?>
-<p:sld xmlns:a="http://schemas.openxmlformats.org/drawingml/2006/main" xmlns:r="http://schemas.openxmlformats.org/officeDocument/2006/relationships" xmlns:p="http://schemas.openxmlformats.org/presentationml/2006/main" show="0">
+<p:sld xmlns:a="http://schemas.openxmlformats.org/drawingml/2006/main" xmlns:r="http://schemas.openxmlformats.org/officeDocument/2006/relationships" xmlns:p="http://schemas.openxmlformats.org/presentationml/2006/main">
   <p:cSld>
     <p:spTree>
       <p:nvGrpSpPr>
@@ -10213,10 +10244,10 @@
       </p:sp>
       <p:sp>
         <p:nvSpPr>
-          <p:cNvPr id="3" name="Textplatzhalter 2">
-            <a:extLst>
-              <a:ext uri="{FF2B5EF4-FFF2-40B4-BE49-F238E27FC236}">
-                <a16:creationId xmlns:a16="http://schemas.microsoft.com/office/drawing/2014/main" id="{04897626-5992-AC9F-A7C2-0A8A6A65B6F9}"/>
+          <p:cNvPr id="9" name="Textplatzhalter 8">
+            <a:extLst>
+              <a:ext uri="{FF2B5EF4-FFF2-40B4-BE49-F238E27FC236}">
+                <a16:creationId xmlns:a16="http://schemas.microsoft.com/office/drawing/2014/main" id="{DF8ABF9D-33A6-7FCC-E854-96B0383AEE21}"/>
               </a:ext>
             </a:extLst>
           </p:cNvPr>
@@ -10229,13 +10260,10 @@
         </p:nvSpPr>
         <p:spPr/>
         <p:txBody>
-          <a:bodyPr>
-            <a:normAutofit/>
-          </a:bodyPr>
-          <a:lstStyle/>
-          <a:p>
-            <a:pPr algn="l"/>
-            <a:endParaRPr lang="en-US" sz="1600" dirty="0"/>
+          <a:bodyPr/>
+          <a:lstStyle/>
+          <a:p>
+            <a:endParaRPr lang="en-US"/>
           </a:p>
         </p:txBody>
       </p:sp>
@@ -10261,22 +10289,29 @@
           <a:lstStyle/>
           <a:p>
             <a:r>
-              <a:rPr lang="en-US"/>
-              <a:t>Virtualization of a Real-Time Operating System for Robot Control with a Focus on RealTime Compliance</a:t>
-            </a:r>
-            <a:r>
-              <a:rPr lang="en-GB"/>
+              <a:rPr lang="en-US" dirty="0"/>
+              <a:t>Virtualization of a Real-Time Operating System for Robot Control with a Focus on Real-Time Compliance</a:t>
+            </a:r>
+            <a:r>
+              <a:rPr lang="en-GB" dirty="0"/>
               <a:t> | </a:t>
             </a:r>
             <a:r>
-              <a:rPr lang="de-AT"/>
-              <a:t>Halil Pamuk, BSc.</a:t>
-            </a:r>
-            <a:r>
-              <a:rPr lang="en-GB"/>
+              <a:rPr lang="de-AT" dirty="0"/>
+              <a:t>Halil Pamuk, </a:t>
+            </a:r>
+            <a:r>
+              <a:rPr lang="de-AT" dirty="0" err="1"/>
+              <a:t>BSc</a:t>
+            </a:r>
+            <a:r>
+              <a:rPr lang="de-AT" dirty="0"/>
+              <a:t>.</a:t>
+            </a:r>
+            <a:r>
+              <a:rPr lang="en-GB" dirty="0"/>
               <a:t> | 10.10.2024</a:t>
             </a:r>
-            <a:endParaRPr lang="en-GB" dirty="0"/>
           </a:p>
         </p:txBody>
       </p:sp>
@@ -10416,7 +10451,7 @@
 </file>
 
 <file path=ppt/slides/slide27.xml><?xml version="1.0" encoding="utf-8"?>
-<p:sld xmlns:a="http://schemas.openxmlformats.org/drawingml/2006/main" xmlns:r="http://schemas.openxmlformats.org/officeDocument/2006/relationships" xmlns:p="http://schemas.openxmlformats.org/presentationml/2006/main" show="0">
+<p:sld xmlns:a="http://schemas.openxmlformats.org/drawingml/2006/main" xmlns:r="http://schemas.openxmlformats.org/officeDocument/2006/relationships" xmlns:p="http://schemas.openxmlformats.org/presentationml/2006/main">
   <p:cSld>
     <p:spTree>
       <p:nvGrpSpPr>
@@ -10469,10 +10504,10 @@
       </p:sp>
       <p:sp>
         <p:nvSpPr>
-          <p:cNvPr id="3" name="Textplatzhalter 2">
-            <a:extLst>
-              <a:ext uri="{FF2B5EF4-FFF2-40B4-BE49-F238E27FC236}">
-                <a16:creationId xmlns:a16="http://schemas.microsoft.com/office/drawing/2014/main" id="{04897626-5992-AC9F-A7C2-0A8A6A65B6F9}"/>
+          <p:cNvPr id="8" name="Textplatzhalter 7">
+            <a:extLst>
+              <a:ext uri="{FF2B5EF4-FFF2-40B4-BE49-F238E27FC236}">
+                <a16:creationId xmlns:a16="http://schemas.microsoft.com/office/drawing/2014/main" id="{5A2F616D-E64A-DD69-5A76-7807B24FBC29}"/>
               </a:ext>
             </a:extLst>
           </p:cNvPr>
@@ -10485,13 +10520,10 @@
         </p:nvSpPr>
         <p:spPr/>
         <p:txBody>
-          <a:bodyPr>
-            <a:normAutofit/>
-          </a:bodyPr>
-          <a:lstStyle/>
-          <a:p>
-            <a:pPr algn="l"/>
-            <a:endParaRPr lang="en-US" sz="1600" dirty="0"/>
+          <a:bodyPr/>
+          <a:lstStyle/>
+          <a:p>
+            <a:endParaRPr lang="en-US"/>
           </a:p>
         </p:txBody>
       </p:sp>
@@ -10517,22 +10549,29 @@
           <a:lstStyle/>
           <a:p>
             <a:r>
-              <a:rPr lang="en-US"/>
-              <a:t>Virtualization of a Real-Time Operating System for Robot Control with a Focus on RealTime Compliance</a:t>
-            </a:r>
-            <a:r>
-              <a:rPr lang="en-GB"/>
+              <a:rPr lang="en-US" dirty="0"/>
+              <a:t>Virtualization of a Real-Time Operating System for Robot Control with a Focus on Real-Time Compliance</a:t>
+            </a:r>
+            <a:r>
+              <a:rPr lang="en-GB" dirty="0"/>
               <a:t> | </a:t>
             </a:r>
             <a:r>
-              <a:rPr lang="de-AT"/>
-              <a:t>Halil Pamuk, BSc.</a:t>
-            </a:r>
-            <a:r>
-              <a:rPr lang="en-GB"/>
+              <a:rPr lang="de-AT" dirty="0"/>
+              <a:t>Halil Pamuk, </a:t>
+            </a:r>
+            <a:r>
+              <a:rPr lang="de-AT" dirty="0" err="1"/>
+              <a:t>BSc</a:t>
+            </a:r>
+            <a:r>
+              <a:rPr lang="de-AT" dirty="0"/>
+              <a:t>.</a:t>
+            </a:r>
+            <a:r>
+              <a:rPr lang="en-GB" dirty="0"/>
               <a:t> | 10.10.2024</a:t>
             </a:r>
-            <a:endParaRPr lang="en-GB" dirty="0"/>
           </a:p>
         </p:txBody>
       </p:sp>
@@ -10642,7 +10681,7 @@
 </file>
 
 <file path=ppt/slides/slide28.xml><?xml version="1.0" encoding="utf-8"?>
-<p:sld xmlns:a="http://schemas.openxmlformats.org/drawingml/2006/main" xmlns:r="http://schemas.openxmlformats.org/officeDocument/2006/relationships" xmlns:p="http://schemas.openxmlformats.org/presentationml/2006/main" show="0">
+<p:sld xmlns:a="http://schemas.openxmlformats.org/drawingml/2006/main" xmlns:r="http://schemas.openxmlformats.org/officeDocument/2006/relationships" xmlns:p="http://schemas.openxmlformats.org/presentationml/2006/main">
   <p:cSld>
     <p:spTree>
       <p:nvGrpSpPr>
@@ -10707,10 +10746,10 @@
       </p:sp>
       <p:sp>
         <p:nvSpPr>
-          <p:cNvPr id="3" name="Textplatzhalter 2">
-            <a:extLst>
-              <a:ext uri="{FF2B5EF4-FFF2-40B4-BE49-F238E27FC236}">
-                <a16:creationId xmlns:a16="http://schemas.microsoft.com/office/drawing/2014/main" id="{04897626-5992-AC9F-A7C2-0A8A6A65B6F9}"/>
+          <p:cNvPr id="9" name="Textplatzhalter 8">
+            <a:extLst>
+              <a:ext uri="{FF2B5EF4-FFF2-40B4-BE49-F238E27FC236}">
+                <a16:creationId xmlns:a16="http://schemas.microsoft.com/office/drawing/2014/main" id="{0E092BD9-FBBD-D39C-EE6C-8ED5D5A0EDB0}"/>
               </a:ext>
             </a:extLst>
           </p:cNvPr>
@@ -10723,13 +10762,10 @@
         </p:nvSpPr>
         <p:spPr/>
         <p:txBody>
-          <a:bodyPr>
-            <a:normAutofit/>
-          </a:bodyPr>
-          <a:lstStyle/>
-          <a:p>
-            <a:pPr algn="l"/>
-            <a:endParaRPr lang="en-US" sz="1600" dirty="0"/>
+          <a:bodyPr/>
+          <a:lstStyle/>
+          <a:p>
+            <a:endParaRPr lang="en-US"/>
           </a:p>
         </p:txBody>
       </p:sp>
@@ -10755,22 +10791,29 @@
           <a:lstStyle/>
           <a:p>
             <a:r>
-              <a:rPr lang="en-US"/>
-              <a:t>Virtualization of a Real-Time Operating System for Robot Control with a Focus on RealTime Compliance</a:t>
-            </a:r>
-            <a:r>
-              <a:rPr lang="en-GB"/>
+              <a:rPr lang="en-US" dirty="0"/>
+              <a:t>Virtualization of a Real-Time Operating System for Robot Control with a Focus on Real-Time Compliance</a:t>
+            </a:r>
+            <a:r>
+              <a:rPr lang="en-GB" dirty="0"/>
               <a:t> | </a:t>
             </a:r>
             <a:r>
-              <a:rPr lang="de-AT"/>
-              <a:t>Halil Pamuk, BSc.</a:t>
-            </a:r>
-            <a:r>
-              <a:rPr lang="en-GB"/>
+              <a:rPr lang="de-AT" dirty="0"/>
+              <a:t>Halil Pamuk, </a:t>
+            </a:r>
+            <a:r>
+              <a:rPr lang="de-AT" dirty="0" err="1"/>
+              <a:t>BSc</a:t>
+            </a:r>
+            <a:r>
+              <a:rPr lang="de-AT" dirty="0"/>
+              <a:t>.</a:t>
+            </a:r>
+            <a:r>
+              <a:rPr lang="en-GB" dirty="0"/>
               <a:t> | 10.10.2024</a:t>
             </a:r>
-            <a:endParaRPr lang="en-GB" dirty="0"/>
           </a:p>
         </p:txBody>
       </p:sp>
@@ -10880,7 +10923,7 @@
 </file>
 
 <file path=ppt/slides/slide29.xml><?xml version="1.0" encoding="utf-8"?>
-<p:sld xmlns:a="http://schemas.openxmlformats.org/drawingml/2006/main" xmlns:r="http://schemas.openxmlformats.org/officeDocument/2006/relationships" xmlns:p="http://schemas.openxmlformats.org/presentationml/2006/main" show="0">
+<p:sld xmlns:a="http://schemas.openxmlformats.org/drawingml/2006/main" xmlns:r="http://schemas.openxmlformats.org/officeDocument/2006/relationships" xmlns:p="http://schemas.openxmlformats.org/presentationml/2006/main">
   <p:cSld>
     <p:spTree>
       <p:nvGrpSpPr>
@@ -10928,10 +10971,10 @@
       </p:sp>
       <p:sp>
         <p:nvSpPr>
-          <p:cNvPr id="3" name="Textplatzhalter 2">
-            <a:extLst>
-              <a:ext uri="{FF2B5EF4-FFF2-40B4-BE49-F238E27FC236}">
-                <a16:creationId xmlns:a16="http://schemas.microsoft.com/office/drawing/2014/main" id="{04897626-5992-AC9F-A7C2-0A8A6A65B6F9}"/>
+          <p:cNvPr id="7" name="Textplatzhalter 6">
+            <a:extLst>
+              <a:ext uri="{FF2B5EF4-FFF2-40B4-BE49-F238E27FC236}">
+                <a16:creationId xmlns:a16="http://schemas.microsoft.com/office/drawing/2014/main" id="{880F9D67-C948-8C51-4CE0-26D2401E6D0D}"/>
               </a:ext>
             </a:extLst>
           </p:cNvPr>
@@ -10947,7 +10990,7 @@
           <a:bodyPr/>
           <a:lstStyle/>
           <a:p>
-            <a:endParaRPr lang="en-US" dirty="0"/>
+            <a:endParaRPr lang="en-US"/>
           </a:p>
         </p:txBody>
       </p:sp>
@@ -10973,22 +11016,29 @@
           <a:lstStyle/>
           <a:p>
             <a:r>
-              <a:rPr lang="en-US"/>
-              <a:t>Virtualization of a Real-Time Operating System for Robot Control with a Focus on RealTime Compliance</a:t>
-            </a:r>
-            <a:r>
-              <a:rPr lang="en-GB"/>
+              <a:rPr lang="en-US" dirty="0"/>
+              <a:t>Virtualization of a Real-Time Operating System for Robot Control with a Focus on Real-Time Compliance</a:t>
+            </a:r>
+            <a:r>
+              <a:rPr lang="en-GB" dirty="0"/>
               <a:t> | </a:t>
             </a:r>
             <a:r>
-              <a:rPr lang="de-AT"/>
-              <a:t>Halil Pamuk, BSc.</a:t>
-            </a:r>
-            <a:r>
-              <a:rPr lang="en-GB"/>
+              <a:rPr lang="de-AT" dirty="0"/>
+              <a:t>Halil Pamuk, </a:t>
+            </a:r>
+            <a:r>
+              <a:rPr lang="de-AT" dirty="0" err="1"/>
+              <a:t>BSc</a:t>
+            </a:r>
+            <a:r>
+              <a:rPr lang="de-AT" dirty="0"/>
+              <a:t>.</a:t>
+            </a:r>
+            <a:r>
+              <a:rPr lang="en-GB" dirty="0"/>
               <a:t> | 10.10.2024</a:t>
             </a:r>
-            <a:endParaRPr lang="en-GB" dirty="0"/>
           </a:p>
         </p:txBody>
       </p:sp>
@@ -11271,22 +11321,29 @@
           <a:lstStyle/>
           <a:p>
             <a:r>
-              <a:rPr lang="en-US"/>
-              <a:t>Virtualization of a Real-Time Operating System for Robot Control with a Focus on RealTime Compliance</a:t>
-            </a:r>
-            <a:r>
-              <a:rPr lang="en-GB"/>
+              <a:rPr lang="en-US" dirty="0"/>
+              <a:t>Virtualization of a Real-Time Operating System for Robot Control with a Focus on Real-Time Compliance</a:t>
+            </a:r>
+            <a:r>
+              <a:rPr lang="en-GB" dirty="0"/>
               <a:t> | </a:t>
             </a:r>
             <a:r>
-              <a:rPr lang="de-AT"/>
-              <a:t>Halil Pamuk, BSc.</a:t>
-            </a:r>
-            <a:r>
-              <a:rPr lang="en-GB"/>
+              <a:rPr lang="de-AT" dirty="0"/>
+              <a:t>Halil Pamuk, </a:t>
+            </a:r>
+            <a:r>
+              <a:rPr lang="de-AT" dirty="0" err="1"/>
+              <a:t>BSc</a:t>
+            </a:r>
+            <a:r>
+              <a:rPr lang="de-AT" dirty="0"/>
+              <a:t>.</a:t>
+            </a:r>
+            <a:r>
+              <a:rPr lang="en-GB" dirty="0"/>
               <a:t> | 10.10.2024</a:t>
             </a:r>
-            <a:endParaRPr lang="en-GB" dirty="0"/>
           </a:p>
         </p:txBody>
       </p:sp>
@@ -11332,11 +11389,17 @@
           <p:cNvGraphicFramePr>
             <a:graphicFrameLocks noGrp="1"/>
           </p:cNvGraphicFramePr>
-          <p:nvPr/>
+          <p:nvPr>
+            <p:extLst>
+              <p:ext uri="{D42A27DB-BD31-4B8C-83A1-F6EECF244321}">
+                <p14:modId xmlns:p14="http://schemas.microsoft.com/office/powerpoint/2010/main" val="2711745062"/>
+              </p:ext>
+            </p:extLst>
+          </p:nvPr>
         </p:nvGraphicFramePr>
         <p:xfrm>
-          <a:off x="1204700" y="960531"/>
-          <a:ext cx="6725919" cy="1854200"/>
+          <a:off x="441145" y="901603"/>
+          <a:ext cx="8343868" cy="1981200"/>
         </p:xfrm>
         <a:graphic>
           <a:graphicData uri="http://schemas.openxmlformats.org/drawingml/2006/table">
@@ -11345,14 +11408,14 @@
                 <a:tableStyleId>{5A111915-BE36-4E01-A7E5-04B1672EAD32}</a:tableStyleId>
               </a:tblPr>
               <a:tblGrid>
-                <a:gridCol w="3398736">
+                <a:gridCol w="4216317">
                   <a:extLst>
                     <a:ext uri="{9D8B030D-6E8A-4147-A177-3AD203B41FA5}">
                       <a16:colId xmlns:a16="http://schemas.microsoft.com/office/drawing/2014/main" val="264832588"/>
                     </a:ext>
                   </a:extLst>
                 </a:gridCol>
-                <a:gridCol w="3327183">
+                <a:gridCol w="4127551">
                   <a:extLst>
                     <a:ext uri="{9D8B030D-6E8A-4147-A177-3AD203B41FA5}">
                       <a16:colId xmlns:a16="http://schemas.microsoft.com/office/drawing/2014/main" val="2528670559"/>
@@ -11368,21 +11431,29 @@
                     <a:p>
                       <a:pPr algn="ctr"/>
                       <a:r>
-                        <a:rPr lang="de-AT" dirty="0"/>
+                        <a:rPr lang="de-AT" sz="2000" dirty="0">
+                          <a:latin typeface="+mn-lt"/>
+                        </a:rPr>
                         <a:t>Virtualization </a:t>
                       </a:r>
                       <a:r>
-                        <a:rPr lang="de-AT" dirty="0" err="1"/>
+                        <a:rPr lang="de-AT" sz="2000" dirty="0" err="1">
+                          <a:latin typeface="+mn-lt"/>
+                        </a:rPr>
                         <a:t>of</a:t>
                       </a:r>
                       <a:r>
-                        <a:rPr lang="de-AT" dirty="0"/>
+                        <a:rPr lang="de-AT" sz="2000" dirty="0">
+                          <a:latin typeface="+mn-lt"/>
+                        </a:rPr>
                         <a:t> Real-Time Operating Systems</a:t>
                       </a:r>
-                      <a:endParaRPr lang="en-US" dirty="0"/>
+                      <a:endParaRPr lang="en-US" sz="2000" dirty="0">
+                        <a:latin typeface="+mn-lt"/>
+                      </a:endParaRPr>
                     </a:p>
                   </a:txBody>
-                  <a:tcPr/>
+                  <a:tcPr anchor="ctr"/>
                 </a:tc>
                 <a:tc hMerge="1">
                   <a:txBody>
@@ -11408,13 +11479,17 @@
                     <a:p>
                       <a:pPr algn="ctr"/>
                       <a:r>
-                        <a:rPr lang="de-AT" b="1" dirty="0"/>
+                        <a:rPr lang="de-AT" sz="2000" b="1" dirty="0">
+                          <a:latin typeface="+mn-lt"/>
+                        </a:rPr>
                         <a:t>Advantages</a:t>
                       </a:r>
-                      <a:endParaRPr lang="en-US" b="1" dirty="0"/>
+                      <a:endParaRPr lang="en-US" sz="2000" b="1" dirty="0">
+                        <a:latin typeface="+mn-lt"/>
+                      </a:endParaRPr>
                     </a:p>
                   </a:txBody>
-                  <a:tcPr>
+                  <a:tcPr anchor="ctr">
                     <a:solidFill>
                       <a:schemeClr val="accent6">
                         <a:lumMod val="40000"/>
@@ -11430,13 +11505,17 @@
                     <a:p>
                       <a:pPr algn="ctr"/>
                       <a:r>
-                        <a:rPr lang="de-AT" b="1" dirty="0"/>
+                        <a:rPr lang="de-AT" sz="2000" b="1" dirty="0">
+                          <a:latin typeface="+mn-lt"/>
+                        </a:rPr>
                         <a:t>Disadvantages</a:t>
                       </a:r>
-                      <a:endParaRPr lang="en-US" b="1" dirty="0"/>
+                      <a:endParaRPr lang="en-US" sz="2000" b="1" dirty="0">
+                        <a:latin typeface="+mn-lt"/>
+                      </a:endParaRPr>
                     </a:p>
                   </a:txBody>
-                  <a:tcPr>
+                  <a:tcPr anchor="ctr">
                     <a:solidFill>
                       <a:schemeClr val="accent6">
                         <a:lumMod val="40000"/>
@@ -11475,15 +11554,16 @@
                         <a:defRPr/>
                       </a:pPr>
                       <a:r>
-                        <a:rPr lang="en-US" sz="1350" b="0" kern="1200" dirty="0">
+                        <a:rPr lang="en-US" sz="2000" b="0" kern="1200" dirty="0">
                           <a:solidFill>
                             <a:schemeClr val="dk1"/>
                           </a:solidFill>
                           <a:effectLst/>
+                          <a:latin typeface="+mn-lt"/>
                         </a:rPr>
                         <a:t>Scalability &amp; flexibility</a:t>
                       </a:r>
-                      <a:endParaRPr lang="en-US" sz="1350" b="0" i="0" kern="1200" dirty="0">
+                      <a:endParaRPr lang="en-US" sz="2000" b="0" i="0" kern="1200" dirty="0">
                         <a:solidFill>
                           <a:schemeClr val="dk1"/>
                         </a:solidFill>
@@ -11494,7 +11574,7 @@
                       </a:endParaRPr>
                     </a:p>
                   </a:txBody>
-                  <a:tcPr/>
+                  <a:tcPr anchor="ctr"/>
                 </a:tc>
                 <a:tc>
                   <a:txBody>
@@ -11503,15 +11583,16 @@
                     <a:p>
                       <a:pPr algn="ctr"/>
                       <a:r>
-                        <a:rPr lang="en-US" sz="1350" b="0" kern="1200" dirty="0">
+                        <a:rPr lang="en-US" sz="2000" b="0" kern="1200" dirty="0">
                           <a:solidFill>
                             <a:schemeClr val="dk1"/>
                           </a:solidFill>
                           <a:effectLst/>
+                          <a:latin typeface="+mn-lt"/>
                         </a:rPr>
                         <a:t>Increased overhead and latency</a:t>
                       </a:r>
-                      <a:endParaRPr lang="en-US" sz="1350" b="0" i="0" kern="1200" dirty="0">
+                      <a:endParaRPr lang="en-US" sz="2000" b="0" i="0" kern="1200" dirty="0">
                         <a:solidFill>
                           <a:schemeClr val="dk1"/>
                         </a:solidFill>
@@ -11522,7 +11603,7 @@
                       </a:endParaRPr>
                     </a:p>
                   </a:txBody>
-                  <a:tcPr/>
+                  <a:tcPr anchor="ctr"/>
                 </a:tc>
                 <a:extLst>
                   <a:ext uri="{0D108BD9-81ED-4DB2-BD59-A6C34878D82A}">
@@ -11554,15 +11635,16 @@
                         <a:defRPr/>
                       </a:pPr>
                       <a:r>
-                        <a:rPr lang="en-US" sz="1350" b="0" kern="1200" dirty="0">
+                        <a:rPr lang="en-US" sz="2000" b="0" kern="1200" dirty="0">
                           <a:solidFill>
                             <a:schemeClr val="dk1"/>
                           </a:solidFill>
                           <a:effectLst/>
+                          <a:latin typeface="+mn-lt"/>
                         </a:rPr>
                         <a:t>Cheaper</a:t>
                       </a:r>
-                      <a:endParaRPr lang="en-US" sz="1350" b="0" i="0" kern="1200" dirty="0">
+                      <a:endParaRPr lang="en-US" sz="2000" b="0" i="0" kern="1200" dirty="0">
                         <a:solidFill>
                           <a:schemeClr val="dk1"/>
                         </a:solidFill>
@@ -11573,7 +11655,7 @@
                       </a:endParaRPr>
                     </a:p>
                   </a:txBody>
-                  <a:tcPr/>
+                  <a:tcPr anchor="ctr"/>
                 </a:tc>
                 <a:tc>
                   <a:txBody>
@@ -11582,15 +11664,16 @@
                     <a:p>
                       <a:pPr algn="ctr"/>
                       <a:r>
-                        <a:rPr lang="en-US" sz="1350" b="0" kern="1200" dirty="0">
+                        <a:rPr lang="en-US" sz="2000" b="0" kern="1200" dirty="0">
                           <a:solidFill>
                             <a:schemeClr val="dk1"/>
                           </a:solidFill>
                           <a:effectLst/>
+                          <a:latin typeface="+mn-lt"/>
                         </a:rPr>
                         <a:t>Performance variability</a:t>
                       </a:r>
-                      <a:endParaRPr lang="en-US" sz="1350" b="0" i="0" kern="1200" dirty="0">
+                      <a:endParaRPr lang="en-US" sz="2000" b="0" i="0" kern="1200" dirty="0">
                         <a:solidFill>
                           <a:schemeClr val="dk1"/>
                         </a:solidFill>
@@ -11601,7 +11684,7 @@
                       </a:endParaRPr>
                     </a:p>
                   </a:txBody>
-                  <a:tcPr/>
+                  <a:tcPr anchor="ctr"/>
                 </a:tc>
                 <a:extLst>
                   <a:ext uri="{0D108BD9-81ED-4DB2-BD59-A6C34878D82A}">
@@ -11633,15 +11716,16 @@
                         <a:defRPr/>
                       </a:pPr>
                       <a:r>
-                        <a:rPr lang="en-US" sz="1350" b="0" kern="1200" dirty="0">
+                        <a:rPr lang="en-US" sz="2000" b="0" kern="1200" dirty="0">
                           <a:solidFill>
                             <a:schemeClr val="dk1"/>
                           </a:solidFill>
                           <a:effectLst/>
+                          <a:latin typeface="+mn-lt"/>
                         </a:rPr>
                         <a:t>Remote management</a:t>
                       </a:r>
-                      <a:endParaRPr lang="en-US" sz="1350" b="0" i="0" kern="1200" dirty="0">
+                      <a:endParaRPr lang="en-US" sz="2000" b="0" i="0" kern="1200" dirty="0">
                         <a:solidFill>
                           <a:schemeClr val="dk1"/>
                         </a:solidFill>
@@ -11652,7 +11736,7 @@
                       </a:endParaRPr>
                     </a:p>
                   </a:txBody>
-                  <a:tcPr/>
+                  <a:tcPr anchor="ctr"/>
                 </a:tc>
                 <a:tc>
                   <a:txBody>
@@ -11677,15 +11761,16 @@
                         <a:defRPr/>
                       </a:pPr>
                       <a:r>
-                        <a:rPr lang="en-US" sz="1350" b="0" kern="1200" dirty="0">
+                        <a:rPr lang="en-US" sz="2000" b="0" kern="1200" dirty="0">
                           <a:solidFill>
                             <a:schemeClr val="dk1"/>
                           </a:solidFill>
                           <a:effectLst/>
+                          <a:latin typeface="+mn-lt"/>
                         </a:rPr>
                         <a:t>Complexity</a:t>
                       </a:r>
-                      <a:endParaRPr lang="en-US" sz="1350" b="0" i="0" kern="1200" dirty="0">
+                      <a:endParaRPr lang="en-US" sz="2000" b="0" i="0" kern="1200" dirty="0">
                         <a:solidFill>
                           <a:schemeClr val="dk1"/>
                         </a:solidFill>
@@ -11696,7 +11781,7 @@
                       </a:endParaRPr>
                     </a:p>
                   </a:txBody>
-                  <a:tcPr/>
+                  <a:tcPr anchor="ctr"/>
                 </a:tc>
                 <a:extLst>
                   <a:ext uri="{0D108BD9-81ED-4DB2-BD59-A6C34878D82A}">
@@ -11722,7 +11807,7 @@
 </file>
 
 <file path=ppt/slides/slide30.xml><?xml version="1.0" encoding="utf-8"?>
-<p:sld xmlns:a="http://schemas.openxmlformats.org/drawingml/2006/main" xmlns:r="http://schemas.openxmlformats.org/officeDocument/2006/relationships" xmlns:p="http://schemas.openxmlformats.org/presentationml/2006/main" show="0">
+<p:sld xmlns:a="http://schemas.openxmlformats.org/drawingml/2006/main" xmlns:r="http://schemas.openxmlformats.org/officeDocument/2006/relationships" xmlns:p="http://schemas.openxmlformats.org/presentationml/2006/main">
   <p:cSld>
     <p:spTree>
       <p:nvGrpSpPr>
@@ -11774,10 +11859,10 @@
       </p:sp>
       <p:sp>
         <p:nvSpPr>
-          <p:cNvPr id="3" name="Textplatzhalter 2">
-            <a:extLst>
-              <a:ext uri="{FF2B5EF4-FFF2-40B4-BE49-F238E27FC236}">
-                <a16:creationId xmlns:a16="http://schemas.microsoft.com/office/drawing/2014/main" id="{04897626-5992-AC9F-A7C2-0A8A6A65B6F9}"/>
+          <p:cNvPr id="7" name="Textplatzhalter 6">
+            <a:extLst>
+              <a:ext uri="{FF2B5EF4-FFF2-40B4-BE49-F238E27FC236}">
+                <a16:creationId xmlns:a16="http://schemas.microsoft.com/office/drawing/2014/main" id="{CDC2B92F-8BCC-41B8-C7B3-CD23895B2D89}"/>
               </a:ext>
             </a:extLst>
           </p:cNvPr>
@@ -11793,7 +11878,7 @@
           <a:bodyPr/>
           <a:lstStyle/>
           <a:p>
-            <a:endParaRPr lang="en-US" dirty="0"/>
+            <a:endParaRPr lang="en-US"/>
           </a:p>
         </p:txBody>
       </p:sp>
@@ -11819,22 +11904,29 @@
           <a:lstStyle/>
           <a:p>
             <a:r>
-              <a:rPr lang="en-US"/>
-              <a:t>Virtualization of a Real-Time Operating System for Robot Control with a Focus on RealTime Compliance</a:t>
-            </a:r>
-            <a:r>
-              <a:rPr lang="en-GB"/>
+              <a:rPr lang="en-US" dirty="0"/>
+              <a:t>Virtualization of a Real-Time Operating System for Robot Control with a Focus on Real-Time Compliance</a:t>
+            </a:r>
+            <a:r>
+              <a:rPr lang="en-GB" dirty="0"/>
               <a:t> | </a:t>
             </a:r>
             <a:r>
-              <a:rPr lang="de-AT"/>
-              <a:t>Halil Pamuk, BSc.</a:t>
-            </a:r>
-            <a:r>
-              <a:rPr lang="en-GB"/>
+              <a:rPr lang="de-AT" dirty="0"/>
+              <a:t>Halil Pamuk, </a:t>
+            </a:r>
+            <a:r>
+              <a:rPr lang="de-AT" dirty="0" err="1"/>
+              <a:t>BSc</a:t>
+            </a:r>
+            <a:r>
+              <a:rPr lang="de-AT" dirty="0"/>
+              <a:t>.</a:t>
+            </a:r>
+            <a:r>
+              <a:rPr lang="en-GB" dirty="0"/>
               <a:t> | 10.10.2024</a:t>
             </a:r>
-            <a:endParaRPr lang="en-GB" dirty="0"/>
           </a:p>
         </p:txBody>
       </p:sp>
@@ -11952,7 +12044,7 @@
 </file>
 
 <file path=ppt/slides/slide31.xml><?xml version="1.0" encoding="utf-8"?>
-<p:sld xmlns:a="http://schemas.openxmlformats.org/drawingml/2006/main" xmlns:r="http://schemas.openxmlformats.org/officeDocument/2006/relationships" xmlns:p="http://schemas.openxmlformats.org/presentationml/2006/main" show="0">
+<p:sld xmlns:a="http://schemas.openxmlformats.org/drawingml/2006/main" xmlns:r="http://schemas.openxmlformats.org/officeDocument/2006/relationships" xmlns:p="http://schemas.openxmlformats.org/presentationml/2006/main">
   <p:cSld>
     <p:spTree>
       <p:nvGrpSpPr>
@@ -12000,10 +12092,10 @@
       </p:sp>
       <p:sp>
         <p:nvSpPr>
-          <p:cNvPr id="3" name="Textplatzhalter 2">
-            <a:extLst>
-              <a:ext uri="{FF2B5EF4-FFF2-40B4-BE49-F238E27FC236}">
-                <a16:creationId xmlns:a16="http://schemas.microsoft.com/office/drawing/2014/main" id="{04897626-5992-AC9F-A7C2-0A8A6A65B6F9}"/>
+          <p:cNvPr id="7" name="Textplatzhalter 6">
+            <a:extLst>
+              <a:ext uri="{FF2B5EF4-FFF2-40B4-BE49-F238E27FC236}">
+                <a16:creationId xmlns:a16="http://schemas.microsoft.com/office/drawing/2014/main" id="{FF8ADA63-74C9-A3F9-E577-29817E7A69A1}"/>
               </a:ext>
             </a:extLst>
           </p:cNvPr>
@@ -12019,7 +12111,7 @@
           <a:bodyPr/>
           <a:lstStyle/>
           <a:p>
-            <a:endParaRPr lang="en-US" dirty="0"/>
+            <a:endParaRPr lang="en-US"/>
           </a:p>
         </p:txBody>
       </p:sp>
@@ -12045,22 +12137,29 @@
           <a:lstStyle/>
           <a:p>
             <a:r>
-              <a:rPr lang="en-US"/>
-              <a:t>Virtualization of a Real-Time Operating System for Robot Control with a Focus on RealTime Compliance</a:t>
-            </a:r>
-            <a:r>
-              <a:rPr lang="en-GB"/>
+              <a:rPr lang="en-US" dirty="0"/>
+              <a:t>Virtualization of a Real-Time Operating System for Robot Control with a Focus on Real-Time Compliance</a:t>
+            </a:r>
+            <a:r>
+              <a:rPr lang="en-GB" dirty="0"/>
               <a:t> | </a:t>
             </a:r>
             <a:r>
-              <a:rPr lang="de-AT"/>
-              <a:t>Halil Pamuk, BSc.</a:t>
-            </a:r>
-            <a:r>
-              <a:rPr lang="en-GB"/>
+              <a:rPr lang="de-AT" dirty="0"/>
+              <a:t>Halil Pamuk, </a:t>
+            </a:r>
+            <a:r>
+              <a:rPr lang="de-AT" dirty="0" err="1"/>
+              <a:t>BSc</a:t>
+            </a:r>
+            <a:r>
+              <a:rPr lang="de-AT" dirty="0"/>
+              <a:t>.</a:t>
+            </a:r>
+            <a:r>
+              <a:rPr lang="en-GB" dirty="0"/>
               <a:t> | 10.10.2024</a:t>
             </a:r>
-            <a:endParaRPr lang="en-GB" dirty="0"/>
           </a:p>
         </p:txBody>
       </p:sp>
@@ -12138,7 +12237,7 @@
 </file>
 
 <file path=ppt/slides/slide32.xml><?xml version="1.0" encoding="utf-8"?>
-<p:sld xmlns:a="http://schemas.openxmlformats.org/drawingml/2006/main" xmlns:r="http://schemas.openxmlformats.org/officeDocument/2006/relationships" xmlns:p="http://schemas.openxmlformats.org/presentationml/2006/main" show="0">
+<p:sld xmlns:a="http://schemas.openxmlformats.org/drawingml/2006/main" xmlns:r="http://schemas.openxmlformats.org/officeDocument/2006/relationships" xmlns:p="http://schemas.openxmlformats.org/presentationml/2006/main">
   <p:cSld>
     <p:spTree>
       <p:nvGrpSpPr>
@@ -12191,10 +12290,10 @@
       </p:sp>
       <p:sp>
         <p:nvSpPr>
-          <p:cNvPr id="3" name="Textplatzhalter 2">
-            <a:extLst>
-              <a:ext uri="{FF2B5EF4-FFF2-40B4-BE49-F238E27FC236}">
-                <a16:creationId xmlns:a16="http://schemas.microsoft.com/office/drawing/2014/main" id="{04897626-5992-AC9F-A7C2-0A8A6A65B6F9}"/>
+          <p:cNvPr id="7" name="Textplatzhalter 6">
+            <a:extLst>
+              <a:ext uri="{FF2B5EF4-FFF2-40B4-BE49-F238E27FC236}">
+                <a16:creationId xmlns:a16="http://schemas.microsoft.com/office/drawing/2014/main" id="{ECA121B1-DEE9-97EE-0E52-9878BA5532B4}"/>
               </a:ext>
             </a:extLst>
           </p:cNvPr>
@@ -12210,7 +12309,7 @@
           <a:bodyPr/>
           <a:lstStyle/>
           <a:p>
-            <a:endParaRPr lang="en-US" dirty="0"/>
+            <a:endParaRPr lang="en-US"/>
           </a:p>
         </p:txBody>
       </p:sp>
@@ -12236,22 +12335,29 @@
           <a:lstStyle/>
           <a:p>
             <a:r>
-              <a:rPr lang="en-US"/>
-              <a:t>Virtualization of a Real-Time Operating System for Robot Control with a Focus on RealTime Compliance</a:t>
-            </a:r>
-            <a:r>
-              <a:rPr lang="en-GB"/>
+              <a:rPr lang="en-US" dirty="0"/>
+              <a:t>Virtualization of a Real-Time Operating System for Robot Control with a Focus on Real-Time Compliance</a:t>
+            </a:r>
+            <a:r>
+              <a:rPr lang="en-GB" dirty="0"/>
               <a:t> | </a:t>
             </a:r>
             <a:r>
-              <a:rPr lang="de-AT"/>
-              <a:t>Halil Pamuk, BSc.</a:t>
-            </a:r>
-            <a:r>
-              <a:rPr lang="en-GB"/>
+              <a:rPr lang="de-AT" dirty="0"/>
+              <a:t>Halil Pamuk, </a:t>
+            </a:r>
+            <a:r>
+              <a:rPr lang="de-AT" dirty="0" err="1"/>
+              <a:t>BSc</a:t>
+            </a:r>
+            <a:r>
+              <a:rPr lang="de-AT" dirty="0"/>
+              <a:t>.</a:t>
+            </a:r>
+            <a:r>
+              <a:rPr lang="en-GB" dirty="0"/>
               <a:t> | 10.10.2024</a:t>
             </a:r>
-            <a:endParaRPr lang="en-GB" dirty="0"/>
           </a:p>
         </p:txBody>
       </p:sp>
@@ -12329,7 +12435,7 @@
 </file>
 
 <file path=ppt/slides/slide33.xml><?xml version="1.0" encoding="utf-8"?>
-<p:sld xmlns:a="http://schemas.openxmlformats.org/drawingml/2006/main" xmlns:r="http://schemas.openxmlformats.org/officeDocument/2006/relationships" xmlns:p="http://schemas.openxmlformats.org/presentationml/2006/main" show="0">
+<p:sld xmlns:a="http://schemas.openxmlformats.org/drawingml/2006/main" xmlns:r="http://schemas.openxmlformats.org/officeDocument/2006/relationships" xmlns:p="http://schemas.openxmlformats.org/presentationml/2006/main">
   <p:cSld>
     <p:spTree>
       <p:nvGrpSpPr>
@@ -12562,22 +12668,29 @@
           <a:lstStyle/>
           <a:p>
             <a:r>
-              <a:rPr lang="en-US"/>
-              <a:t>Virtualization of a Real-Time Operating System for Robot Control with a Focus on RealTime Compliance</a:t>
-            </a:r>
-            <a:r>
-              <a:rPr lang="en-GB"/>
+              <a:rPr lang="en-US" dirty="0"/>
+              <a:t>Virtualization of a Real-Time Operating System for Robot Control with a Focus on Real-Time Compliance</a:t>
+            </a:r>
+            <a:r>
+              <a:rPr lang="en-GB" dirty="0"/>
               <a:t> | </a:t>
             </a:r>
             <a:r>
-              <a:rPr lang="de-AT"/>
-              <a:t>Halil Pamuk, BSc.</a:t>
-            </a:r>
-            <a:r>
-              <a:rPr lang="en-GB"/>
+              <a:rPr lang="de-AT" dirty="0"/>
+              <a:t>Halil Pamuk, </a:t>
+            </a:r>
+            <a:r>
+              <a:rPr lang="de-AT" dirty="0" err="1"/>
+              <a:t>BSc</a:t>
+            </a:r>
+            <a:r>
+              <a:rPr lang="de-AT" dirty="0"/>
+              <a:t>.</a:t>
+            </a:r>
+            <a:r>
+              <a:rPr lang="en-GB" dirty="0"/>
               <a:t> | 10.10.2024</a:t>
             </a:r>
-            <a:endParaRPr lang="en-GB" dirty="0"/>
           </a:p>
         </p:txBody>
       </p:sp>
@@ -12657,7 +12770,7 @@
 </file>
 
 <file path=ppt/slides/slide34.xml><?xml version="1.0" encoding="utf-8"?>
-<p:sld xmlns:a="http://schemas.openxmlformats.org/drawingml/2006/main" xmlns:r="http://schemas.openxmlformats.org/officeDocument/2006/relationships" xmlns:p="http://schemas.openxmlformats.org/presentationml/2006/main" show="0">
+<p:sld xmlns:a="http://schemas.openxmlformats.org/drawingml/2006/main" xmlns:r="http://schemas.openxmlformats.org/officeDocument/2006/relationships" xmlns:p="http://schemas.openxmlformats.org/presentationml/2006/main">
   <p:cSld>
     <p:spTree>
       <p:nvGrpSpPr>
@@ -12705,10 +12818,10 @@
       </p:sp>
       <p:sp>
         <p:nvSpPr>
-          <p:cNvPr id="3" name="Textplatzhalter 2">
-            <a:extLst>
-              <a:ext uri="{FF2B5EF4-FFF2-40B4-BE49-F238E27FC236}">
-                <a16:creationId xmlns:a16="http://schemas.microsoft.com/office/drawing/2014/main" id="{04897626-5992-AC9F-A7C2-0A8A6A65B6F9}"/>
+          <p:cNvPr id="9" name="Textplatzhalter 8">
+            <a:extLst>
+              <a:ext uri="{FF2B5EF4-FFF2-40B4-BE49-F238E27FC236}">
+                <a16:creationId xmlns:a16="http://schemas.microsoft.com/office/drawing/2014/main" id="{A10CDA3F-B9F6-2ECF-2C5A-E60F2AE29ABE}"/>
               </a:ext>
             </a:extLst>
           </p:cNvPr>
@@ -12721,13 +12834,10 @@
         </p:nvSpPr>
         <p:spPr/>
         <p:txBody>
-          <a:bodyPr>
-            <a:normAutofit/>
-          </a:bodyPr>
-          <a:lstStyle/>
-          <a:p>
-            <a:pPr algn="l"/>
-            <a:endParaRPr lang="en-US" sz="1600" dirty="0"/>
+          <a:bodyPr/>
+          <a:lstStyle/>
+          <a:p>
+            <a:endParaRPr lang="en-US"/>
           </a:p>
         </p:txBody>
       </p:sp>
@@ -12753,22 +12863,29 @@
           <a:lstStyle/>
           <a:p>
             <a:r>
-              <a:rPr lang="en-US"/>
-              <a:t>Virtualization of a Real-Time Operating System for Robot Control with a Focus on RealTime Compliance</a:t>
-            </a:r>
-            <a:r>
-              <a:rPr lang="en-GB"/>
+              <a:rPr lang="en-US" dirty="0"/>
+              <a:t>Virtualization of a Real-Time Operating System for Robot Control with a Focus on Real-Time Compliance</a:t>
+            </a:r>
+            <a:r>
+              <a:rPr lang="en-GB" dirty="0"/>
               <a:t> | </a:t>
             </a:r>
             <a:r>
-              <a:rPr lang="de-AT"/>
-              <a:t>Halil Pamuk, BSc.</a:t>
-            </a:r>
-            <a:r>
-              <a:rPr lang="en-GB"/>
+              <a:rPr lang="de-AT" dirty="0"/>
+              <a:t>Halil Pamuk, </a:t>
+            </a:r>
+            <a:r>
+              <a:rPr lang="de-AT" dirty="0" err="1"/>
+              <a:t>BSc</a:t>
+            </a:r>
+            <a:r>
+              <a:rPr lang="de-AT" dirty="0"/>
+              <a:t>.</a:t>
+            </a:r>
+            <a:r>
+              <a:rPr lang="en-GB" dirty="0"/>
               <a:t> | 10.10.2024</a:t>
             </a:r>
-            <a:endParaRPr lang="en-GB" dirty="0"/>
           </a:p>
         </p:txBody>
       </p:sp>
@@ -12986,11 +13103,7 @@
               <a:rPr lang="en-US" sz="2000" dirty="0">
                 <a:latin typeface="+mn-lt"/>
               </a:rPr>
-              <a:t> Ubuntu 22.04.4 LTS, </a:t>
-            </a:r>
-            <a:r>
-              <a:rPr lang="en-US" sz="2000" dirty="0"/>
-              <a:t>PREEMPT-RT</a:t>
+              <a:t> Ubuntu 22.04.4 LTS, PREEMPT-RT</a:t>
             </a:r>
           </a:p>
           <a:p>
@@ -13173,22 +13286,29 @@
           <a:lstStyle/>
           <a:p>
             <a:r>
-              <a:rPr lang="en-US"/>
-              <a:t>Virtualization of a Real-Time Operating System for Robot Control with a Focus on RealTime Compliance</a:t>
-            </a:r>
-            <a:r>
-              <a:rPr lang="en-GB"/>
+              <a:rPr lang="en-US" dirty="0"/>
+              <a:t>Virtualization of a Real-Time Operating System for Robot Control with a Focus on Real-Time Compliance</a:t>
+            </a:r>
+            <a:r>
+              <a:rPr lang="en-GB" dirty="0"/>
               <a:t> | </a:t>
             </a:r>
             <a:r>
-              <a:rPr lang="de-AT"/>
-              <a:t>Halil Pamuk, BSc.</a:t>
-            </a:r>
-            <a:r>
-              <a:rPr lang="en-GB"/>
+              <a:rPr lang="de-AT" dirty="0"/>
+              <a:t>Halil Pamuk, </a:t>
+            </a:r>
+            <a:r>
+              <a:rPr lang="de-AT" dirty="0" err="1"/>
+              <a:t>BSc</a:t>
+            </a:r>
+            <a:r>
+              <a:rPr lang="de-AT" dirty="0"/>
+              <a:t>.</a:t>
+            </a:r>
+            <a:r>
+              <a:rPr lang="en-GB" dirty="0"/>
               <a:t> | 10.10.2024</a:t>
             </a:r>
-            <a:endParaRPr lang="en-GB" dirty="0"/>
           </a:p>
         </p:txBody>
       </p:sp>
@@ -13335,15 +13455,7 @@
           <a:p>
             <a:r>
               <a:rPr lang="en-US" dirty="0"/>
-              <a:t>Virtualization of a Real-Time Operating System for Robot Control with a Focus on </a:t>
-            </a:r>
-            <a:r>
-              <a:rPr lang="en-US" dirty="0" err="1"/>
-              <a:t>RealTime</a:t>
-            </a:r>
-            <a:r>
-              <a:rPr lang="en-US" dirty="0"/>
-              <a:t> Compliance</a:t>
+              <a:t>Virtualization of a Real-Time Operating System for Robot Control with a Focus on Real-Time Compliance</a:t>
             </a:r>
             <a:r>
               <a:rPr lang="en-GB" dirty="0"/>
@@ -13588,22 +13700,25 @@
           <a:prstGeom prst="straightConnector1">
             <a:avLst/>
           </a:prstGeom>
-          <a:ln>
+          <a:ln w="28575" cap="flat" cmpd="sng" algn="ctr">
             <a:solidFill>
-              <a:schemeClr val="tx1"/>
+              <a:schemeClr val="dk1"/>
             </a:solidFill>
-            <a:tailEnd type="triangle"/>
+            <a:prstDash val="solid"/>
+            <a:round/>
+            <a:headEnd type="none" w="med" len="med"/>
+            <a:tailEnd type="arrow" w="med" len="med"/>
           </a:ln>
         </p:spPr>
         <p:style>
-          <a:lnRef idx="1">
-            <a:schemeClr val="accent1"/>
+          <a:lnRef idx="0">
+            <a:scrgbClr r="0" g="0" b="0"/>
           </a:lnRef>
           <a:fillRef idx="0">
-            <a:schemeClr val="accent1"/>
+            <a:scrgbClr r="0" g="0" b="0"/>
           </a:fillRef>
           <a:effectRef idx="0">
-            <a:schemeClr val="accent1"/>
+            <a:scrgbClr r="0" g="0" b="0"/>
           </a:effectRef>
           <a:fontRef idx="minor">
             <a:schemeClr val="tx1"/>
@@ -13708,22 +13823,25 @@
           <a:prstGeom prst="straightConnector1">
             <a:avLst/>
           </a:prstGeom>
-          <a:ln>
+          <a:ln w="28575" cap="flat" cmpd="sng" algn="ctr">
             <a:solidFill>
-              <a:schemeClr val="tx1"/>
+              <a:schemeClr val="dk1"/>
             </a:solidFill>
-            <a:tailEnd type="triangle"/>
+            <a:prstDash val="solid"/>
+            <a:round/>
+            <a:headEnd type="none" w="med" len="med"/>
+            <a:tailEnd type="arrow" w="med" len="med"/>
           </a:ln>
         </p:spPr>
         <p:style>
-          <a:lnRef idx="1">
-            <a:schemeClr val="accent1"/>
+          <a:lnRef idx="0">
+            <a:scrgbClr r="0" g="0" b="0"/>
           </a:lnRef>
           <a:fillRef idx="0">
-            <a:schemeClr val="accent1"/>
+            <a:scrgbClr r="0" g="0" b="0"/>
           </a:fillRef>
           <a:effectRef idx="0">
-            <a:schemeClr val="accent1"/>
+            <a:scrgbClr r="0" g="0" b="0"/>
           </a:effectRef>
           <a:fontRef idx="minor">
             <a:schemeClr val="tx1"/>
@@ -13841,22 +13959,25 @@
           <a:prstGeom prst="straightConnector1">
             <a:avLst/>
           </a:prstGeom>
-          <a:ln>
+          <a:ln w="28575" cap="flat" cmpd="sng" algn="ctr">
             <a:solidFill>
-              <a:schemeClr val="tx1"/>
+              <a:schemeClr val="dk1"/>
             </a:solidFill>
-            <a:tailEnd type="triangle"/>
+            <a:prstDash val="solid"/>
+            <a:round/>
+            <a:headEnd type="none" w="med" len="med"/>
+            <a:tailEnd type="arrow" w="med" len="med"/>
           </a:ln>
         </p:spPr>
         <p:style>
-          <a:lnRef idx="1">
-            <a:schemeClr val="accent1"/>
+          <a:lnRef idx="0">
+            <a:scrgbClr r="0" g="0" b="0"/>
           </a:lnRef>
           <a:fillRef idx="0">
-            <a:schemeClr val="accent1"/>
+            <a:scrgbClr r="0" g="0" b="0"/>
           </a:fillRef>
           <a:effectRef idx="0">
-            <a:schemeClr val="accent1"/>
+            <a:scrgbClr r="0" g="0" b="0"/>
           </a:effectRef>
           <a:fontRef idx="minor">
             <a:schemeClr val="tx1"/>
@@ -13988,22 +14109,29 @@
           <a:lstStyle/>
           <a:p>
             <a:r>
-              <a:rPr lang="en-US"/>
-              <a:t>Virtualization of a Real-Time Operating System for Robot Control with a Focus on RealTime Compliance</a:t>
-            </a:r>
-            <a:r>
-              <a:rPr lang="en-GB"/>
+              <a:rPr lang="en-US" dirty="0"/>
+              <a:t>Virtualization of a Real-Time Operating System for Robot Control with a Focus on Real-Time Compliance</a:t>
+            </a:r>
+            <a:r>
+              <a:rPr lang="en-GB" dirty="0"/>
               <a:t> | </a:t>
             </a:r>
             <a:r>
-              <a:rPr lang="de-AT"/>
-              <a:t>Halil Pamuk, BSc.</a:t>
-            </a:r>
-            <a:r>
-              <a:rPr lang="en-GB"/>
+              <a:rPr lang="de-AT" dirty="0"/>
+              <a:t>Halil Pamuk, </a:t>
+            </a:r>
+            <a:r>
+              <a:rPr lang="de-AT" dirty="0" err="1"/>
+              <a:t>BSc</a:t>
+            </a:r>
+            <a:r>
+              <a:rPr lang="de-AT" dirty="0"/>
+              <a:t>.</a:t>
+            </a:r>
+            <a:r>
+              <a:rPr lang="en-GB" dirty="0"/>
               <a:t> | 10.10.2024</a:t>
             </a:r>
-            <a:endParaRPr lang="en-GB" dirty="0"/>
           </a:p>
         </p:txBody>
       </p:sp>
@@ -14051,7 +14179,7 @@
         </p:nvSpPr>
         <p:spPr>
           <a:xfrm>
-            <a:off x="5350711" y="3792636"/>
+            <a:off x="5494360" y="3916855"/>
             <a:ext cx="2447610" cy="271012"/>
           </a:xfrm>
           <a:prstGeom prst="rect">
@@ -14111,7 +14239,7 @@
         </p:nvSpPr>
         <p:spPr>
           <a:xfrm>
-            <a:off x="752838" y="1067390"/>
+            <a:off x="839404" y="4462495"/>
             <a:ext cx="2658855" cy="271012"/>
           </a:xfrm>
           <a:prstGeom prst="rect">
@@ -14150,7 +14278,7 @@
           </p:cNvPicPr>
           <p:nvPr/>
         </p:nvPicPr>
-        <p:blipFill>
+        <p:blipFill rotWithShape="1">
           <a:blip r:embed="rId2" cstate="print">
             <a:extLst>
               <a:ext uri="{28A0092B-C50C-407E-A947-70E740481C1C}">
@@ -14158,13 +14286,13 @@
               </a:ext>
             </a:extLst>
           </a:blip>
-          <a:srcRect l="2704" b="2619"/>
+          <a:srcRect l="6956" t="3602" r="3899" b="7734"/>
           <a:stretch/>
         </p:blipFill>
         <p:spPr>
           <a:xfrm>
-            <a:off x="425449" y="1270659"/>
-            <a:ext cx="3486769" cy="2617374"/>
+            <a:off x="397250" y="1082040"/>
+            <a:ext cx="3820418" cy="3090545"/>
           </a:xfrm>
           <a:prstGeom prst="rect">
             <a:avLst/>
@@ -14185,16 +14313,15 @@
           </p:cNvPicPr>
           <p:nvPr/>
         </p:nvPicPr>
-        <p:blipFill>
+        <p:blipFill rotWithShape="1">
           <a:blip r:embed="rId3"/>
-          <a:stretch>
-            <a:fillRect/>
-          </a:stretch>
+          <a:srcRect l="-422"/>
+          <a:stretch/>
         </p:blipFill>
         <p:spPr>
           <a:xfrm>
-            <a:off x="4430481" y="1338402"/>
-            <a:ext cx="4288070" cy="2452562"/>
+            <a:off x="4521200" y="1412098"/>
+            <a:ext cx="4375529" cy="2492060"/>
           </a:xfrm>
           <a:prstGeom prst="rect">
             <a:avLst/>
@@ -14215,7 +14342,7 @@
         </p:nvSpPr>
         <p:spPr>
           <a:xfrm rot="16200000">
-            <a:off x="-92329" y="2425700"/>
+            <a:off x="-169374" y="2425700"/>
             <a:ext cx="743456" cy="292100"/>
           </a:xfrm>
           <a:prstGeom prst="rect">
@@ -14251,7 +14378,7 @@
         </p:nvSpPr>
         <p:spPr>
           <a:xfrm>
-            <a:off x="1736367" y="3793870"/>
+            <a:off x="1809519" y="4284873"/>
             <a:ext cx="864931" cy="271012"/>
           </a:xfrm>
           <a:prstGeom prst="rect">
@@ -14299,10 +14426,10 @@
       </p:sp>
       <p:pic>
         <p:nvPicPr>
-          <p:cNvPr id="14" name="Grafik 13">
-            <a:extLst>
-              <a:ext uri="{FF2B5EF4-FFF2-40B4-BE49-F238E27FC236}">
-                <a16:creationId xmlns:a16="http://schemas.microsoft.com/office/drawing/2014/main" id="{6147F1B5-BDEB-3B8A-5C6E-99A5C42ED7C5}"/>
+          <p:cNvPr id="22" name="Grafik 21">
+            <a:extLst>
+              <a:ext uri="{FF2B5EF4-FFF2-40B4-BE49-F238E27FC236}">
+                <a16:creationId xmlns:a16="http://schemas.microsoft.com/office/drawing/2014/main" id="{46B2258E-2926-E754-1F39-54F258F8496A}"/>
               </a:ext>
             </a:extLst>
           </p:cNvPr>
@@ -14313,14 +14440,13 @@
         </p:nvPicPr>
         <p:blipFill>
           <a:blip r:embed="rId4"/>
-          <a:stretch>
-            <a:fillRect/>
-          </a:stretch>
+          <a:srcRect t="15146"/>
+          <a:stretch/>
         </p:blipFill>
         <p:spPr>
           <a:xfrm>
-            <a:off x="950325" y="4063648"/>
-            <a:ext cx="2034338" cy="644861"/>
+            <a:off x="2488176" y="1089136"/>
+            <a:ext cx="2020165" cy="644861"/>
           </a:xfrm>
           <a:prstGeom prst="rect">
             <a:avLst/>
@@ -14329,10 +14455,10 @@
       </p:pic>
       <p:pic>
         <p:nvPicPr>
-          <p:cNvPr id="22" name="Grafik 21">
-            <a:extLst>
-              <a:ext uri="{FF2B5EF4-FFF2-40B4-BE49-F238E27FC236}">
-                <a16:creationId xmlns:a16="http://schemas.microsoft.com/office/drawing/2014/main" id="{46B2258E-2926-E754-1F39-54F258F8496A}"/>
+          <p:cNvPr id="14" name="Grafik 13">
+            <a:extLst>
+              <a:ext uri="{FF2B5EF4-FFF2-40B4-BE49-F238E27FC236}">
+                <a16:creationId xmlns:a16="http://schemas.microsoft.com/office/drawing/2014/main" id="{6147F1B5-BDEB-3B8A-5C6E-99A5C42ED7C5}"/>
               </a:ext>
             </a:extLst>
           </p:cNvPr>
@@ -14341,21 +14467,1623 @@
           </p:cNvPicPr>
           <p:nvPr/>
         </p:nvPicPr>
-        <p:blipFill>
+        <p:blipFill rotWithShape="1">
           <a:blip r:embed="rId5"/>
-          <a:srcRect t="15146"/>
+          <a:srcRect l="21134" r="6791"/>
           <a:stretch/>
         </p:blipFill>
         <p:spPr>
           <a:xfrm>
-            <a:off x="2419350" y="1362074"/>
-            <a:ext cx="1337196" cy="426849"/>
+            <a:off x="2535483" y="1223777"/>
+            <a:ext cx="1805882" cy="794231"/>
           </a:xfrm>
           <a:prstGeom prst="rect">
             <a:avLst/>
           </a:prstGeom>
         </p:spPr>
       </p:pic>
+      <mc:AlternateContent xmlns:mc="http://schemas.openxmlformats.org/markup-compatibility/2006" xmlns:a14="http://schemas.microsoft.com/office/drawing/2010/main">
+        <mc:Choice Requires="a14">
+          <p:sp>
+            <p:nvSpPr>
+              <p:cNvPr id="7" name="Textfeld 6">
+                <a:extLst>
+                  <a:ext uri="{FF2B5EF4-FFF2-40B4-BE49-F238E27FC236}">
+                    <a16:creationId xmlns:a16="http://schemas.microsoft.com/office/drawing/2014/main" id="{584EC4C5-F656-E0C0-7A2B-05E65C849991}"/>
+                  </a:ext>
+                </a:extLst>
+              </p:cNvPr>
+              <p:cNvSpPr txBox="1"/>
+              <p:nvPr/>
+            </p:nvSpPr>
+            <p:spPr>
+              <a:xfrm>
+                <a:off x="397250" y="956494"/>
+                <a:ext cx="434340" cy="280163"/>
+              </a:xfrm>
+              <a:prstGeom prst="rect">
+                <a:avLst/>
+              </a:prstGeom>
+            </p:spPr>
+            <p:txBody>
+              <a:bodyPr vert="horz" wrap="none" lIns="91440" tIns="45720" rIns="91440" bIns="45720" rtlCol="0" anchor="t">
+                <a:normAutofit/>
+              </a:bodyPr>
+              <a:lstStyle/>
+              <a:p>
+                <a:pPr algn="l"/>
+                <a14:m>
+                  <m:oMathPara xmlns:m="http://schemas.openxmlformats.org/officeDocument/2006/math">
+                    <m:oMathParaPr>
+                      <m:jc m:val="centerGroup"/>
+                    </m:oMathParaPr>
+                    <m:oMath xmlns:m="http://schemas.openxmlformats.org/officeDocument/2006/math">
+                      <m:sSup>
+                        <m:sSupPr>
+                          <m:ctrlPr>
+                            <a:rPr lang="de-AT" sz="1200" i="1">
+                              <a:latin typeface="Cambria Math" panose="02040503050406030204" pitchFamily="18" charset="0"/>
+                            </a:rPr>
+                          </m:ctrlPr>
+                        </m:sSupPr>
+                        <m:e>
+                          <m:r>
+                            <a:rPr lang="de-AT" sz="1200">
+                              <a:latin typeface="Cambria Math" panose="02040503050406030204" pitchFamily="18" charset="0"/>
+                            </a:rPr>
+                            <m:t>10</m:t>
+                          </m:r>
+                        </m:e>
+                        <m:sup>
+                          <m:r>
+                            <a:rPr lang="de-AT" sz="1200">
+                              <a:latin typeface="Cambria Math" panose="02040503050406030204" pitchFamily="18" charset="0"/>
+                            </a:rPr>
+                            <m:t>7</m:t>
+                          </m:r>
+                        </m:sup>
+                      </m:sSup>
+                    </m:oMath>
+                  </m:oMathPara>
+                </a14:m>
+                <a:endParaRPr lang="en-US" sz="1200" dirty="0"/>
+              </a:p>
+            </p:txBody>
+          </p:sp>
+        </mc:Choice>
+        <mc:Fallback xmlns="">
+          <p:sp>
+            <p:nvSpPr>
+              <p:cNvPr id="7" name="Textfeld 6">
+                <a:extLst>
+                  <a:ext uri="{FF2B5EF4-FFF2-40B4-BE49-F238E27FC236}">
+                    <a16:creationId xmlns:a16="http://schemas.microsoft.com/office/drawing/2014/main" id="{584EC4C5-F656-E0C0-7A2B-05E65C849991}"/>
+                  </a:ext>
+                </a:extLst>
+              </p:cNvPr>
+              <p:cNvSpPr txBox="1">
+                <a:spLocks noRot="1" noChangeAspect="1" noMove="1" noResize="1" noEditPoints="1" noAdjustHandles="1" noChangeArrowheads="1" noChangeShapeType="1" noTextEdit="1"/>
+              </p:cNvSpPr>
+              <p:nvPr/>
+            </p:nvSpPr>
+            <p:spPr>
+              <a:xfrm>
+                <a:off x="397250" y="956494"/>
+                <a:ext cx="434340" cy="280163"/>
+              </a:xfrm>
+              <a:prstGeom prst="rect">
+                <a:avLst/>
+              </a:prstGeom>
+              <a:blipFill>
+                <a:blip r:embed="rId6"/>
+                <a:stretch>
+                  <a:fillRect/>
+                </a:stretch>
+              </a:blipFill>
+            </p:spPr>
+            <p:txBody>
+              <a:bodyPr/>
+              <a:lstStyle/>
+              <a:p>
+                <a:r>
+                  <a:rPr lang="en-US">
+                    <a:noFill/>
+                  </a:rPr>
+                  <a:t> </a:t>
+                </a:r>
+              </a:p>
+            </p:txBody>
+          </p:sp>
+        </mc:Fallback>
+      </mc:AlternateContent>
+      <mc:AlternateContent xmlns:mc="http://schemas.openxmlformats.org/markup-compatibility/2006" xmlns:a14="http://schemas.microsoft.com/office/drawing/2010/main">
+        <mc:Choice Requires="a14">
+          <p:sp>
+            <p:nvSpPr>
+              <p:cNvPr id="12" name="Textfeld 11">
+                <a:extLst>
+                  <a:ext uri="{FF2B5EF4-FFF2-40B4-BE49-F238E27FC236}">
+                    <a16:creationId xmlns:a16="http://schemas.microsoft.com/office/drawing/2014/main" id="{B6869E5E-4193-0345-8285-CA6E402C87D6}"/>
+                  </a:ext>
+                </a:extLst>
+              </p:cNvPr>
+              <p:cNvSpPr txBox="1"/>
+              <p:nvPr/>
+            </p:nvSpPr>
+            <p:spPr>
+              <a:xfrm>
+                <a:off x="397250" y="1340730"/>
+                <a:ext cx="434340" cy="280163"/>
+              </a:xfrm>
+              <a:prstGeom prst="rect">
+                <a:avLst/>
+              </a:prstGeom>
+            </p:spPr>
+            <p:txBody>
+              <a:bodyPr vert="horz" wrap="none" lIns="91440" tIns="45720" rIns="91440" bIns="45720" rtlCol="0" anchor="t">
+                <a:normAutofit/>
+              </a:bodyPr>
+              <a:lstStyle/>
+              <a:p>
+                <a:pPr algn="l"/>
+                <a14:m>
+                  <m:oMathPara xmlns:m="http://schemas.openxmlformats.org/officeDocument/2006/math">
+                    <m:oMathParaPr>
+                      <m:jc m:val="centerGroup"/>
+                    </m:oMathParaPr>
+                    <m:oMath xmlns:m="http://schemas.openxmlformats.org/officeDocument/2006/math">
+                      <m:sSup>
+                        <m:sSupPr>
+                          <m:ctrlPr>
+                            <a:rPr lang="de-AT" sz="1200" i="1" smtClean="0">
+                              <a:latin typeface="Cambria Math" panose="02040503050406030204" pitchFamily="18" charset="0"/>
+                            </a:rPr>
+                          </m:ctrlPr>
+                        </m:sSupPr>
+                        <m:e>
+                          <m:r>
+                            <a:rPr lang="de-AT" sz="1200">
+                              <a:latin typeface="Cambria Math" panose="02040503050406030204" pitchFamily="18" charset="0"/>
+                            </a:rPr>
+                            <m:t>10</m:t>
+                          </m:r>
+                        </m:e>
+                        <m:sup>
+                          <m:r>
+                            <a:rPr lang="de-AT" sz="1200" b="0" i="0" smtClean="0">
+                              <a:latin typeface="Cambria Math" panose="02040503050406030204" pitchFamily="18" charset="0"/>
+                            </a:rPr>
+                            <m:t>6</m:t>
+                          </m:r>
+                        </m:sup>
+                      </m:sSup>
+                    </m:oMath>
+                  </m:oMathPara>
+                </a14:m>
+                <a:endParaRPr lang="en-US" sz="1200" dirty="0"/>
+              </a:p>
+            </p:txBody>
+          </p:sp>
+        </mc:Choice>
+        <mc:Fallback xmlns="">
+          <p:sp>
+            <p:nvSpPr>
+              <p:cNvPr id="12" name="Textfeld 11">
+                <a:extLst>
+                  <a:ext uri="{FF2B5EF4-FFF2-40B4-BE49-F238E27FC236}">
+                    <a16:creationId xmlns:a16="http://schemas.microsoft.com/office/drawing/2014/main" id="{B6869E5E-4193-0345-8285-CA6E402C87D6}"/>
+                  </a:ext>
+                </a:extLst>
+              </p:cNvPr>
+              <p:cNvSpPr txBox="1">
+                <a:spLocks noRot="1" noChangeAspect="1" noMove="1" noResize="1" noEditPoints="1" noAdjustHandles="1" noChangeArrowheads="1" noChangeShapeType="1" noTextEdit="1"/>
+              </p:cNvSpPr>
+              <p:nvPr/>
+            </p:nvSpPr>
+            <p:spPr>
+              <a:xfrm>
+                <a:off x="397250" y="1340730"/>
+                <a:ext cx="434340" cy="280163"/>
+              </a:xfrm>
+              <a:prstGeom prst="rect">
+                <a:avLst/>
+              </a:prstGeom>
+              <a:blipFill>
+                <a:blip r:embed="rId7"/>
+                <a:stretch>
+                  <a:fillRect/>
+                </a:stretch>
+              </a:blipFill>
+            </p:spPr>
+            <p:txBody>
+              <a:bodyPr/>
+              <a:lstStyle/>
+              <a:p>
+                <a:r>
+                  <a:rPr lang="en-US">
+                    <a:noFill/>
+                  </a:rPr>
+                  <a:t> </a:t>
+                </a:r>
+              </a:p>
+            </p:txBody>
+          </p:sp>
+        </mc:Fallback>
+      </mc:AlternateContent>
+      <mc:AlternateContent xmlns:mc="http://schemas.openxmlformats.org/markup-compatibility/2006" xmlns:a14="http://schemas.microsoft.com/office/drawing/2010/main">
+        <mc:Choice Requires="a14">
+          <p:sp>
+            <p:nvSpPr>
+              <p:cNvPr id="15" name="Textfeld 14">
+                <a:extLst>
+                  <a:ext uri="{FF2B5EF4-FFF2-40B4-BE49-F238E27FC236}">
+                    <a16:creationId xmlns:a16="http://schemas.microsoft.com/office/drawing/2014/main" id="{5FE9C4AE-2036-CE11-1C74-F30A6E850634}"/>
+                  </a:ext>
+                </a:extLst>
+              </p:cNvPr>
+              <p:cNvSpPr txBox="1"/>
+              <p:nvPr/>
+            </p:nvSpPr>
+            <p:spPr>
+              <a:xfrm>
+                <a:off x="397250" y="1789138"/>
+                <a:ext cx="434340" cy="280163"/>
+              </a:xfrm>
+              <a:prstGeom prst="rect">
+                <a:avLst/>
+              </a:prstGeom>
+            </p:spPr>
+            <p:txBody>
+              <a:bodyPr vert="horz" wrap="none" lIns="91440" tIns="45720" rIns="91440" bIns="45720" rtlCol="0" anchor="t">
+                <a:normAutofit/>
+              </a:bodyPr>
+              <a:lstStyle/>
+              <a:p>
+                <a:pPr algn="l"/>
+                <a14:m>
+                  <m:oMathPara xmlns:m="http://schemas.openxmlformats.org/officeDocument/2006/math">
+                    <m:oMathParaPr>
+                      <m:jc m:val="centerGroup"/>
+                    </m:oMathParaPr>
+                    <m:oMath xmlns:m="http://schemas.openxmlformats.org/officeDocument/2006/math">
+                      <m:sSup>
+                        <m:sSupPr>
+                          <m:ctrlPr>
+                            <a:rPr lang="de-AT" sz="1200" i="1" smtClean="0">
+                              <a:latin typeface="Cambria Math" panose="02040503050406030204" pitchFamily="18" charset="0"/>
+                            </a:rPr>
+                          </m:ctrlPr>
+                        </m:sSupPr>
+                        <m:e>
+                          <m:r>
+                            <a:rPr lang="de-AT" sz="1200">
+                              <a:latin typeface="Cambria Math" panose="02040503050406030204" pitchFamily="18" charset="0"/>
+                            </a:rPr>
+                            <m:t>10</m:t>
+                          </m:r>
+                        </m:e>
+                        <m:sup>
+                          <m:r>
+                            <a:rPr lang="de-AT" sz="1200" b="0" i="0" smtClean="0">
+                              <a:latin typeface="Cambria Math" panose="02040503050406030204" pitchFamily="18" charset="0"/>
+                            </a:rPr>
+                            <m:t>5</m:t>
+                          </m:r>
+                        </m:sup>
+                      </m:sSup>
+                    </m:oMath>
+                  </m:oMathPara>
+                </a14:m>
+                <a:endParaRPr lang="en-US" sz="1200" dirty="0"/>
+              </a:p>
+            </p:txBody>
+          </p:sp>
+        </mc:Choice>
+        <mc:Fallback xmlns="">
+          <p:sp>
+            <p:nvSpPr>
+              <p:cNvPr id="15" name="Textfeld 14">
+                <a:extLst>
+                  <a:ext uri="{FF2B5EF4-FFF2-40B4-BE49-F238E27FC236}">
+                    <a16:creationId xmlns:a16="http://schemas.microsoft.com/office/drawing/2014/main" id="{5FE9C4AE-2036-CE11-1C74-F30A6E850634}"/>
+                  </a:ext>
+                </a:extLst>
+              </p:cNvPr>
+              <p:cNvSpPr txBox="1">
+                <a:spLocks noRot="1" noChangeAspect="1" noMove="1" noResize="1" noEditPoints="1" noAdjustHandles="1" noChangeArrowheads="1" noChangeShapeType="1" noTextEdit="1"/>
+              </p:cNvSpPr>
+              <p:nvPr/>
+            </p:nvSpPr>
+            <p:spPr>
+              <a:xfrm>
+                <a:off x="397250" y="1789138"/>
+                <a:ext cx="434340" cy="280163"/>
+              </a:xfrm>
+              <a:prstGeom prst="rect">
+                <a:avLst/>
+              </a:prstGeom>
+              <a:blipFill>
+                <a:blip r:embed="rId8"/>
+                <a:stretch>
+                  <a:fillRect/>
+                </a:stretch>
+              </a:blipFill>
+            </p:spPr>
+            <p:txBody>
+              <a:bodyPr/>
+              <a:lstStyle/>
+              <a:p>
+                <a:r>
+                  <a:rPr lang="en-US">
+                    <a:noFill/>
+                  </a:rPr>
+                  <a:t> </a:t>
+                </a:r>
+              </a:p>
+            </p:txBody>
+          </p:sp>
+        </mc:Fallback>
+      </mc:AlternateContent>
+      <mc:AlternateContent xmlns:mc="http://schemas.openxmlformats.org/markup-compatibility/2006" xmlns:a14="http://schemas.microsoft.com/office/drawing/2010/main">
+        <mc:Choice Requires="a14">
+          <p:sp>
+            <p:nvSpPr>
+              <p:cNvPr id="16" name="Textfeld 15">
+                <a:extLst>
+                  <a:ext uri="{FF2B5EF4-FFF2-40B4-BE49-F238E27FC236}">
+                    <a16:creationId xmlns:a16="http://schemas.microsoft.com/office/drawing/2014/main" id="{F19BEEAB-5A36-F10D-0DFF-5B75C762A637}"/>
+                  </a:ext>
+                </a:extLst>
+              </p:cNvPr>
+              <p:cNvSpPr txBox="1"/>
+              <p:nvPr/>
+            </p:nvSpPr>
+            <p:spPr>
+              <a:xfrm>
+                <a:off x="397250" y="2235736"/>
+                <a:ext cx="434340" cy="280163"/>
+              </a:xfrm>
+              <a:prstGeom prst="rect">
+                <a:avLst/>
+              </a:prstGeom>
+            </p:spPr>
+            <p:txBody>
+              <a:bodyPr vert="horz" wrap="none" lIns="91440" tIns="45720" rIns="91440" bIns="45720" rtlCol="0" anchor="t">
+                <a:normAutofit/>
+              </a:bodyPr>
+              <a:lstStyle/>
+              <a:p>
+                <a:pPr algn="l"/>
+                <a14:m>
+                  <m:oMathPara xmlns:m="http://schemas.openxmlformats.org/officeDocument/2006/math">
+                    <m:oMathParaPr>
+                      <m:jc m:val="centerGroup"/>
+                    </m:oMathParaPr>
+                    <m:oMath xmlns:m="http://schemas.openxmlformats.org/officeDocument/2006/math">
+                      <m:sSup>
+                        <m:sSupPr>
+                          <m:ctrlPr>
+                            <a:rPr lang="de-AT" sz="1200" i="1" smtClean="0">
+                              <a:latin typeface="Cambria Math" panose="02040503050406030204" pitchFamily="18" charset="0"/>
+                            </a:rPr>
+                          </m:ctrlPr>
+                        </m:sSupPr>
+                        <m:e>
+                          <m:r>
+                            <a:rPr lang="de-AT" sz="1200">
+                              <a:latin typeface="Cambria Math" panose="02040503050406030204" pitchFamily="18" charset="0"/>
+                            </a:rPr>
+                            <m:t>10</m:t>
+                          </m:r>
+                        </m:e>
+                        <m:sup>
+                          <m:r>
+                            <a:rPr lang="de-AT" sz="1200" b="0" i="0" smtClean="0">
+                              <a:latin typeface="Cambria Math" panose="02040503050406030204" pitchFamily="18" charset="0"/>
+                            </a:rPr>
+                            <m:t>4</m:t>
+                          </m:r>
+                        </m:sup>
+                      </m:sSup>
+                    </m:oMath>
+                  </m:oMathPara>
+                </a14:m>
+                <a:endParaRPr lang="en-US" sz="1200" dirty="0"/>
+              </a:p>
+            </p:txBody>
+          </p:sp>
+        </mc:Choice>
+        <mc:Fallback xmlns="">
+          <p:sp>
+            <p:nvSpPr>
+              <p:cNvPr id="16" name="Textfeld 15">
+                <a:extLst>
+                  <a:ext uri="{FF2B5EF4-FFF2-40B4-BE49-F238E27FC236}">
+                    <a16:creationId xmlns:a16="http://schemas.microsoft.com/office/drawing/2014/main" id="{F19BEEAB-5A36-F10D-0DFF-5B75C762A637}"/>
+                  </a:ext>
+                </a:extLst>
+              </p:cNvPr>
+              <p:cNvSpPr txBox="1">
+                <a:spLocks noRot="1" noChangeAspect="1" noMove="1" noResize="1" noEditPoints="1" noAdjustHandles="1" noChangeArrowheads="1" noChangeShapeType="1" noTextEdit="1"/>
+              </p:cNvSpPr>
+              <p:nvPr/>
+            </p:nvSpPr>
+            <p:spPr>
+              <a:xfrm>
+                <a:off x="397250" y="2235736"/>
+                <a:ext cx="434340" cy="280163"/>
+              </a:xfrm>
+              <a:prstGeom prst="rect">
+                <a:avLst/>
+              </a:prstGeom>
+              <a:blipFill>
+                <a:blip r:embed="rId9"/>
+                <a:stretch>
+                  <a:fillRect/>
+                </a:stretch>
+              </a:blipFill>
+            </p:spPr>
+            <p:txBody>
+              <a:bodyPr/>
+              <a:lstStyle/>
+              <a:p>
+                <a:r>
+                  <a:rPr lang="en-US">
+                    <a:noFill/>
+                  </a:rPr>
+                  <a:t> </a:t>
+                </a:r>
+              </a:p>
+            </p:txBody>
+          </p:sp>
+        </mc:Fallback>
+      </mc:AlternateContent>
+      <mc:AlternateContent xmlns:mc="http://schemas.openxmlformats.org/markup-compatibility/2006" xmlns:a14="http://schemas.microsoft.com/office/drawing/2010/main">
+        <mc:Choice Requires="a14">
+          <p:sp>
+            <p:nvSpPr>
+              <p:cNvPr id="17" name="Textfeld 16">
+                <a:extLst>
+                  <a:ext uri="{FF2B5EF4-FFF2-40B4-BE49-F238E27FC236}">
+                    <a16:creationId xmlns:a16="http://schemas.microsoft.com/office/drawing/2014/main" id="{C7C1723B-ABBA-B0F4-D983-A37A17F0195E}"/>
+                  </a:ext>
+                </a:extLst>
+              </p:cNvPr>
+              <p:cNvSpPr txBox="1"/>
+              <p:nvPr/>
+            </p:nvSpPr>
+            <p:spPr>
+              <a:xfrm>
+                <a:off x="397250" y="2670523"/>
+                <a:ext cx="434340" cy="280163"/>
+              </a:xfrm>
+              <a:prstGeom prst="rect">
+                <a:avLst/>
+              </a:prstGeom>
+            </p:spPr>
+            <p:txBody>
+              <a:bodyPr vert="horz" wrap="none" lIns="91440" tIns="45720" rIns="91440" bIns="45720" rtlCol="0" anchor="t">
+                <a:normAutofit/>
+              </a:bodyPr>
+              <a:lstStyle/>
+              <a:p>
+                <a:pPr algn="l"/>
+                <a14:m>
+                  <m:oMathPara xmlns:m="http://schemas.openxmlformats.org/officeDocument/2006/math">
+                    <m:oMathParaPr>
+                      <m:jc m:val="centerGroup"/>
+                    </m:oMathParaPr>
+                    <m:oMath xmlns:m="http://schemas.openxmlformats.org/officeDocument/2006/math">
+                      <m:sSup>
+                        <m:sSupPr>
+                          <m:ctrlPr>
+                            <a:rPr lang="de-AT" sz="1200" i="1" smtClean="0">
+                              <a:latin typeface="Cambria Math" panose="02040503050406030204" pitchFamily="18" charset="0"/>
+                            </a:rPr>
+                          </m:ctrlPr>
+                        </m:sSupPr>
+                        <m:e>
+                          <m:r>
+                            <a:rPr lang="de-AT" sz="1200">
+                              <a:latin typeface="Cambria Math" panose="02040503050406030204" pitchFamily="18" charset="0"/>
+                            </a:rPr>
+                            <m:t>10</m:t>
+                          </m:r>
+                        </m:e>
+                        <m:sup>
+                          <m:r>
+                            <a:rPr lang="de-AT" sz="1200" b="0" i="0" smtClean="0">
+                              <a:latin typeface="Cambria Math" panose="02040503050406030204" pitchFamily="18" charset="0"/>
+                            </a:rPr>
+                            <m:t>3</m:t>
+                          </m:r>
+                        </m:sup>
+                      </m:sSup>
+                    </m:oMath>
+                  </m:oMathPara>
+                </a14:m>
+                <a:endParaRPr lang="en-US" sz="1200" dirty="0"/>
+              </a:p>
+            </p:txBody>
+          </p:sp>
+        </mc:Choice>
+        <mc:Fallback xmlns="">
+          <p:sp>
+            <p:nvSpPr>
+              <p:cNvPr id="17" name="Textfeld 16">
+                <a:extLst>
+                  <a:ext uri="{FF2B5EF4-FFF2-40B4-BE49-F238E27FC236}">
+                    <a16:creationId xmlns:a16="http://schemas.microsoft.com/office/drawing/2014/main" id="{C7C1723B-ABBA-B0F4-D983-A37A17F0195E}"/>
+                  </a:ext>
+                </a:extLst>
+              </p:cNvPr>
+              <p:cNvSpPr txBox="1">
+                <a:spLocks noRot="1" noChangeAspect="1" noMove="1" noResize="1" noEditPoints="1" noAdjustHandles="1" noChangeArrowheads="1" noChangeShapeType="1" noTextEdit="1"/>
+              </p:cNvSpPr>
+              <p:nvPr/>
+            </p:nvSpPr>
+            <p:spPr>
+              <a:xfrm>
+                <a:off x="397250" y="2670523"/>
+                <a:ext cx="434340" cy="280163"/>
+              </a:xfrm>
+              <a:prstGeom prst="rect">
+                <a:avLst/>
+              </a:prstGeom>
+              <a:blipFill>
+                <a:blip r:embed="rId10"/>
+                <a:stretch>
+                  <a:fillRect/>
+                </a:stretch>
+              </a:blipFill>
+            </p:spPr>
+            <p:txBody>
+              <a:bodyPr/>
+              <a:lstStyle/>
+              <a:p>
+                <a:r>
+                  <a:rPr lang="en-US">
+                    <a:noFill/>
+                  </a:rPr>
+                  <a:t> </a:t>
+                </a:r>
+              </a:p>
+            </p:txBody>
+          </p:sp>
+        </mc:Fallback>
+      </mc:AlternateContent>
+      <mc:AlternateContent xmlns:mc="http://schemas.openxmlformats.org/markup-compatibility/2006" xmlns:a14="http://schemas.microsoft.com/office/drawing/2010/main">
+        <mc:Choice Requires="a14">
+          <p:sp>
+            <p:nvSpPr>
+              <p:cNvPr id="18" name="Textfeld 17">
+                <a:extLst>
+                  <a:ext uri="{FF2B5EF4-FFF2-40B4-BE49-F238E27FC236}">
+                    <a16:creationId xmlns:a16="http://schemas.microsoft.com/office/drawing/2014/main" id="{62FEA1FD-FA61-58E1-7D1F-DC475F891D5B}"/>
+                  </a:ext>
+                </a:extLst>
+              </p:cNvPr>
+              <p:cNvSpPr txBox="1"/>
+              <p:nvPr/>
+            </p:nvSpPr>
+            <p:spPr>
+              <a:xfrm>
+                <a:off x="397250" y="3127377"/>
+                <a:ext cx="434340" cy="280163"/>
+              </a:xfrm>
+              <a:prstGeom prst="rect">
+                <a:avLst/>
+              </a:prstGeom>
+            </p:spPr>
+            <p:txBody>
+              <a:bodyPr vert="horz" wrap="none" lIns="91440" tIns="45720" rIns="91440" bIns="45720" rtlCol="0" anchor="t">
+                <a:normAutofit/>
+              </a:bodyPr>
+              <a:lstStyle/>
+              <a:p>
+                <a:pPr algn="l"/>
+                <a14:m>
+                  <m:oMathPara xmlns:m="http://schemas.openxmlformats.org/officeDocument/2006/math">
+                    <m:oMathParaPr>
+                      <m:jc m:val="centerGroup"/>
+                    </m:oMathParaPr>
+                    <m:oMath xmlns:m="http://schemas.openxmlformats.org/officeDocument/2006/math">
+                      <m:sSup>
+                        <m:sSupPr>
+                          <m:ctrlPr>
+                            <a:rPr lang="de-AT" sz="1200" i="1" smtClean="0">
+                              <a:latin typeface="Cambria Math" panose="02040503050406030204" pitchFamily="18" charset="0"/>
+                            </a:rPr>
+                          </m:ctrlPr>
+                        </m:sSupPr>
+                        <m:e>
+                          <m:r>
+                            <a:rPr lang="de-AT" sz="1200">
+                              <a:latin typeface="Cambria Math" panose="02040503050406030204" pitchFamily="18" charset="0"/>
+                            </a:rPr>
+                            <m:t>10</m:t>
+                          </m:r>
+                        </m:e>
+                        <m:sup>
+                          <m:r>
+                            <a:rPr lang="de-AT" sz="1200" b="0" i="0" smtClean="0">
+                              <a:latin typeface="Cambria Math" panose="02040503050406030204" pitchFamily="18" charset="0"/>
+                            </a:rPr>
+                            <m:t>2</m:t>
+                          </m:r>
+                        </m:sup>
+                      </m:sSup>
+                    </m:oMath>
+                  </m:oMathPara>
+                </a14:m>
+                <a:endParaRPr lang="en-US" sz="1200" dirty="0"/>
+              </a:p>
+            </p:txBody>
+          </p:sp>
+        </mc:Choice>
+        <mc:Fallback xmlns="">
+          <p:sp>
+            <p:nvSpPr>
+              <p:cNvPr id="18" name="Textfeld 17">
+                <a:extLst>
+                  <a:ext uri="{FF2B5EF4-FFF2-40B4-BE49-F238E27FC236}">
+                    <a16:creationId xmlns:a16="http://schemas.microsoft.com/office/drawing/2014/main" id="{62FEA1FD-FA61-58E1-7D1F-DC475F891D5B}"/>
+                  </a:ext>
+                </a:extLst>
+              </p:cNvPr>
+              <p:cNvSpPr txBox="1">
+                <a:spLocks noRot="1" noChangeAspect="1" noMove="1" noResize="1" noEditPoints="1" noAdjustHandles="1" noChangeArrowheads="1" noChangeShapeType="1" noTextEdit="1"/>
+              </p:cNvSpPr>
+              <p:nvPr/>
+            </p:nvSpPr>
+            <p:spPr>
+              <a:xfrm>
+                <a:off x="397250" y="3127377"/>
+                <a:ext cx="434340" cy="280163"/>
+              </a:xfrm>
+              <a:prstGeom prst="rect">
+                <a:avLst/>
+              </a:prstGeom>
+              <a:blipFill>
+                <a:blip r:embed="rId11"/>
+                <a:stretch>
+                  <a:fillRect/>
+                </a:stretch>
+              </a:blipFill>
+            </p:spPr>
+            <p:txBody>
+              <a:bodyPr/>
+              <a:lstStyle/>
+              <a:p>
+                <a:r>
+                  <a:rPr lang="en-US">
+                    <a:noFill/>
+                  </a:rPr>
+                  <a:t> </a:t>
+                </a:r>
+              </a:p>
+            </p:txBody>
+          </p:sp>
+        </mc:Fallback>
+      </mc:AlternateContent>
+      <mc:AlternateContent xmlns:mc="http://schemas.openxmlformats.org/markup-compatibility/2006" xmlns:a14="http://schemas.microsoft.com/office/drawing/2010/main">
+        <mc:Choice Requires="a14">
+          <p:sp>
+            <p:nvSpPr>
+              <p:cNvPr id="19" name="Textfeld 18">
+                <a:extLst>
+                  <a:ext uri="{FF2B5EF4-FFF2-40B4-BE49-F238E27FC236}">
+                    <a16:creationId xmlns:a16="http://schemas.microsoft.com/office/drawing/2014/main" id="{4253A0F5-8826-8866-3F0B-17451A940628}"/>
+                  </a:ext>
+                </a:extLst>
+              </p:cNvPr>
+              <p:cNvSpPr txBox="1"/>
+              <p:nvPr/>
+            </p:nvSpPr>
+            <p:spPr>
+              <a:xfrm>
+                <a:off x="397250" y="3562040"/>
+                <a:ext cx="434340" cy="280163"/>
+              </a:xfrm>
+              <a:prstGeom prst="rect">
+                <a:avLst/>
+              </a:prstGeom>
+            </p:spPr>
+            <p:txBody>
+              <a:bodyPr vert="horz" wrap="none" lIns="91440" tIns="45720" rIns="91440" bIns="45720" rtlCol="0" anchor="t">
+                <a:normAutofit/>
+              </a:bodyPr>
+              <a:lstStyle/>
+              <a:p>
+                <a:pPr algn="l"/>
+                <a14:m>
+                  <m:oMathPara xmlns:m="http://schemas.openxmlformats.org/officeDocument/2006/math">
+                    <m:oMathParaPr>
+                      <m:jc m:val="centerGroup"/>
+                    </m:oMathParaPr>
+                    <m:oMath xmlns:m="http://schemas.openxmlformats.org/officeDocument/2006/math">
+                      <m:sSup>
+                        <m:sSupPr>
+                          <m:ctrlPr>
+                            <a:rPr lang="de-AT" sz="1200" i="1" smtClean="0">
+                              <a:latin typeface="Cambria Math" panose="02040503050406030204" pitchFamily="18" charset="0"/>
+                            </a:rPr>
+                          </m:ctrlPr>
+                        </m:sSupPr>
+                        <m:e>
+                          <m:r>
+                            <a:rPr lang="de-AT" sz="1200">
+                              <a:latin typeface="Cambria Math" panose="02040503050406030204" pitchFamily="18" charset="0"/>
+                            </a:rPr>
+                            <m:t>10</m:t>
+                          </m:r>
+                        </m:e>
+                        <m:sup>
+                          <m:r>
+                            <a:rPr lang="de-AT" sz="1200" b="0" i="0" smtClean="0">
+                              <a:latin typeface="Cambria Math" panose="02040503050406030204" pitchFamily="18" charset="0"/>
+                            </a:rPr>
+                            <m:t>1</m:t>
+                          </m:r>
+                        </m:sup>
+                      </m:sSup>
+                    </m:oMath>
+                  </m:oMathPara>
+                </a14:m>
+                <a:endParaRPr lang="en-US" sz="1200" dirty="0"/>
+              </a:p>
+            </p:txBody>
+          </p:sp>
+        </mc:Choice>
+        <mc:Fallback xmlns="">
+          <p:sp>
+            <p:nvSpPr>
+              <p:cNvPr id="19" name="Textfeld 18">
+                <a:extLst>
+                  <a:ext uri="{FF2B5EF4-FFF2-40B4-BE49-F238E27FC236}">
+                    <a16:creationId xmlns:a16="http://schemas.microsoft.com/office/drawing/2014/main" id="{4253A0F5-8826-8866-3F0B-17451A940628}"/>
+                  </a:ext>
+                </a:extLst>
+              </p:cNvPr>
+              <p:cNvSpPr txBox="1">
+                <a:spLocks noRot="1" noChangeAspect="1" noMove="1" noResize="1" noEditPoints="1" noAdjustHandles="1" noChangeArrowheads="1" noChangeShapeType="1" noTextEdit="1"/>
+              </p:cNvSpPr>
+              <p:nvPr/>
+            </p:nvSpPr>
+            <p:spPr>
+              <a:xfrm>
+                <a:off x="397250" y="3562040"/>
+                <a:ext cx="434340" cy="280163"/>
+              </a:xfrm>
+              <a:prstGeom prst="rect">
+                <a:avLst/>
+              </a:prstGeom>
+              <a:blipFill>
+                <a:blip r:embed="rId12"/>
+                <a:stretch>
+                  <a:fillRect/>
+                </a:stretch>
+              </a:blipFill>
+            </p:spPr>
+            <p:txBody>
+              <a:bodyPr/>
+              <a:lstStyle/>
+              <a:p>
+                <a:r>
+                  <a:rPr lang="en-US">
+                    <a:noFill/>
+                  </a:rPr>
+                  <a:t> </a:t>
+                </a:r>
+              </a:p>
+            </p:txBody>
+          </p:sp>
+        </mc:Fallback>
+      </mc:AlternateContent>
+      <p:pic>
+        <p:nvPicPr>
+          <p:cNvPr id="26" name="Grafik 25">
+            <a:extLst>
+              <a:ext uri="{FF2B5EF4-FFF2-40B4-BE49-F238E27FC236}">
+                <a16:creationId xmlns:a16="http://schemas.microsoft.com/office/drawing/2014/main" id="{4988A452-5A62-10E1-E8C3-BD564D9FFBB2}"/>
+              </a:ext>
+            </a:extLst>
+          </p:cNvPr>
+          <p:cNvPicPr>
+            <a:picLocks noChangeAspect="1"/>
+          </p:cNvPicPr>
+          <p:nvPr/>
+        </p:nvPicPr>
+        <p:blipFill rotWithShape="1">
+          <a:blip r:embed="rId13"/>
+          <a:srcRect t="2" b="-2"/>
+          <a:stretch/>
+        </p:blipFill>
+        <p:spPr>
+          <a:xfrm>
+            <a:off x="397250" y="1038225"/>
+            <a:ext cx="56606" cy="45719"/>
+          </a:xfrm>
+          <a:prstGeom prst="rect">
+            <a:avLst/>
+          </a:prstGeom>
+        </p:spPr>
+      </p:pic>
+      <p:sp>
+        <p:nvSpPr>
+          <p:cNvPr id="27" name="Textfeld 26">
+            <a:extLst>
+              <a:ext uri="{FF2B5EF4-FFF2-40B4-BE49-F238E27FC236}">
+                <a16:creationId xmlns:a16="http://schemas.microsoft.com/office/drawing/2014/main" id="{4C8712D0-689F-9839-92FC-42977C4867F3}"/>
+              </a:ext>
+            </a:extLst>
+          </p:cNvPr>
+          <p:cNvSpPr txBox="1"/>
+          <p:nvPr/>
+        </p:nvSpPr>
+        <p:spPr>
+          <a:xfrm>
+            <a:off x="1261044" y="4175125"/>
+            <a:ext cx="240096" cy="280163"/>
+          </a:xfrm>
+          <a:prstGeom prst="rect">
+            <a:avLst/>
+          </a:prstGeom>
+        </p:spPr>
+        <p:txBody>
+          <a:bodyPr vert="horz" wrap="none" lIns="91440" tIns="45720" rIns="91440" bIns="45720" rtlCol="0" anchor="t">
+            <a:normAutofit/>
+          </a:bodyPr>
+          <a:lstStyle/>
+          <a:p>
+            <a:pPr algn="l"/>
+            <a:r>
+              <a:rPr lang="de-AT" sz="1200" dirty="0"/>
+              <a:t>1</a:t>
+            </a:r>
+            <a:endParaRPr lang="en-US" sz="1200" dirty="0"/>
+          </a:p>
+        </p:txBody>
+      </p:sp>
+      <p:sp>
+        <p:nvSpPr>
+          <p:cNvPr id="28" name="Textfeld 27">
+            <a:extLst>
+              <a:ext uri="{FF2B5EF4-FFF2-40B4-BE49-F238E27FC236}">
+                <a16:creationId xmlns:a16="http://schemas.microsoft.com/office/drawing/2014/main" id="{FC1EB3E2-8FE8-E4C1-EB26-6E11DAE04E58}"/>
+              </a:ext>
+            </a:extLst>
+          </p:cNvPr>
+          <p:cNvSpPr txBox="1"/>
+          <p:nvPr/>
+        </p:nvSpPr>
+        <p:spPr>
+          <a:xfrm>
+            <a:off x="2202325" y="4175125"/>
+            <a:ext cx="413850" cy="280163"/>
+          </a:xfrm>
+          <a:prstGeom prst="rect">
+            <a:avLst/>
+          </a:prstGeom>
+        </p:spPr>
+        <p:txBody>
+          <a:bodyPr vert="horz" wrap="none" lIns="91440" tIns="45720" rIns="91440" bIns="45720" rtlCol="0" anchor="t">
+            <a:normAutofit/>
+          </a:bodyPr>
+          <a:lstStyle/>
+          <a:p>
+            <a:pPr algn="l"/>
+            <a:r>
+              <a:rPr lang="de-AT" sz="1200" dirty="0"/>
+              <a:t>10</a:t>
+            </a:r>
+            <a:endParaRPr lang="en-US" sz="1200" dirty="0"/>
+          </a:p>
+        </p:txBody>
+      </p:sp>
+      <p:sp>
+        <p:nvSpPr>
+          <p:cNvPr id="29" name="Textfeld 28">
+            <a:extLst>
+              <a:ext uri="{FF2B5EF4-FFF2-40B4-BE49-F238E27FC236}">
+                <a16:creationId xmlns:a16="http://schemas.microsoft.com/office/drawing/2014/main" id="{2D329EC1-A9DA-4283-71C3-776237716759}"/>
+              </a:ext>
+            </a:extLst>
+          </p:cNvPr>
+          <p:cNvSpPr txBox="1"/>
+          <p:nvPr/>
+        </p:nvSpPr>
+        <p:spPr>
+          <a:xfrm>
+            <a:off x="3110375" y="4175125"/>
+            <a:ext cx="413850" cy="280163"/>
+          </a:xfrm>
+          <a:prstGeom prst="rect">
+            <a:avLst/>
+          </a:prstGeom>
+        </p:spPr>
+        <p:txBody>
+          <a:bodyPr vert="horz" wrap="none" lIns="91440" tIns="45720" rIns="91440" bIns="45720" rtlCol="0" anchor="t">
+            <a:normAutofit/>
+          </a:bodyPr>
+          <a:lstStyle/>
+          <a:p>
+            <a:pPr algn="l"/>
+            <a:r>
+              <a:rPr lang="de-AT" sz="1200" dirty="0"/>
+              <a:t>100</a:t>
+            </a:r>
+            <a:endParaRPr lang="en-US" sz="1200" dirty="0"/>
+          </a:p>
+        </p:txBody>
+      </p:sp>
+      <p:sp>
+        <p:nvSpPr>
+          <p:cNvPr id="30" name="Textfeld 29">
+            <a:extLst>
+              <a:ext uri="{FF2B5EF4-FFF2-40B4-BE49-F238E27FC236}">
+                <a16:creationId xmlns:a16="http://schemas.microsoft.com/office/drawing/2014/main" id="{EE017FDF-DAAD-390F-4689-5C056B6CD13B}"/>
+              </a:ext>
+            </a:extLst>
+          </p:cNvPr>
+          <p:cNvSpPr txBox="1"/>
+          <p:nvPr/>
+        </p:nvSpPr>
+        <p:spPr>
+          <a:xfrm>
+            <a:off x="3444768" y="4175125"/>
+            <a:ext cx="413850" cy="280163"/>
+          </a:xfrm>
+          <a:prstGeom prst="rect">
+            <a:avLst/>
+          </a:prstGeom>
+        </p:spPr>
+        <p:txBody>
+          <a:bodyPr vert="horz" wrap="none" lIns="91440" tIns="45720" rIns="91440" bIns="45720" rtlCol="0" anchor="t">
+            <a:normAutofit/>
+          </a:bodyPr>
+          <a:lstStyle/>
+          <a:p>
+            <a:pPr algn="l"/>
+            <a:r>
+              <a:rPr lang="de-AT" sz="1200" dirty="0"/>
+              <a:t>200</a:t>
+            </a:r>
+            <a:endParaRPr lang="en-US" sz="1200" dirty="0"/>
+          </a:p>
+        </p:txBody>
+      </p:sp>
+      <p:sp>
+        <p:nvSpPr>
+          <p:cNvPr id="31" name="Textfeld 30">
+            <a:extLst>
+              <a:ext uri="{FF2B5EF4-FFF2-40B4-BE49-F238E27FC236}">
+                <a16:creationId xmlns:a16="http://schemas.microsoft.com/office/drawing/2014/main" id="{424EF406-8DE2-2093-169A-1145F427FA21}"/>
+              </a:ext>
+            </a:extLst>
+          </p:cNvPr>
+          <p:cNvSpPr txBox="1"/>
+          <p:nvPr/>
+        </p:nvSpPr>
+        <p:spPr>
+          <a:xfrm>
+            <a:off x="3737697" y="4175125"/>
+            <a:ext cx="413850" cy="280163"/>
+          </a:xfrm>
+          <a:prstGeom prst="rect">
+            <a:avLst/>
+          </a:prstGeom>
+        </p:spPr>
+        <p:txBody>
+          <a:bodyPr vert="horz" wrap="none" lIns="91440" tIns="45720" rIns="91440" bIns="45720" rtlCol="0" anchor="t">
+            <a:normAutofit/>
+          </a:bodyPr>
+          <a:lstStyle/>
+          <a:p>
+            <a:pPr algn="l"/>
+            <a:r>
+              <a:rPr lang="de-AT" sz="1200" dirty="0"/>
+              <a:t>400</a:t>
+            </a:r>
+            <a:endParaRPr lang="en-US" sz="1200" dirty="0"/>
+          </a:p>
+        </p:txBody>
+      </p:sp>
+      <p:sp>
+        <p:nvSpPr>
+          <p:cNvPr id="32" name="Textfeld 31">
+            <a:extLst>
+              <a:ext uri="{FF2B5EF4-FFF2-40B4-BE49-F238E27FC236}">
+                <a16:creationId xmlns:a16="http://schemas.microsoft.com/office/drawing/2014/main" id="{AA8DB167-D541-8DA0-1488-C071754C786D}"/>
+              </a:ext>
+            </a:extLst>
+          </p:cNvPr>
+          <p:cNvSpPr txBox="1"/>
+          <p:nvPr/>
+        </p:nvSpPr>
+        <p:spPr>
+          <a:xfrm>
+            <a:off x="4016569" y="4175125"/>
+            <a:ext cx="413850" cy="280163"/>
+          </a:xfrm>
+          <a:prstGeom prst="rect">
+            <a:avLst/>
+          </a:prstGeom>
+        </p:spPr>
+        <p:txBody>
+          <a:bodyPr vert="horz" wrap="none" lIns="91440" tIns="45720" rIns="91440" bIns="45720" rtlCol="0" anchor="t">
+            <a:normAutofit/>
+          </a:bodyPr>
+          <a:lstStyle/>
+          <a:p>
+            <a:pPr algn="l"/>
+            <a:r>
+              <a:rPr lang="de-AT" sz="1200" dirty="0"/>
+              <a:t>800</a:t>
+            </a:r>
+            <a:endParaRPr lang="en-US" sz="1200" dirty="0"/>
+          </a:p>
+        </p:txBody>
+      </p:sp>
+      <p:cxnSp>
+        <p:nvCxnSpPr>
+          <p:cNvPr id="36" name="Gerader Verbinder 35">
+            <a:extLst>
+              <a:ext uri="{FF2B5EF4-FFF2-40B4-BE49-F238E27FC236}">
+                <a16:creationId xmlns:a16="http://schemas.microsoft.com/office/drawing/2014/main" id="{D6841A0C-6E4B-671C-0F55-CB899CF32A2C}"/>
+              </a:ext>
+            </a:extLst>
+          </p:cNvPr>
+          <p:cNvCxnSpPr>
+            <a:cxnSpLocks/>
+          </p:cNvCxnSpPr>
+          <p:nvPr/>
+        </p:nvCxnSpPr>
+        <p:spPr>
+          <a:xfrm flipV="1">
+            <a:off x="1396332" y="4094226"/>
+            <a:ext cx="0" cy="137160"/>
+          </a:xfrm>
+          <a:prstGeom prst="line">
+            <a:avLst/>
+          </a:prstGeom>
+          <a:ln w="19050">
+            <a:solidFill>
+              <a:schemeClr val="tx1"/>
+            </a:solidFill>
+          </a:ln>
+        </p:spPr>
+        <p:style>
+          <a:lnRef idx="1">
+            <a:schemeClr val="accent1"/>
+          </a:lnRef>
+          <a:fillRef idx="0">
+            <a:schemeClr val="accent1"/>
+          </a:fillRef>
+          <a:effectRef idx="0">
+            <a:schemeClr val="accent1"/>
+          </a:effectRef>
+          <a:fontRef idx="minor">
+            <a:schemeClr val="tx1"/>
+          </a:fontRef>
+        </p:style>
+      </p:cxnSp>
+      <p:cxnSp>
+        <p:nvCxnSpPr>
+          <p:cNvPr id="37" name="Gerader Verbinder 36">
+            <a:extLst>
+              <a:ext uri="{FF2B5EF4-FFF2-40B4-BE49-F238E27FC236}">
+                <a16:creationId xmlns:a16="http://schemas.microsoft.com/office/drawing/2014/main" id="{FB41B0C0-C344-F15E-1A01-B3AD21775338}"/>
+              </a:ext>
+            </a:extLst>
+          </p:cNvPr>
+          <p:cNvCxnSpPr>
+            <a:cxnSpLocks/>
+          </p:cNvCxnSpPr>
+          <p:nvPr/>
+        </p:nvCxnSpPr>
+        <p:spPr>
+          <a:xfrm flipV="1">
+            <a:off x="2379312" y="4094226"/>
+            <a:ext cx="0" cy="137160"/>
+          </a:xfrm>
+          <a:prstGeom prst="line">
+            <a:avLst/>
+          </a:prstGeom>
+          <a:ln w="19050">
+            <a:solidFill>
+              <a:schemeClr val="tx1"/>
+            </a:solidFill>
+          </a:ln>
+        </p:spPr>
+        <p:style>
+          <a:lnRef idx="1">
+            <a:schemeClr val="accent1"/>
+          </a:lnRef>
+          <a:fillRef idx="0">
+            <a:schemeClr val="accent1"/>
+          </a:fillRef>
+          <a:effectRef idx="0">
+            <a:schemeClr val="accent1"/>
+          </a:effectRef>
+          <a:fontRef idx="minor">
+            <a:schemeClr val="tx1"/>
+          </a:fontRef>
+        </p:style>
+      </p:cxnSp>
+      <p:cxnSp>
+        <p:nvCxnSpPr>
+          <p:cNvPr id="38" name="Gerader Verbinder 37">
+            <a:extLst>
+              <a:ext uri="{FF2B5EF4-FFF2-40B4-BE49-F238E27FC236}">
+                <a16:creationId xmlns:a16="http://schemas.microsoft.com/office/drawing/2014/main" id="{F3AE98FB-A75F-4ED3-DFE7-0986DA04BBFB}"/>
+              </a:ext>
+            </a:extLst>
+          </p:cNvPr>
+          <p:cNvCxnSpPr>
+            <a:cxnSpLocks/>
+          </p:cNvCxnSpPr>
+          <p:nvPr/>
+        </p:nvCxnSpPr>
+        <p:spPr>
+          <a:xfrm flipV="1">
+            <a:off x="3324252" y="4094226"/>
+            <a:ext cx="0" cy="137160"/>
+          </a:xfrm>
+          <a:prstGeom prst="line">
+            <a:avLst/>
+          </a:prstGeom>
+          <a:ln w="19050">
+            <a:solidFill>
+              <a:schemeClr val="tx1"/>
+            </a:solidFill>
+          </a:ln>
+        </p:spPr>
+        <p:style>
+          <a:lnRef idx="1">
+            <a:schemeClr val="accent1"/>
+          </a:lnRef>
+          <a:fillRef idx="0">
+            <a:schemeClr val="accent1"/>
+          </a:fillRef>
+          <a:effectRef idx="0">
+            <a:schemeClr val="accent1"/>
+          </a:effectRef>
+          <a:fontRef idx="minor">
+            <a:schemeClr val="tx1"/>
+          </a:fontRef>
+        </p:style>
+      </p:cxnSp>
+      <p:cxnSp>
+        <p:nvCxnSpPr>
+          <p:cNvPr id="39" name="Gerader Verbinder 38">
+            <a:extLst>
+              <a:ext uri="{FF2B5EF4-FFF2-40B4-BE49-F238E27FC236}">
+                <a16:creationId xmlns:a16="http://schemas.microsoft.com/office/drawing/2014/main" id="{3BFF2105-35F3-58B0-4205-4EFE27A26AF9}"/>
+              </a:ext>
+            </a:extLst>
+          </p:cNvPr>
+          <p:cNvCxnSpPr>
+            <a:cxnSpLocks/>
+          </p:cNvCxnSpPr>
+          <p:nvPr/>
+        </p:nvCxnSpPr>
+        <p:spPr>
+          <a:xfrm flipV="1">
+            <a:off x="3667152" y="4094226"/>
+            <a:ext cx="0" cy="137160"/>
+          </a:xfrm>
+          <a:prstGeom prst="line">
+            <a:avLst/>
+          </a:prstGeom>
+          <a:ln w="19050">
+            <a:solidFill>
+              <a:schemeClr val="tx1"/>
+            </a:solidFill>
+          </a:ln>
+        </p:spPr>
+        <p:style>
+          <a:lnRef idx="1">
+            <a:schemeClr val="accent1"/>
+          </a:lnRef>
+          <a:fillRef idx="0">
+            <a:schemeClr val="accent1"/>
+          </a:fillRef>
+          <a:effectRef idx="0">
+            <a:schemeClr val="accent1"/>
+          </a:effectRef>
+          <a:fontRef idx="minor">
+            <a:schemeClr val="tx1"/>
+          </a:fontRef>
+        </p:style>
+      </p:cxnSp>
+      <p:cxnSp>
+        <p:nvCxnSpPr>
+          <p:cNvPr id="40" name="Gerader Verbinder 39">
+            <a:extLst>
+              <a:ext uri="{FF2B5EF4-FFF2-40B4-BE49-F238E27FC236}">
+                <a16:creationId xmlns:a16="http://schemas.microsoft.com/office/drawing/2014/main" id="{7902074C-448E-EECC-F4CC-B4AC1F44E8BB}"/>
+              </a:ext>
+            </a:extLst>
+          </p:cNvPr>
+          <p:cNvCxnSpPr>
+            <a:cxnSpLocks/>
+          </p:cNvCxnSpPr>
+          <p:nvPr/>
+        </p:nvCxnSpPr>
+        <p:spPr>
+          <a:xfrm flipV="1">
+            <a:off x="3960522" y="4094226"/>
+            <a:ext cx="0" cy="137160"/>
+          </a:xfrm>
+          <a:prstGeom prst="line">
+            <a:avLst/>
+          </a:prstGeom>
+          <a:ln w="19050">
+            <a:solidFill>
+              <a:schemeClr val="tx1"/>
+            </a:solidFill>
+          </a:ln>
+        </p:spPr>
+        <p:style>
+          <a:lnRef idx="1">
+            <a:schemeClr val="accent1"/>
+          </a:lnRef>
+          <a:fillRef idx="0">
+            <a:schemeClr val="accent1"/>
+          </a:fillRef>
+          <a:effectRef idx="0">
+            <a:schemeClr val="accent1"/>
+          </a:effectRef>
+          <a:fontRef idx="minor">
+            <a:schemeClr val="tx1"/>
+          </a:fontRef>
+        </p:style>
+      </p:cxnSp>
+      <p:cxnSp>
+        <p:nvCxnSpPr>
+          <p:cNvPr id="41" name="Gerader Verbinder 40">
+            <a:extLst>
+              <a:ext uri="{FF2B5EF4-FFF2-40B4-BE49-F238E27FC236}">
+                <a16:creationId xmlns:a16="http://schemas.microsoft.com/office/drawing/2014/main" id="{D50B6285-AD77-3FB2-FDDB-BB0657691B66}"/>
+              </a:ext>
+            </a:extLst>
+          </p:cNvPr>
+          <p:cNvCxnSpPr>
+            <a:cxnSpLocks/>
+          </p:cNvCxnSpPr>
+          <p:nvPr/>
+        </p:nvCxnSpPr>
+        <p:spPr>
+          <a:xfrm flipV="1">
+            <a:off x="4229126" y="4094226"/>
+            <a:ext cx="0" cy="137160"/>
+          </a:xfrm>
+          <a:prstGeom prst="line">
+            <a:avLst/>
+          </a:prstGeom>
+          <a:ln w="19050">
+            <a:solidFill>
+              <a:schemeClr val="tx1"/>
+            </a:solidFill>
+          </a:ln>
+        </p:spPr>
+        <p:style>
+          <a:lnRef idx="1">
+            <a:schemeClr val="accent1"/>
+          </a:lnRef>
+          <a:fillRef idx="0">
+            <a:schemeClr val="accent1"/>
+          </a:fillRef>
+          <a:effectRef idx="0">
+            <a:schemeClr val="accent1"/>
+          </a:effectRef>
+          <a:fontRef idx="minor">
+            <a:schemeClr val="tx1"/>
+          </a:fontRef>
+        </p:style>
+      </p:cxnSp>
+      <p:cxnSp>
+        <p:nvCxnSpPr>
+          <p:cNvPr id="42" name="Gerader Verbinder 41">
+            <a:extLst>
+              <a:ext uri="{FF2B5EF4-FFF2-40B4-BE49-F238E27FC236}">
+                <a16:creationId xmlns:a16="http://schemas.microsoft.com/office/drawing/2014/main" id="{C0D887BE-99A2-B8CA-49C3-EBA1BF4B18B7}"/>
+              </a:ext>
+            </a:extLst>
+          </p:cNvPr>
+          <p:cNvCxnSpPr>
+            <a:cxnSpLocks/>
+          </p:cNvCxnSpPr>
+          <p:nvPr/>
+        </p:nvCxnSpPr>
+        <p:spPr>
+          <a:xfrm>
+            <a:off x="344358" y="1059942"/>
+            <a:ext cx="138055" cy="0"/>
+          </a:xfrm>
+          <a:prstGeom prst="line">
+            <a:avLst/>
+          </a:prstGeom>
+          <a:ln w="19050">
+            <a:solidFill>
+              <a:schemeClr val="tx1"/>
+            </a:solidFill>
+          </a:ln>
+        </p:spPr>
+        <p:style>
+          <a:lnRef idx="1">
+            <a:schemeClr val="accent1"/>
+          </a:lnRef>
+          <a:fillRef idx="0">
+            <a:schemeClr val="accent1"/>
+          </a:fillRef>
+          <a:effectRef idx="0">
+            <a:schemeClr val="accent1"/>
+          </a:effectRef>
+          <a:fontRef idx="minor">
+            <a:schemeClr val="tx1"/>
+          </a:fontRef>
+        </p:style>
+      </p:cxnSp>
+      <p:cxnSp>
+        <p:nvCxnSpPr>
+          <p:cNvPr id="44" name="Gerader Verbinder 43">
+            <a:extLst>
+              <a:ext uri="{FF2B5EF4-FFF2-40B4-BE49-F238E27FC236}">
+                <a16:creationId xmlns:a16="http://schemas.microsoft.com/office/drawing/2014/main" id="{26771120-5FBD-EE81-3479-1509D9F2E192}"/>
+              </a:ext>
+            </a:extLst>
+          </p:cNvPr>
+          <p:cNvCxnSpPr>
+            <a:cxnSpLocks/>
+          </p:cNvCxnSpPr>
+          <p:nvPr/>
+        </p:nvCxnSpPr>
+        <p:spPr>
+          <a:xfrm>
+            <a:off x="344358" y="1494282"/>
+            <a:ext cx="138055" cy="0"/>
+          </a:xfrm>
+          <a:prstGeom prst="line">
+            <a:avLst/>
+          </a:prstGeom>
+          <a:ln w="19050">
+            <a:solidFill>
+              <a:schemeClr val="tx1"/>
+            </a:solidFill>
+          </a:ln>
+        </p:spPr>
+        <p:style>
+          <a:lnRef idx="1">
+            <a:schemeClr val="accent1"/>
+          </a:lnRef>
+          <a:fillRef idx="0">
+            <a:schemeClr val="accent1"/>
+          </a:fillRef>
+          <a:effectRef idx="0">
+            <a:schemeClr val="accent1"/>
+          </a:effectRef>
+          <a:fontRef idx="minor">
+            <a:schemeClr val="tx1"/>
+          </a:fontRef>
+        </p:style>
+      </p:cxnSp>
+      <p:cxnSp>
+        <p:nvCxnSpPr>
+          <p:cNvPr id="45" name="Gerader Verbinder 44">
+            <a:extLst>
+              <a:ext uri="{FF2B5EF4-FFF2-40B4-BE49-F238E27FC236}">
+                <a16:creationId xmlns:a16="http://schemas.microsoft.com/office/drawing/2014/main" id="{C136A699-EC14-014D-E73D-414500DC19E9}"/>
+              </a:ext>
+            </a:extLst>
+          </p:cNvPr>
+          <p:cNvCxnSpPr>
+            <a:cxnSpLocks/>
+          </p:cNvCxnSpPr>
+          <p:nvPr/>
+        </p:nvCxnSpPr>
+        <p:spPr>
+          <a:xfrm>
+            <a:off x="344358" y="1931887"/>
+            <a:ext cx="138055" cy="0"/>
+          </a:xfrm>
+          <a:prstGeom prst="line">
+            <a:avLst/>
+          </a:prstGeom>
+          <a:ln w="19050">
+            <a:solidFill>
+              <a:schemeClr val="tx1"/>
+            </a:solidFill>
+          </a:ln>
+        </p:spPr>
+        <p:style>
+          <a:lnRef idx="1">
+            <a:schemeClr val="accent1"/>
+          </a:lnRef>
+          <a:fillRef idx="0">
+            <a:schemeClr val="accent1"/>
+          </a:fillRef>
+          <a:effectRef idx="0">
+            <a:schemeClr val="accent1"/>
+          </a:effectRef>
+          <a:fontRef idx="minor">
+            <a:schemeClr val="tx1"/>
+          </a:fontRef>
+        </p:style>
+      </p:cxnSp>
+      <p:cxnSp>
+        <p:nvCxnSpPr>
+          <p:cNvPr id="46" name="Gerader Verbinder 45">
+            <a:extLst>
+              <a:ext uri="{FF2B5EF4-FFF2-40B4-BE49-F238E27FC236}">
+                <a16:creationId xmlns:a16="http://schemas.microsoft.com/office/drawing/2014/main" id="{403ED956-B804-00C7-84F8-B4C652789D3B}"/>
+              </a:ext>
+            </a:extLst>
+          </p:cNvPr>
+          <p:cNvCxnSpPr>
+            <a:cxnSpLocks/>
+          </p:cNvCxnSpPr>
+          <p:nvPr/>
+        </p:nvCxnSpPr>
+        <p:spPr>
+          <a:xfrm>
+            <a:off x="344358" y="2387182"/>
+            <a:ext cx="138055" cy="0"/>
+          </a:xfrm>
+          <a:prstGeom prst="line">
+            <a:avLst/>
+          </a:prstGeom>
+          <a:ln w="19050">
+            <a:solidFill>
+              <a:schemeClr val="tx1"/>
+            </a:solidFill>
+          </a:ln>
+        </p:spPr>
+        <p:style>
+          <a:lnRef idx="1">
+            <a:schemeClr val="accent1"/>
+          </a:lnRef>
+          <a:fillRef idx="0">
+            <a:schemeClr val="accent1"/>
+          </a:fillRef>
+          <a:effectRef idx="0">
+            <a:schemeClr val="accent1"/>
+          </a:effectRef>
+          <a:fontRef idx="minor">
+            <a:schemeClr val="tx1"/>
+          </a:fontRef>
+        </p:style>
+      </p:cxnSp>
+      <p:cxnSp>
+        <p:nvCxnSpPr>
+          <p:cNvPr id="47" name="Gerader Verbinder 46">
+            <a:extLst>
+              <a:ext uri="{FF2B5EF4-FFF2-40B4-BE49-F238E27FC236}">
+                <a16:creationId xmlns:a16="http://schemas.microsoft.com/office/drawing/2014/main" id="{39AA4410-8C21-8644-159A-2AB1F9C2E68B}"/>
+              </a:ext>
+            </a:extLst>
+          </p:cNvPr>
+          <p:cNvCxnSpPr>
+            <a:cxnSpLocks/>
+          </p:cNvCxnSpPr>
+          <p:nvPr/>
+        </p:nvCxnSpPr>
+        <p:spPr>
+          <a:xfrm>
+            <a:off x="344358" y="2829142"/>
+            <a:ext cx="138055" cy="0"/>
+          </a:xfrm>
+          <a:prstGeom prst="line">
+            <a:avLst/>
+          </a:prstGeom>
+          <a:ln w="19050">
+            <a:solidFill>
+              <a:schemeClr val="tx1"/>
+            </a:solidFill>
+          </a:ln>
+        </p:spPr>
+        <p:style>
+          <a:lnRef idx="1">
+            <a:schemeClr val="accent1"/>
+          </a:lnRef>
+          <a:fillRef idx="0">
+            <a:schemeClr val="accent1"/>
+          </a:fillRef>
+          <a:effectRef idx="0">
+            <a:schemeClr val="accent1"/>
+          </a:effectRef>
+          <a:fontRef idx="minor">
+            <a:schemeClr val="tx1"/>
+          </a:fontRef>
+        </p:style>
+      </p:cxnSp>
+      <p:cxnSp>
+        <p:nvCxnSpPr>
+          <p:cNvPr id="48" name="Gerader Verbinder 47">
+            <a:extLst>
+              <a:ext uri="{FF2B5EF4-FFF2-40B4-BE49-F238E27FC236}">
+                <a16:creationId xmlns:a16="http://schemas.microsoft.com/office/drawing/2014/main" id="{E7FDA53C-0B4C-38DE-F49A-850E4F5A38B8}"/>
+              </a:ext>
+            </a:extLst>
+          </p:cNvPr>
+          <p:cNvCxnSpPr>
+            <a:cxnSpLocks/>
+          </p:cNvCxnSpPr>
+          <p:nvPr/>
+        </p:nvCxnSpPr>
+        <p:spPr>
+          <a:xfrm>
+            <a:off x="344358" y="3274912"/>
+            <a:ext cx="138055" cy="0"/>
+          </a:xfrm>
+          <a:prstGeom prst="line">
+            <a:avLst/>
+          </a:prstGeom>
+          <a:ln w="19050">
+            <a:solidFill>
+              <a:schemeClr val="tx1"/>
+            </a:solidFill>
+          </a:ln>
+        </p:spPr>
+        <p:style>
+          <a:lnRef idx="1">
+            <a:schemeClr val="accent1"/>
+          </a:lnRef>
+          <a:fillRef idx="0">
+            <a:schemeClr val="accent1"/>
+          </a:fillRef>
+          <a:effectRef idx="0">
+            <a:schemeClr val="accent1"/>
+          </a:effectRef>
+          <a:fontRef idx="minor">
+            <a:schemeClr val="tx1"/>
+          </a:fontRef>
+        </p:style>
+      </p:cxnSp>
+      <p:cxnSp>
+        <p:nvCxnSpPr>
+          <p:cNvPr id="49" name="Gerader Verbinder 48">
+            <a:extLst>
+              <a:ext uri="{FF2B5EF4-FFF2-40B4-BE49-F238E27FC236}">
+                <a16:creationId xmlns:a16="http://schemas.microsoft.com/office/drawing/2014/main" id="{8784FB16-E0B7-1A9C-CFB9-1735B5559522}"/>
+              </a:ext>
+            </a:extLst>
+          </p:cNvPr>
+          <p:cNvCxnSpPr>
+            <a:cxnSpLocks/>
+          </p:cNvCxnSpPr>
+          <p:nvPr/>
+        </p:nvCxnSpPr>
+        <p:spPr>
+          <a:xfrm>
+            <a:off x="344358" y="3720682"/>
+            <a:ext cx="138055" cy="0"/>
+          </a:xfrm>
+          <a:prstGeom prst="line">
+            <a:avLst/>
+          </a:prstGeom>
+          <a:ln w="19050">
+            <a:solidFill>
+              <a:schemeClr val="tx1"/>
+            </a:solidFill>
+          </a:ln>
+        </p:spPr>
+        <p:style>
+          <a:lnRef idx="1">
+            <a:schemeClr val="accent1"/>
+          </a:lnRef>
+          <a:fillRef idx="0">
+            <a:schemeClr val="accent1"/>
+          </a:fillRef>
+          <a:effectRef idx="0">
+            <a:schemeClr val="accent1"/>
+          </a:effectRef>
+          <a:fontRef idx="minor">
+            <a:schemeClr val="tx1"/>
+          </a:fontRef>
+        </p:style>
+      </p:cxnSp>
     </p:spTree>
     <p:extLst>
       <p:ext uri="{BB962C8B-B14F-4D97-AF65-F5344CB8AC3E}">
@@ -14485,22 +16213,29 @@
           <a:lstStyle/>
           <a:p>
             <a:r>
-              <a:rPr lang="en-US"/>
-              <a:t>Virtualization of a Real-Time Operating System for Robot Control with a Focus on RealTime Compliance</a:t>
-            </a:r>
-            <a:r>
-              <a:rPr lang="en-GB"/>
+              <a:rPr lang="en-US" dirty="0"/>
+              <a:t>Virtualization of a Real-Time Operating System for Robot Control with a Focus on Real-Time Compliance</a:t>
+            </a:r>
+            <a:r>
+              <a:rPr lang="en-GB" dirty="0"/>
               <a:t> | </a:t>
             </a:r>
             <a:r>
-              <a:rPr lang="de-AT"/>
-              <a:t>Halil Pamuk, BSc.</a:t>
-            </a:r>
-            <a:r>
-              <a:rPr lang="en-GB"/>
+              <a:rPr lang="de-AT" dirty="0"/>
+              <a:t>Halil Pamuk, </a:t>
+            </a:r>
+            <a:r>
+              <a:rPr lang="de-AT" dirty="0" err="1"/>
+              <a:t>BSc</a:t>
+            </a:r>
+            <a:r>
+              <a:rPr lang="de-AT" dirty="0"/>
+              <a:t>.</a:t>
+            </a:r>
+            <a:r>
+              <a:rPr lang="en-GB" dirty="0"/>
               <a:t> | 10.10.2024</a:t>
             </a:r>
-            <a:endParaRPr lang="en-GB" dirty="0"/>
           </a:p>
         </p:txBody>
       </p:sp>
@@ -14706,18 +16441,14 @@
           </a:p>
           <a:p>
             <a:r>
-              <a:rPr lang="en-US" sz="2000"/>
+              <a:rPr lang="en-US" sz="2000" dirty="0"/>
               <a:t>Close to bare metal’s 10.709 µs</a:t>
             </a:r>
           </a:p>
           <a:p>
             <a:r>
-              <a:rPr lang="en-US" sz="2000"/>
-              <a:t>No </a:t>
-            </a:r>
-            <a:r>
               <a:rPr lang="en-US" sz="2000" dirty="0"/>
-              <a:t>overruns</a:t>
+              <a:t>No overruns</a:t>
             </a:r>
           </a:p>
           <a:p>
@@ -14803,22 +16534,29 @@
           <a:lstStyle/>
           <a:p>
             <a:r>
-              <a:rPr lang="en-US"/>
-              <a:t>Virtualization of a Real-Time Operating System for Robot Control with a Focus on RealTime Compliance</a:t>
-            </a:r>
-            <a:r>
-              <a:rPr lang="en-GB"/>
+              <a:rPr lang="en-US" dirty="0"/>
+              <a:t>Virtualization of a Real-Time Operating System for Robot Control with a Focus on Real-Time Compliance</a:t>
+            </a:r>
+            <a:r>
+              <a:rPr lang="en-GB" dirty="0"/>
               <a:t> | </a:t>
             </a:r>
             <a:r>
-              <a:rPr lang="de-AT"/>
-              <a:t>Halil Pamuk, BSc.</a:t>
-            </a:r>
-            <a:r>
-              <a:rPr lang="en-GB"/>
+              <a:rPr lang="de-AT" dirty="0"/>
+              <a:t>Halil Pamuk, </a:t>
+            </a:r>
+            <a:r>
+              <a:rPr lang="de-AT" dirty="0" err="1"/>
+              <a:t>BSc</a:t>
+            </a:r>
+            <a:r>
+              <a:rPr lang="de-AT" dirty="0"/>
+              <a:t>.</a:t>
+            </a:r>
+            <a:r>
+              <a:rPr lang="en-GB" dirty="0"/>
               <a:t> | 10.10.2024</a:t>
             </a:r>
-            <a:endParaRPr lang="en-GB" dirty="0"/>
           </a:p>
         </p:txBody>
       </p:sp>
@@ -14993,22 +16731,29 @@
           <a:lstStyle/>
           <a:p>
             <a:r>
-              <a:rPr lang="en-US"/>
-              <a:t>Virtualization of a Real-Time Operating System for Robot Control with a Focus on RealTime Compliance</a:t>
-            </a:r>
-            <a:r>
-              <a:rPr lang="en-GB"/>
+              <a:rPr lang="en-US" dirty="0"/>
+              <a:t>Virtualization of a Real-Time Operating System for Robot Control with a Focus on Real-Time Compliance</a:t>
+            </a:r>
+            <a:r>
+              <a:rPr lang="en-GB" dirty="0"/>
               <a:t> | </a:t>
             </a:r>
             <a:r>
-              <a:rPr lang="de-AT"/>
-              <a:t>Halil Pamuk, BSc.</a:t>
-            </a:r>
-            <a:r>
-              <a:rPr lang="en-GB"/>
+              <a:rPr lang="de-AT" dirty="0"/>
+              <a:t>Halil Pamuk, </a:t>
+            </a:r>
+            <a:r>
+              <a:rPr lang="de-AT" dirty="0" err="1"/>
+              <a:t>BSc</a:t>
+            </a:r>
+            <a:r>
+              <a:rPr lang="de-AT" dirty="0"/>
+              <a:t>.</a:t>
+            </a:r>
+            <a:r>
+              <a:rPr lang="en-GB" dirty="0"/>
               <a:t> | 10.10.2024</a:t>
             </a:r>
-            <a:endParaRPr lang="en-GB" dirty="0"/>
           </a:p>
         </p:txBody>
       </p:sp>

--- a/Masterprüfung/Presentation/Pamuk_MT_Präsentation_10102024.pptx
+++ b/Masterprüfung/Presentation/Pamuk_MT_Präsentation_10102024.pptx
@@ -290,7 +290,7 @@
           <a:p>
             <a:fld id="{177B9070-9281-4B15-842B-9B135EE24603}" type="datetimeFigureOut">
               <a:rPr lang="de-AT" smtClean="0"/>
-              <a:t>08.10.2024</a:t>
+              <a:t>09.10.2024</a:t>
             </a:fld>
             <a:endParaRPr lang="de-AT"/>
           </a:p>
@@ -455,7 +455,7 @@
           <a:p>
             <a:fld id="{843A4CAD-2332-440A-B5F3-F5F26A7FAEC2}" type="datetimeFigureOut">
               <a:rPr lang="en-US" smtClean="0"/>
-              <a:t>10/8/2024</a:t>
+              <a:t>10/9/2024</a:t>
             </a:fld>
             <a:endParaRPr lang="en-US"/>
           </a:p>
@@ -8372,47 +8372,122 @@
           <a:chExt cx="0" cy="0"/>
         </a:xfrm>
       </p:grpSpPr>
-      <p:pic>
-        <p:nvPicPr>
-          <p:cNvPr id="15" name="Grafik 14" descr="Ein Bild, das Text, Screenshot, Reihe, Diagramm enthält.">
-            <a:extLst>
-              <a:ext uri="{FF2B5EF4-FFF2-40B4-BE49-F238E27FC236}">
-                <a16:creationId xmlns:a16="http://schemas.microsoft.com/office/drawing/2014/main" id="{70183D45-2E28-0D46-2796-E345F999D034}"/>
-              </a:ext>
-            </a:extLst>
-          </p:cNvPr>
-          <p:cNvPicPr>
-            <a:picLocks noChangeAspect="1"/>
-          </p:cNvPicPr>
+      <p:sp>
+        <p:nvSpPr>
+          <p:cNvPr id="40" name="Rechteck 39">
+            <a:extLst>
+              <a:ext uri="{FF2B5EF4-FFF2-40B4-BE49-F238E27FC236}">
+                <a16:creationId xmlns:a16="http://schemas.microsoft.com/office/drawing/2014/main" id="{093128A7-30F3-7760-1A69-FC60647F67F0}"/>
+              </a:ext>
+            </a:extLst>
+          </p:cNvPr>
+          <p:cNvSpPr/>
           <p:nvPr/>
-        </p:nvPicPr>
-        <p:blipFill>
-          <a:blip r:embed="rId2">
-            <a:extLst>
-              <a:ext uri="{28A0092B-C50C-407E-A947-70E740481C1C}">
-                <a14:useLocalDpi xmlns:a14="http://schemas.microsoft.com/office/drawing/2010/main" val="0"/>
-              </a:ext>
-            </a:extLst>
-          </a:blip>
-          <a:stretch>
-            <a:fillRect/>
-          </a:stretch>
-        </p:blipFill>
+        </p:nvSpPr>
         <p:spPr>
           <a:xfrm>
-            <a:off x="4707541" y="2774944"/>
-            <a:ext cx="4056151" cy="1533733"/>
+            <a:off x="4658054" y="3463695"/>
+            <a:ext cx="4342990" cy="424462"/>
           </a:xfrm>
           <a:prstGeom prst="rect">
             <a:avLst/>
           </a:prstGeom>
+          <a:solidFill>
+            <a:srgbClr val="FFC000">
+              <a:alpha val="50000"/>
+            </a:srgbClr>
+          </a:solidFill>
           <a:ln>
             <a:solidFill>
-              <a:schemeClr val="tx1"/>
+              <a:schemeClr val="accent1">
+                <a:shade val="15000"/>
+              </a:schemeClr>
             </a:solidFill>
           </a:ln>
         </p:spPr>
-      </p:pic>
+        <p:style>
+          <a:lnRef idx="2">
+            <a:schemeClr val="accent1">
+              <a:shade val="15000"/>
+            </a:schemeClr>
+          </a:lnRef>
+          <a:fillRef idx="1">
+            <a:schemeClr val="accent1"/>
+          </a:fillRef>
+          <a:effectRef idx="0">
+            <a:schemeClr val="accent1"/>
+          </a:effectRef>
+          <a:fontRef idx="minor">
+            <a:schemeClr val="lt1"/>
+          </a:fontRef>
+        </p:style>
+        <p:txBody>
+          <a:bodyPr rtlCol="0" anchor="ctr"/>
+          <a:lstStyle/>
+          <a:p>
+            <a:pPr algn="ctr"/>
+            <a:endParaRPr lang="de-AT" dirty="0"/>
+          </a:p>
+        </p:txBody>
+      </p:sp>
+      <p:sp>
+        <p:nvSpPr>
+          <p:cNvPr id="38" name="Rechteck 37">
+            <a:extLst>
+              <a:ext uri="{FF2B5EF4-FFF2-40B4-BE49-F238E27FC236}">
+                <a16:creationId xmlns:a16="http://schemas.microsoft.com/office/drawing/2014/main" id="{DC1FF343-6051-4575-5831-B35A818DB5D5}"/>
+              </a:ext>
+            </a:extLst>
+          </p:cNvPr>
+          <p:cNvSpPr/>
+          <p:nvPr/>
+        </p:nvSpPr>
+        <p:spPr>
+          <a:xfrm>
+            <a:off x="4658052" y="3038156"/>
+            <a:ext cx="4342991" cy="424462"/>
+          </a:xfrm>
+          <a:prstGeom prst="rect">
+            <a:avLst/>
+          </a:prstGeom>
+          <a:solidFill>
+            <a:srgbClr val="7030A0">
+              <a:alpha val="50000"/>
+            </a:srgbClr>
+          </a:solidFill>
+          <a:ln>
+            <a:solidFill>
+              <a:schemeClr val="accent1">
+                <a:shade val="15000"/>
+              </a:schemeClr>
+            </a:solidFill>
+          </a:ln>
+        </p:spPr>
+        <p:style>
+          <a:lnRef idx="2">
+            <a:schemeClr val="accent1">
+              <a:shade val="15000"/>
+            </a:schemeClr>
+          </a:lnRef>
+          <a:fillRef idx="1">
+            <a:schemeClr val="accent1"/>
+          </a:fillRef>
+          <a:effectRef idx="0">
+            <a:schemeClr val="accent1"/>
+          </a:effectRef>
+          <a:fontRef idx="minor">
+            <a:schemeClr val="lt1"/>
+          </a:fontRef>
+        </p:style>
+        <p:txBody>
+          <a:bodyPr rtlCol="0" anchor="ctr"/>
+          <a:lstStyle/>
+          <a:p>
+            <a:pPr algn="ctr"/>
+            <a:endParaRPr lang="de-AT"/>
+          </a:p>
+        </p:txBody>
+      </p:sp>
       <p:sp>
         <p:nvSpPr>
           <p:cNvPr id="2" name="Titel 1">
@@ -8459,48 +8534,73 @@
             <p:ph type="body" sz="quarter" idx="14"/>
           </p:nvPr>
         </p:nvSpPr>
-        <p:spPr/>
+        <p:spPr>
+          <a:xfrm>
+            <a:off x="180001" y="607499"/>
+            <a:ext cx="8775319" cy="1964251"/>
+          </a:xfrm>
+        </p:spPr>
         <p:txBody>
           <a:bodyPr>
-            <a:normAutofit/>
+            <a:noAutofit/>
           </a:bodyPr>
           <a:lstStyle/>
           <a:p>
-            <a:r>
-              <a:rPr lang="en-US" sz="2000" dirty="0"/>
+            <a:pPr>
+              <a:lnSpc>
+                <a:spcPct val="150000"/>
+              </a:lnSpc>
+            </a:pPr>
+            <a:r>
+              <a:rPr lang="en-US" sz="1800" dirty="0"/>
               <a:t>Robots perform time-critical tasks</a:t>
             </a:r>
           </a:p>
           <a:p>
-            <a:endParaRPr lang="en-US" sz="2000" dirty="0"/>
-          </a:p>
-          <a:p>
-            <a:r>
-              <a:rPr lang="en-US" sz="2000" dirty="0"/>
+            <a:pPr>
+              <a:lnSpc>
+                <a:spcPct val="150000"/>
+              </a:lnSpc>
+            </a:pPr>
+            <a:r>
+              <a:rPr lang="en-US" sz="1800" dirty="0"/>
+              <a:t>Real-time = deterministic and predictable</a:t>
+            </a:r>
+          </a:p>
+          <a:p>
+            <a:pPr>
+              <a:lnSpc>
+                <a:spcPct val="150000"/>
+              </a:lnSpc>
+            </a:pPr>
+            <a:r>
+              <a:rPr lang="en-US" sz="1800" dirty="0"/>
               <a:t>Delays </a:t>
             </a:r>
             <a:r>
-              <a:rPr lang="en-US" sz="2000" dirty="0">
+              <a:rPr lang="en-US" sz="1800" dirty="0">
                 <a:sym typeface="Wingdings" panose="05000000000000000000" pitchFamily="2" charset="2"/>
               </a:rPr>
               <a:t> </a:t>
             </a:r>
             <a:r>
-              <a:rPr lang="en-US" sz="2000" dirty="0"/>
+              <a:rPr lang="en-US" sz="1800" dirty="0"/>
               <a:t>catastrophic consequences</a:t>
             </a:r>
           </a:p>
           <a:p>
-            <a:endParaRPr lang="en-US" sz="2000" dirty="0"/>
-          </a:p>
-          <a:p>
-            <a:r>
-              <a:rPr lang="en-US" sz="2000" dirty="0"/>
+            <a:pPr>
+              <a:lnSpc>
+                <a:spcPct val="150000"/>
+              </a:lnSpc>
+            </a:pPr>
+            <a:r>
+              <a:rPr lang="en-US" sz="1800" dirty="0"/>
               <a:t>General-Purpose Operating System vs. Real-Time Operating System </a:t>
             </a:r>
           </a:p>
           <a:p>
-            <a:endParaRPr lang="en-US" sz="2000" dirty="0"/>
+            <a:endParaRPr lang="en-US" sz="1800" dirty="0"/>
           </a:p>
         </p:txBody>
       </p:sp>
@@ -8582,53 +8682,347 @@
           </a:p>
         </p:txBody>
       </p:sp>
-      <p:pic>
-        <p:nvPicPr>
-          <p:cNvPr id="13" name="Grafik 12" descr="Ein Bild, das Text, Screenshot, Schrift, Zahl enthält.&#10;&#10;Automatisch generierte Beschreibung">
-            <a:extLst>
-              <a:ext uri="{FF2B5EF4-FFF2-40B4-BE49-F238E27FC236}">
-                <a16:creationId xmlns:a16="http://schemas.microsoft.com/office/drawing/2014/main" id="{70F739E8-5464-7C7C-30BA-78B9A427F767}"/>
-              </a:ext>
-            </a:extLst>
-          </p:cNvPr>
-          <p:cNvPicPr>
-            <a:picLocks noChangeAspect="1"/>
-          </p:cNvPicPr>
+      <p:sp>
+        <p:nvSpPr>
+          <p:cNvPr id="16" name="Textfeld 15">
+            <a:extLst>
+              <a:ext uri="{FF2B5EF4-FFF2-40B4-BE49-F238E27FC236}">
+                <a16:creationId xmlns:a16="http://schemas.microsoft.com/office/drawing/2014/main" id="{36F7C50C-9802-1145-F3A6-EB87CF7BF46C}"/>
+              </a:ext>
+            </a:extLst>
+          </p:cNvPr>
+          <p:cNvSpPr txBox="1"/>
           <p:nvPr/>
-        </p:nvPicPr>
-        <p:blipFill>
-          <a:blip r:embed="rId3">
-            <a:extLst>
-              <a:ext uri="{28A0092B-C50C-407E-A947-70E740481C1C}">
-                <a14:useLocalDpi xmlns:a14="http://schemas.microsoft.com/office/drawing/2010/main" val="0"/>
-              </a:ext>
-            </a:extLst>
-          </a:blip>
-          <a:stretch>
-            <a:fillRect/>
-          </a:stretch>
-        </p:blipFill>
+        </p:nvSpPr>
         <p:spPr>
           <a:xfrm>
-            <a:off x="385740" y="2774944"/>
-            <a:ext cx="4124325" cy="1533733"/>
+            <a:off x="1351835" y="4446919"/>
+            <a:ext cx="2192134" cy="271012"/>
           </a:xfrm>
           <a:prstGeom prst="rect">
             <a:avLst/>
           </a:prstGeom>
-          <a:ln>
+        </p:spPr>
+        <p:txBody>
+          <a:bodyPr vert="horz" wrap="none" lIns="91440" tIns="45720" rIns="91440" bIns="45720" rtlCol="0" anchor="t">
+            <a:normAutofit/>
+          </a:bodyPr>
+          <a:lstStyle/>
+          <a:p>
+            <a:pPr algn="l"/>
+            <a:r>
+              <a:rPr lang="de-AT" sz="1000" dirty="0"/>
+              <a:t>Figure 1: Non-</a:t>
+            </a:r>
+            <a:r>
+              <a:rPr lang="de-AT" sz="1000" dirty="0" err="1"/>
+              <a:t>preemptible</a:t>
+            </a:r>
+            <a:r>
+              <a:rPr lang="de-AT" sz="1000" dirty="0"/>
+              <a:t> Kernel [1] </a:t>
+            </a:r>
+            <a:endParaRPr lang="en-US" sz="1000" dirty="0"/>
+          </a:p>
+        </p:txBody>
+      </p:sp>
+      <p:sp>
+        <p:nvSpPr>
+          <p:cNvPr id="6" name="Textfeld 5">
+            <a:extLst>
+              <a:ext uri="{FF2B5EF4-FFF2-40B4-BE49-F238E27FC236}">
+                <a16:creationId xmlns:a16="http://schemas.microsoft.com/office/drawing/2014/main" id="{34178FBA-C589-6075-766F-A04B79B9072E}"/>
+              </a:ext>
+            </a:extLst>
+          </p:cNvPr>
+          <p:cNvSpPr txBox="1"/>
+          <p:nvPr/>
+        </p:nvSpPr>
+        <p:spPr>
+          <a:xfrm>
+            <a:off x="5626800" y="4446919"/>
+            <a:ext cx="2192134" cy="271012"/>
+          </a:xfrm>
+          <a:prstGeom prst="rect">
+            <a:avLst/>
+          </a:prstGeom>
+        </p:spPr>
+        <p:txBody>
+          <a:bodyPr vert="horz" wrap="none" lIns="91440" tIns="45720" rIns="91440" bIns="45720" rtlCol="0" anchor="t">
+            <a:normAutofit/>
+          </a:bodyPr>
+          <a:lstStyle/>
+          <a:p>
+            <a:pPr algn="l"/>
+            <a:r>
+              <a:rPr lang="de-AT" sz="1000" dirty="0"/>
+              <a:t>Figure 2: </a:t>
+            </a:r>
+            <a:r>
+              <a:rPr lang="de-AT" sz="1000" dirty="0" err="1"/>
+              <a:t>Preemptible</a:t>
+            </a:r>
+            <a:r>
+              <a:rPr lang="de-AT" sz="1000" dirty="0"/>
+              <a:t> Kernel [1]</a:t>
+            </a:r>
+            <a:endParaRPr lang="en-US" sz="1000" dirty="0"/>
+          </a:p>
+        </p:txBody>
+      </p:sp>
+      <p:sp>
+        <p:nvSpPr>
+          <p:cNvPr id="9" name="Rechteck: abgerundete Ecken 8">
+            <a:extLst>
+              <a:ext uri="{FF2B5EF4-FFF2-40B4-BE49-F238E27FC236}">
+                <a16:creationId xmlns:a16="http://schemas.microsoft.com/office/drawing/2014/main" id="{DD38E485-7291-1878-A8D4-57C858DBAC05}"/>
+              </a:ext>
+            </a:extLst>
+          </p:cNvPr>
+          <p:cNvSpPr/>
+          <p:nvPr/>
+        </p:nvSpPr>
+        <p:spPr>
+          <a:xfrm>
+            <a:off x="5180565" y="2765329"/>
+            <a:ext cx="831898" cy="215763"/>
+          </a:xfrm>
+          <a:prstGeom prst="roundRect">
+            <a:avLst/>
+          </a:prstGeom>
+        </p:spPr>
+        <p:style>
+          <a:lnRef idx="2">
+            <a:schemeClr val="accent5">
+              <a:shade val="15000"/>
+            </a:schemeClr>
+          </a:lnRef>
+          <a:fillRef idx="1">
+            <a:schemeClr val="accent5"/>
+          </a:fillRef>
+          <a:effectRef idx="0">
+            <a:schemeClr val="accent5"/>
+          </a:effectRef>
+          <a:fontRef idx="minor">
+            <a:schemeClr val="lt1"/>
+          </a:fontRef>
+        </p:style>
+        <p:txBody>
+          <a:bodyPr rtlCol="0" anchor="ctr"/>
+          <a:lstStyle/>
+          <a:p>
+            <a:pPr algn="ctr"/>
+            <a:r>
+              <a:rPr lang="de-DE" sz="1000" dirty="0" err="1"/>
+              <a:t>Process</a:t>
+            </a:r>
+            <a:r>
+              <a:rPr lang="de-DE" sz="1000" dirty="0"/>
+              <a:t> A</a:t>
+            </a:r>
+            <a:endParaRPr lang="de-AT" sz="1000" dirty="0"/>
+          </a:p>
+        </p:txBody>
+      </p:sp>
+      <p:sp>
+        <p:nvSpPr>
+          <p:cNvPr id="14" name="Textfeld 13">
+            <a:extLst>
+              <a:ext uri="{FF2B5EF4-FFF2-40B4-BE49-F238E27FC236}">
+                <a16:creationId xmlns:a16="http://schemas.microsoft.com/office/drawing/2014/main" id="{3EDA4AEB-C620-6F92-563A-DFBB7D95F223}"/>
+              </a:ext>
+            </a:extLst>
+          </p:cNvPr>
+          <p:cNvSpPr txBox="1"/>
+          <p:nvPr/>
+        </p:nvSpPr>
+        <p:spPr>
+          <a:xfrm>
+            <a:off x="4658050" y="3039233"/>
+            <a:ext cx="938401" cy="411271"/>
+          </a:xfrm>
+          <a:prstGeom prst="rect">
+            <a:avLst/>
+          </a:prstGeom>
+        </p:spPr>
+        <p:txBody>
+          <a:bodyPr vert="horz" wrap="none" lIns="91440" tIns="45720" rIns="91440" bIns="45720" rtlCol="0" anchor="t">
+            <a:noAutofit/>
+          </a:bodyPr>
+          <a:lstStyle/>
+          <a:p>
+            <a:r>
+              <a:rPr lang="de-DE" sz="1000" dirty="0"/>
+              <a:t>User</a:t>
+            </a:r>
+          </a:p>
+          <a:p>
+            <a:r>
+              <a:rPr lang="de-DE" sz="1000" dirty="0" err="1"/>
+              <a:t>space</a:t>
+            </a:r>
+            <a:endParaRPr lang="de-AT" sz="1000" dirty="0"/>
+          </a:p>
+        </p:txBody>
+      </p:sp>
+      <p:sp>
+        <p:nvSpPr>
+          <p:cNvPr id="26" name="Rechteck: abgerundete Ecken 25">
+            <a:extLst>
+              <a:ext uri="{FF2B5EF4-FFF2-40B4-BE49-F238E27FC236}">
+                <a16:creationId xmlns:a16="http://schemas.microsoft.com/office/drawing/2014/main" id="{71BEA4B1-FECA-019C-E226-FD8EFBE4E317}"/>
+              </a:ext>
+            </a:extLst>
+          </p:cNvPr>
+          <p:cNvSpPr/>
+          <p:nvPr/>
+        </p:nvSpPr>
+        <p:spPr>
+          <a:xfrm>
+            <a:off x="7444786" y="2765329"/>
+            <a:ext cx="831898" cy="215763"/>
+          </a:xfrm>
+          <a:prstGeom prst="roundRect">
+            <a:avLst/>
+          </a:prstGeom>
+        </p:spPr>
+        <p:style>
+          <a:lnRef idx="2">
+            <a:schemeClr val="accent5">
+              <a:shade val="15000"/>
+            </a:schemeClr>
+          </a:lnRef>
+          <a:fillRef idx="1">
+            <a:schemeClr val="accent5"/>
+          </a:fillRef>
+          <a:effectRef idx="0">
+            <a:schemeClr val="accent5"/>
+          </a:effectRef>
+          <a:fontRef idx="minor">
+            <a:schemeClr val="lt1"/>
+          </a:fontRef>
+        </p:style>
+        <p:txBody>
+          <a:bodyPr rtlCol="0" anchor="ctr"/>
+          <a:lstStyle/>
+          <a:p>
+            <a:pPr algn="ctr"/>
+            <a:r>
+              <a:rPr lang="de-DE" sz="1000" dirty="0" err="1"/>
+              <a:t>Process</a:t>
+            </a:r>
+            <a:r>
+              <a:rPr lang="de-DE" sz="1000" dirty="0"/>
+              <a:t> A</a:t>
+            </a:r>
+            <a:endParaRPr lang="de-AT" sz="1000" dirty="0"/>
+          </a:p>
+        </p:txBody>
+      </p:sp>
+      <p:sp>
+        <p:nvSpPr>
+          <p:cNvPr id="28" name="Rechteck: abgerundete Ecken 27">
+            <a:extLst>
+              <a:ext uri="{FF2B5EF4-FFF2-40B4-BE49-F238E27FC236}">
+                <a16:creationId xmlns:a16="http://schemas.microsoft.com/office/drawing/2014/main" id="{034B54C6-5B0A-B93B-CA43-F3A8023C0E25}"/>
+              </a:ext>
+            </a:extLst>
+          </p:cNvPr>
+          <p:cNvSpPr/>
+          <p:nvPr/>
+        </p:nvSpPr>
+        <p:spPr>
+          <a:xfrm>
+            <a:off x="6312676" y="2765329"/>
+            <a:ext cx="831898" cy="215763"/>
+          </a:xfrm>
+          <a:prstGeom prst="roundRect">
+            <a:avLst/>
+          </a:prstGeom>
+        </p:spPr>
+        <p:style>
+          <a:lnRef idx="2">
+            <a:schemeClr val="accent3">
+              <a:shade val="15000"/>
+            </a:schemeClr>
+          </a:lnRef>
+          <a:fillRef idx="1">
+            <a:schemeClr val="accent3"/>
+          </a:fillRef>
+          <a:effectRef idx="0">
+            <a:schemeClr val="accent3"/>
+          </a:effectRef>
+          <a:fontRef idx="minor">
+            <a:schemeClr val="lt1"/>
+          </a:fontRef>
+        </p:style>
+        <p:txBody>
+          <a:bodyPr rtlCol="0" anchor="ctr"/>
+          <a:lstStyle/>
+          <a:p>
+            <a:pPr algn="ctr"/>
+            <a:r>
+              <a:rPr lang="de-DE" sz="1000" dirty="0" err="1"/>
+              <a:t>Process</a:t>
+            </a:r>
+            <a:r>
+              <a:rPr lang="de-DE" sz="1000" dirty="0"/>
+              <a:t> B</a:t>
+            </a:r>
+            <a:endParaRPr lang="de-AT" sz="1000" dirty="0"/>
+          </a:p>
+        </p:txBody>
+      </p:sp>
+      <p:cxnSp>
+        <p:nvCxnSpPr>
+          <p:cNvPr id="29" name="Gerade Verbindung mit Pfeil 28">
+            <a:extLst>
+              <a:ext uri="{FF2B5EF4-FFF2-40B4-BE49-F238E27FC236}">
+                <a16:creationId xmlns:a16="http://schemas.microsoft.com/office/drawing/2014/main" id="{C5F14DD3-5159-F316-9EAD-5DC71C101765}"/>
+              </a:ext>
+            </a:extLst>
+          </p:cNvPr>
+          <p:cNvCxnSpPr>
+            <a:cxnSpLocks/>
+          </p:cNvCxnSpPr>
+          <p:nvPr/>
+        </p:nvCxnSpPr>
+        <p:spPr>
+          <a:xfrm>
+            <a:off x="6524974" y="2987581"/>
+            <a:ext cx="0" cy="1079404"/>
+          </a:xfrm>
+          <a:prstGeom prst="straightConnector1">
+            <a:avLst/>
+          </a:prstGeom>
+          <a:ln w="12700">
             <a:solidFill>
               <a:schemeClr val="tx1"/>
             </a:solidFill>
+            <a:tailEnd type="triangle"/>
           </a:ln>
         </p:spPr>
-      </p:pic>
-      <p:sp>
-        <p:nvSpPr>
-          <p:cNvPr id="16" name="Textfeld 15">
-            <a:extLst>
-              <a:ext uri="{FF2B5EF4-FFF2-40B4-BE49-F238E27FC236}">
-                <a16:creationId xmlns:a16="http://schemas.microsoft.com/office/drawing/2014/main" id="{36F7C50C-9802-1145-F3A6-EB87CF7BF46C}"/>
+        <p:style>
+          <a:lnRef idx="1">
+            <a:schemeClr val="dk1"/>
+          </a:lnRef>
+          <a:fillRef idx="0">
+            <a:schemeClr val="dk1"/>
+          </a:fillRef>
+          <a:effectRef idx="0">
+            <a:schemeClr val="dk1"/>
+          </a:effectRef>
+          <a:fontRef idx="minor">
+            <a:schemeClr val="tx1"/>
+          </a:fontRef>
+        </p:style>
+      </p:cxnSp>
+      <p:sp>
+        <p:nvSpPr>
+          <p:cNvPr id="35" name="Textfeld 34">
+            <a:extLst>
+              <a:ext uri="{FF2B5EF4-FFF2-40B4-BE49-F238E27FC236}">
+                <a16:creationId xmlns:a16="http://schemas.microsoft.com/office/drawing/2014/main" id="{1DD709F6-8943-D5CC-4029-600660B33288}"/>
               </a:ext>
             </a:extLst>
           </p:cNvPr>
@@ -8637,8 +9031,8 @@
         </p:nvSpPr>
         <p:spPr>
           <a:xfrm>
-            <a:off x="1351835" y="4340514"/>
-            <a:ext cx="2192134" cy="271012"/>
+            <a:off x="5302761" y="4049455"/>
+            <a:ext cx="658443" cy="372947"/>
           </a:xfrm>
           <a:prstGeom prst="rect">
             <a:avLst/>
@@ -8646,33 +9040,36 @@
         </p:spPr>
         <p:txBody>
           <a:bodyPr vert="horz" wrap="none" lIns="91440" tIns="45720" rIns="91440" bIns="45720" rtlCol="0" anchor="t">
-            <a:normAutofit/>
+            <a:noAutofit/>
           </a:bodyPr>
           <a:lstStyle/>
           <a:p>
-            <a:pPr algn="l"/>
-            <a:r>
-              <a:rPr lang="de-AT" sz="1000" dirty="0"/>
-              <a:t>Figure 1: Non-</a:t>
-            </a:r>
-            <a:r>
-              <a:rPr lang="de-AT" sz="1000" dirty="0" err="1"/>
-              <a:t>preemptible</a:t>
-            </a:r>
-            <a:r>
-              <a:rPr lang="de-AT" sz="1000" dirty="0"/>
-              <a:t> Kernel [1] </a:t>
-            </a:r>
-            <a:endParaRPr lang="en-US" sz="1000" dirty="0"/>
-          </a:p>
-        </p:txBody>
-      </p:sp>
-      <p:sp>
-        <p:nvSpPr>
-          <p:cNvPr id="6" name="Textfeld 5">
-            <a:extLst>
-              <a:ext uri="{FF2B5EF4-FFF2-40B4-BE49-F238E27FC236}">
-                <a16:creationId xmlns:a16="http://schemas.microsoft.com/office/drawing/2014/main" id="{34178FBA-C589-6075-766F-A04B79B9072E}"/>
+            <a:pPr algn="ctr"/>
+            <a:r>
+              <a:rPr lang="de-DE" sz="900" dirty="0" err="1"/>
+              <a:t>Process</a:t>
+            </a:r>
+            <a:r>
+              <a:rPr lang="de-DE" sz="900" dirty="0"/>
+              <a:t> A </a:t>
+            </a:r>
+          </a:p>
+          <a:p>
+            <a:pPr algn="ctr"/>
+            <a:r>
+              <a:rPr lang="de-DE" sz="900" dirty="0" err="1"/>
+              <a:t>preempted</a:t>
+            </a:r>
+            <a:endParaRPr lang="de-AT" sz="900" dirty="0"/>
+          </a:p>
+        </p:txBody>
+      </p:sp>
+      <p:sp>
+        <p:nvSpPr>
+          <p:cNvPr id="41" name="Textfeld 40">
+            <a:extLst>
+              <a:ext uri="{FF2B5EF4-FFF2-40B4-BE49-F238E27FC236}">
+                <a16:creationId xmlns:a16="http://schemas.microsoft.com/office/drawing/2014/main" id="{ED1BFD67-51F1-CC97-3B69-5D4E6D676D6C}"/>
               </a:ext>
             </a:extLst>
           </p:cNvPr>
@@ -8681,8 +9078,8 @@
         </p:nvSpPr>
         <p:spPr>
           <a:xfrm>
-            <a:off x="5635359" y="4340427"/>
-            <a:ext cx="2192134" cy="271012"/>
+            <a:off x="4658054" y="3475713"/>
+            <a:ext cx="938397" cy="411271"/>
           </a:xfrm>
           <a:prstGeom prst="rect">
             <a:avLst/>
@@ -8690,27 +9087,1217 @@
         </p:spPr>
         <p:txBody>
           <a:bodyPr vert="horz" wrap="none" lIns="91440" tIns="45720" rIns="91440" bIns="45720" rtlCol="0" anchor="t">
-            <a:normAutofit/>
+            <a:noAutofit/>
           </a:bodyPr>
           <a:lstStyle/>
           <a:p>
-            <a:pPr algn="l"/>
-            <a:r>
-              <a:rPr lang="de-AT" sz="1000" dirty="0"/>
-              <a:t>Figure 2: </a:t>
-            </a:r>
-            <a:r>
-              <a:rPr lang="de-AT" sz="1000" dirty="0" err="1"/>
-              <a:t>Preemptible</a:t>
-            </a:r>
-            <a:r>
-              <a:rPr lang="de-AT" sz="1000" dirty="0"/>
-              <a:t> Kernel [1]</a:t>
-            </a:r>
-            <a:endParaRPr lang="en-US" sz="1000" dirty="0"/>
-          </a:p>
-        </p:txBody>
-      </p:sp>
+            <a:r>
+              <a:rPr lang="de-DE" sz="1000" dirty="0"/>
+              <a:t>Kernel</a:t>
+            </a:r>
+          </a:p>
+          <a:p>
+            <a:r>
+              <a:rPr lang="de-DE" sz="1000" dirty="0" err="1"/>
+              <a:t>space</a:t>
+            </a:r>
+            <a:endParaRPr lang="de-AT" sz="1000" dirty="0"/>
+          </a:p>
+        </p:txBody>
+      </p:sp>
+      <p:sp>
+        <p:nvSpPr>
+          <p:cNvPr id="73" name="Rechteck 72">
+            <a:extLst>
+              <a:ext uri="{FF2B5EF4-FFF2-40B4-BE49-F238E27FC236}">
+                <a16:creationId xmlns:a16="http://schemas.microsoft.com/office/drawing/2014/main" id="{3802A5AB-B3A0-4790-8698-6FB795BB85F1}"/>
+              </a:ext>
+            </a:extLst>
+          </p:cNvPr>
+          <p:cNvSpPr/>
+          <p:nvPr/>
+        </p:nvSpPr>
+        <p:spPr>
+          <a:xfrm>
+            <a:off x="128737" y="3475809"/>
+            <a:ext cx="4342990" cy="424462"/>
+          </a:xfrm>
+          <a:prstGeom prst="rect">
+            <a:avLst/>
+          </a:prstGeom>
+          <a:solidFill>
+            <a:srgbClr val="FFC000">
+              <a:alpha val="50000"/>
+            </a:srgbClr>
+          </a:solidFill>
+          <a:ln>
+            <a:solidFill>
+              <a:schemeClr val="accent1">
+                <a:shade val="15000"/>
+              </a:schemeClr>
+            </a:solidFill>
+          </a:ln>
+        </p:spPr>
+        <p:style>
+          <a:lnRef idx="2">
+            <a:schemeClr val="accent1">
+              <a:shade val="15000"/>
+            </a:schemeClr>
+          </a:lnRef>
+          <a:fillRef idx="1">
+            <a:schemeClr val="accent1"/>
+          </a:fillRef>
+          <a:effectRef idx="0">
+            <a:schemeClr val="accent1"/>
+          </a:effectRef>
+          <a:fontRef idx="minor">
+            <a:schemeClr val="lt1"/>
+          </a:fontRef>
+        </p:style>
+        <p:txBody>
+          <a:bodyPr rtlCol="0" anchor="ctr"/>
+          <a:lstStyle/>
+          <a:p>
+            <a:pPr algn="ctr"/>
+            <a:endParaRPr lang="de-AT" dirty="0"/>
+          </a:p>
+        </p:txBody>
+      </p:sp>
+      <p:sp>
+        <p:nvSpPr>
+          <p:cNvPr id="74" name="Rechteck 73">
+            <a:extLst>
+              <a:ext uri="{FF2B5EF4-FFF2-40B4-BE49-F238E27FC236}">
+                <a16:creationId xmlns:a16="http://schemas.microsoft.com/office/drawing/2014/main" id="{FE8E976E-B3DC-1D41-1DAD-9D2E2DB6692E}"/>
+              </a:ext>
+            </a:extLst>
+          </p:cNvPr>
+          <p:cNvSpPr/>
+          <p:nvPr/>
+        </p:nvSpPr>
+        <p:spPr>
+          <a:xfrm>
+            <a:off x="128735" y="3050270"/>
+            <a:ext cx="4342991" cy="424462"/>
+          </a:xfrm>
+          <a:prstGeom prst="rect">
+            <a:avLst/>
+          </a:prstGeom>
+          <a:solidFill>
+            <a:srgbClr val="7030A0">
+              <a:alpha val="50000"/>
+            </a:srgbClr>
+          </a:solidFill>
+          <a:ln>
+            <a:solidFill>
+              <a:schemeClr val="accent1">
+                <a:shade val="15000"/>
+              </a:schemeClr>
+            </a:solidFill>
+          </a:ln>
+        </p:spPr>
+        <p:style>
+          <a:lnRef idx="2">
+            <a:schemeClr val="accent1">
+              <a:shade val="15000"/>
+            </a:schemeClr>
+          </a:lnRef>
+          <a:fillRef idx="1">
+            <a:schemeClr val="accent1"/>
+          </a:fillRef>
+          <a:effectRef idx="0">
+            <a:schemeClr val="accent1"/>
+          </a:effectRef>
+          <a:fontRef idx="minor">
+            <a:schemeClr val="lt1"/>
+          </a:fontRef>
+        </p:style>
+        <p:txBody>
+          <a:bodyPr rtlCol="0" anchor="ctr"/>
+          <a:lstStyle/>
+          <a:p>
+            <a:pPr algn="ctr"/>
+            <a:endParaRPr lang="de-AT"/>
+          </a:p>
+        </p:txBody>
+      </p:sp>
+      <p:sp>
+        <p:nvSpPr>
+          <p:cNvPr id="75" name="Rechteck: abgerundete Ecken 74">
+            <a:extLst>
+              <a:ext uri="{FF2B5EF4-FFF2-40B4-BE49-F238E27FC236}">
+                <a16:creationId xmlns:a16="http://schemas.microsoft.com/office/drawing/2014/main" id="{0D87B88C-6FAD-C106-167F-4C4EB2D01822}"/>
+              </a:ext>
+            </a:extLst>
+          </p:cNvPr>
+          <p:cNvSpPr/>
+          <p:nvPr/>
+        </p:nvSpPr>
+        <p:spPr>
+          <a:xfrm>
+            <a:off x="651248" y="2765329"/>
+            <a:ext cx="831898" cy="215763"/>
+          </a:xfrm>
+          <a:prstGeom prst="roundRect">
+            <a:avLst/>
+          </a:prstGeom>
+        </p:spPr>
+        <p:style>
+          <a:lnRef idx="2">
+            <a:schemeClr val="accent5">
+              <a:shade val="15000"/>
+            </a:schemeClr>
+          </a:lnRef>
+          <a:fillRef idx="1">
+            <a:schemeClr val="accent5"/>
+          </a:fillRef>
+          <a:effectRef idx="0">
+            <a:schemeClr val="accent5"/>
+          </a:effectRef>
+          <a:fontRef idx="minor">
+            <a:schemeClr val="lt1"/>
+          </a:fontRef>
+        </p:style>
+        <p:txBody>
+          <a:bodyPr rtlCol="0" anchor="ctr"/>
+          <a:lstStyle/>
+          <a:p>
+            <a:pPr algn="ctr"/>
+            <a:r>
+              <a:rPr lang="de-DE" sz="1000" dirty="0" err="1"/>
+              <a:t>Process</a:t>
+            </a:r>
+            <a:r>
+              <a:rPr lang="de-DE" sz="1000" dirty="0"/>
+              <a:t> A</a:t>
+            </a:r>
+            <a:endParaRPr lang="de-AT" sz="1000" dirty="0"/>
+          </a:p>
+        </p:txBody>
+      </p:sp>
+      <p:sp>
+        <p:nvSpPr>
+          <p:cNvPr id="76" name="Textfeld 75">
+            <a:extLst>
+              <a:ext uri="{FF2B5EF4-FFF2-40B4-BE49-F238E27FC236}">
+                <a16:creationId xmlns:a16="http://schemas.microsoft.com/office/drawing/2014/main" id="{D2C4050C-09B0-6231-4EB7-9ACE3786EFBF}"/>
+              </a:ext>
+            </a:extLst>
+          </p:cNvPr>
+          <p:cNvSpPr txBox="1"/>
+          <p:nvPr/>
+        </p:nvSpPr>
+        <p:spPr>
+          <a:xfrm>
+            <a:off x="128733" y="3051347"/>
+            <a:ext cx="938401" cy="411271"/>
+          </a:xfrm>
+          <a:prstGeom prst="rect">
+            <a:avLst/>
+          </a:prstGeom>
+        </p:spPr>
+        <p:txBody>
+          <a:bodyPr vert="horz" wrap="none" lIns="91440" tIns="45720" rIns="91440" bIns="45720" rtlCol="0" anchor="t">
+            <a:noAutofit/>
+          </a:bodyPr>
+          <a:lstStyle/>
+          <a:p>
+            <a:r>
+              <a:rPr lang="de-DE" sz="1000" dirty="0"/>
+              <a:t>User</a:t>
+            </a:r>
+          </a:p>
+          <a:p>
+            <a:r>
+              <a:rPr lang="de-DE" sz="1000" dirty="0" err="1"/>
+              <a:t>space</a:t>
+            </a:r>
+            <a:endParaRPr lang="de-AT" sz="1000" dirty="0"/>
+          </a:p>
+        </p:txBody>
+      </p:sp>
+      <p:cxnSp>
+        <p:nvCxnSpPr>
+          <p:cNvPr id="77" name="Gerade Verbindung mit Pfeil 76">
+            <a:extLst>
+              <a:ext uri="{FF2B5EF4-FFF2-40B4-BE49-F238E27FC236}">
+                <a16:creationId xmlns:a16="http://schemas.microsoft.com/office/drawing/2014/main" id="{73574102-78D1-F4DD-BEE0-0BF59647FA09}"/>
+              </a:ext>
+            </a:extLst>
+          </p:cNvPr>
+          <p:cNvCxnSpPr>
+            <a:cxnSpLocks/>
+            <a:stCxn id="75" idx="2"/>
+          </p:cNvCxnSpPr>
+          <p:nvPr/>
+        </p:nvCxnSpPr>
+        <p:spPr>
+          <a:xfrm>
+            <a:off x="1067197" y="2981092"/>
+            <a:ext cx="0" cy="1085893"/>
+          </a:xfrm>
+          <a:prstGeom prst="straightConnector1">
+            <a:avLst/>
+          </a:prstGeom>
+          <a:ln w="12700">
+            <a:solidFill>
+              <a:schemeClr val="tx1"/>
+            </a:solidFill>
+            <a:tailEnd type="triangle"/>
+          </a:ln>
+        </p:spPr>
+        <p:style>
+          <a:lnRef idx="1">
+            <a:schemeClr val="dk1"/>
+          </a:lnRef>
+          <a:fillRef idx="0">
+            <a:schemeClr val="dk1"/>
+          </a:fillRef>
+          <a:effectRef idx="0">
+            <a:schemeClr val="dk1"/>
+          </a:effectRef>
+          <a:fontRef idx="minor">
+            <a:schemeClr val="tx1"/>
+          </a:fontRef>
+        </p:style>
+      </p:cxnSp>
+      <p:sp>
+        <p:nvSpPr>
+          <p:cNvPr id="78" name="Rechteck: abgerundete Ecken 77">
+            <a:extLst>
+              <a:ext uri="{FF2B5EF4-FFF2-40B4-BE49-F238E27FC236}">
+                <a16:creationId xmlns:a16="http://schemas.microsoft.com/office/drawing/2014/main" id="{C7484682-EED3-B123-D1E8-E864A12B6706}"/>
+              </a:ext>
+            </a:extLst>
+          </p:cNvPr>
+          <p:cNvSpPr/>
+          <p:nvPr/>
+        </p:nvSpPr>
+        <p:spPr>
+          <a:xfrm>
+            <a:off x="1648209" y="2765329"/>
+            <a:ext cx="831898" cy="215763"/>
+          </a:xfrm>
+          <a:prstGeom prst="roundRect">
+            <a:avLst/>
+          </a:prstGeom>
+        </p:spPr>
+        <p:style>
+          <a:lnRef idx="2">
+            <a:schemeClr val="accent5">
+              <a:shade val="15000"/>
+            </a:schemeClr>
+          </a:lnRef>
+          <a:fillRef idx="1">
+            <a:schemeClr val="accent5"/>
+          </a:fillRef>
+          <a:effectRef idx="0">
+            <a:schemeClr val="accent5"/>
+          </a:effectRef>
+          <a:fontRef idx="minor">
+            <a:schemeClr val="lt1"/>
+          </a:fontRef>
+        </p:style>
+        <p:txBody>
+          <a:bodyPr rtlCol="0" anchor="ctr"/>
+          <a:lstStyle/>
+          <a:p>
+            <a:pPr algn="ctr"/>
+            <a:r>
+              <a:rPr lang="de-DE" sz="1000" dirty="0" err="1"/>
+              <a:t>Process</a:t>
+            </a:r>
+            <a:r>
+              <a:rPr lang="de-DE" sz="1000" dirty="0"/>
+              <a:t> A</a:t>
+            </a:r>
+            <a:endParaRPr lang="de-AT" sz="1000" dirty="0"/>
+          </a:p>
+        </p:txBody>
+      </p:sp>
+      <p:cxnSp>
+        <p:nvCxnSpPr>
+          <p:cNvPr id="79" name="Gerade Verbindung mit Pfeil 78">
+            <a:extLst>
+              <a:ext uri="{FF2B5EF4-FFF2-40B4-BE49-F238E27FC236}">
+                <a16:creationId xmlns:a16="http://schemas.microsoft.com/office/drawing/2014/main" id="{E1C1CCAC-FAD6-5724-66B3-ED0CBF548120}"/>
+              </a:ext>
+            </a:extLst>
+          </p:cNvPr>
+          <p:cNvCxnSpPr>
+            <a:cxnSpLocks/>
+            <a:stCxn id="78" idx="2"/>
+          </p:cNvCxnSpPr>
+          <p:nvPr/>
+        </p:nvCxnSpPr>
+        <p:spPr>
+          <a:xfrm>
+            <a:off x="2064158" y="2981092"/>
+            <a:ext cx="0" cy="1095683"/>
+          </a:xfrm>
+          <a:prstGeom prst="straightConnector1">
+            <a:avLst/>
+          </a:prstGeom>
+          <a:ln w="12700">
+            <a:solidFill>
+              <a:schemeClr val="tx1"/>
+            </a:solidFill>
+            <a:tailEnd type="triangle"/>
+          </a:ln>
+        </p:spPr>
+        <p:style>
+          <a:lnRef idx="1">
+            <a:schemeClr val="dk1"/>
+          </a:lnRef>
+          <a:fillRef idx="0">
+            <a:schemeClr val="dk1"/>
+          </a:fillRef>
+          <a:effectRef idx="0">
+            <a:schemeClr val="dk1"/>
+          </a:effectRef>
+          <a:fontRef idx="minor">
+            <a:schemeClr val="tx1"/>
+          </a:fontRef>
+        </p:style>
+      </p:cxnSp>
+      <p:sp>
+        <p:nvSpPr>
+          <p:cNvPr id="80" name="Rechteck: abgerundete Ecken 79">
+            <a:extLst>
+              <a:ext uri="{FF2B5EF4-FFF2-40B4-BE49-F238E27FC236}">
+                <a16:creationId xmlns:a16="http://schemas.microsoft.com/office/drawing/2014/main" id="{75606009-09C0-6AFA-D009-D2015E4ECC03}"/>
+              </a:ext>
+            </a:extLst>
+          </p:cNvPr>
+          <p:cNvSpPr/>
+          <p:nvPr/>
+        </p:nvSpPr>
+        <p:spPr>
+          <a:xfrm>
+            <a:off x="2645229" y="2765329"/>
+            <a:ext cx="831898" cy="215763"/>
+          </a:xfrm>
+          <a:prstGeom prst="roundRect">
+            <a:avLst/>
+          </a:prstGeom>
+        </p:spPr>
+        <p:style>
+          <a:lnRef idx="2">
+            <a:schemeClr val="accent3">
+              <a:shade val="15000"/>
+            </a:schemeClr>
+          </a:lnRef>
+          <a:fillRef idx="1">
+            <a:schemeClr val="accent3"/>
+          </a:fillRef>
+          <a:effectRef idx="0">
+            <a:schemeClr val="accent3"/>
+          </a:effectRef>
+          <a:fontRef idx="minor">
+            <a:schemeClr val="lt1"/>
+          </a:fontRef>
+        </p:style>
+        <p:txBody>
+          <a:bodyPr rtlCol="0" anchor="ctr"/>
+          <a:lstStyle/>
+          <a:p>
+            <a:pPr algn="ctr"/>
+            <a:r>
+              <a:rPr lang="de-DE" sz="1000" dirty="0" err="1"/>
+              <a:t>Process</a:t>
+            </a:r>
+            <a:r>
+              <a:rPr lang="de-DE" sz="1000" dirty="0"/>
+              <a:t> B</a:t>
+            </a:r>
+            <a:endParaRPr lang="de-AT" sz="1000" dirty="0"/>
+          </a:p>
+        </p:txBody>
+      </p:sp>
+      <p:cxnSp>
+        <p:nvCxnSpPr>
+          <p:cNvPr id="81" name="Gerade Verbindung mit Pfeil 80">
+            <a:extLst>
+              <a:ext uri="{FF2B5EF4-FFF2-40B4-BE49-F238E27FC236}">
+                <a16:creationId xmlns:a16="http://schemas.microsoft.com/office/drawing/2014/main" id="{C2703C81-2D94-7D8E-B1A3-DD776F5B5637}"/>
+              </a:ext>
+            </a:extLst>
+          </p:cNvPr>
+          <p:cNvCxnSpPr>
+            <a:cxnSpLocks/>
+            <a:stCxn id="80" idx="2"/>
+          </p:cNvCxnSpPr>
+          <p:nvPr/>
+        </p:nvCxnSpPr>
+        <p:spPr>
+          <a:xfrm>
+            <a:off x="3061178" y="2981092"/>
+            <a:ext cx="0" cy="1097663"/>
+          </a:xfrm>
+          <a:prstGeom prst="straightConnector1">
+            <a:avLst/>
+          </a:prstGeom>
+          <a:ln w="12700">
+            <a:solidFill>
+              <a:schemeClr val="tx1"/>
+            </a:solidFill>
+            <a:tailEnd type="triangle"/>
+          </a:ln>
+        </p:spPr>
+        <p:style>
+          <a:lnRef idx="1">
+            <a:schemeClr val="dk1"/>
+          </a:lnRef>
+          <a:fillRef idx="0">
+            <a:schemeClr val="dk1"/>
+          </a:fillRef>
+          <a:effectRef idx="0">
+            <a:schemeClr val="dk1"/>
+          </a:effectRef>
+          <a:fontRef idx="minor">
+            <a:schemeClr val="tx1"/>
+          </a:fontRef>
+        </p:style>
+      </p:cxnSp>
+      <p:sp>
+        <p:nvSpPr>
+          <p:cNvPr id="82" name="Rechteck: abgerundete Ecken 81">
+            <a:extLst>
+              <a:ext uri="{FF2B5EF4-FFF2-40B4-BE49-F238E27FC236}">
+                <a16:creationId xmlns:a16="http://schemas.microsoft.com/office/drawing/2014/main" id="{DCC45B67-C28C-DF67-6A94-CB9FEE019CB2}"/>
+              </a:ext>
+            </a:extLst>
+          </p:cNvPr>
+          <p:cNvSpPr/>
+          <p:nvPr/>
+        </p:nvSpPr>
+        <p:spPr>
+          <a:xfrm>
+            <a:off x="3639830" y="2765329"/>
+            <a:ext cx="831898" cy="215763"/>
+          </a:xfrm>
+          <a:prstGeom prst="roundRect">
+            <a:avLst/>
+          </a:prstGeom>
+        </p:spPr>
+        <p:style>
+          <a:lnRef idx="2">
+            <a:schemeClr val="accent3">
+              <a:shade val="15000"/>
+            </a:schemeClr>
+          </a:lnRef>
+          <a:fillRef idx="1">
+            <a:schemeClr val="accent3"/>
+          </a:fillRef>
+          <a:effectRef idx="0">
+            <a:schemeClr val="accent3"/>
+          </a:effectRef>
+          <a:fontRef idx="minor">
+            <a:schemeClr val="lt1"/>
+          </a:fontRef>
+        </p:style>
+        <p:txBody>
+          <a:bodyPr rtlCol="0" anchor="ctr"/>
+          <a:lstStyle/>
+          <a:p>
+            <a:pPr algn="ctr"/>
+            <a:r>
+              <a:rPr lang="de-DE" sz="1000" dirty="0" err="1"/>
+              <a:t>Process</a:t>
+            </a:r>
+            <a:r>
+              <a:rPr lang="de-DE" sz="1000" dirty="0"/>
+              <a:t> B</a:t>
+            </a:r>
+            <a:endParaRPr lang="de-AT" sz="1000" dirty="0"/>
+          </a:p>
+        </p:txBody>
+      </p:sp>
+      <p:sp>
+        <p:nvSpPr>
+          <p:cNvPr id="83" name="Textfeld 82">
+            <a:extLst>
+              <a:ext uri="{FF2B5EF4-FFF2-40B4-BE49-F238E27FC236}">
+                <a16:creationId xmlns:a16="http://schemas.microsoft.com/office/drawing/2014/main" id="{92DE834F-ADB0-B0EC-92CB-4754F6308828}"/>
+              </a:ext>
+            </a:extLst>
+          </p:cNvPr>
+          <p:cNvSpPr txBox="1"/>
+          <p:nvPr/>
+        </p:nvSpPr>
+        <p:spPr>
+          <a:xfrm>
+            <a:off x="1067131" y="3481486"/>
+            <a:ext cx="996962" cy="215763"/>
+          </a:xfrm>
+          <a:prstGeom prst="rect">
+            <a:avLst/>
+          </a:prstGeom>
+        </p:spPr>
+        <p:txBody>
+          <a:bodyPr vert="horz" wrap="none" lIns="91440" tIns="45720" rIns="91440" bIns="45720" rtlCol="0" anchor="t">
+            <a:noAutofit/>
+          </a:bodyPr>
+          <a:lstStyle/>
+          <a:p>
+            <a:pPr algn="ctr"/>
+            <a:r>
+              <a:rPr lang="de-DE" sz="900" dirty="0"/>
+              <a:t>Interrupt </a:t>
+            </a:r>
+            <a:r>
+              <a:rPr lang="de-DE" sz="900" dirty="0" err="1"/>
+              <a:t>handler</a:t>
+            </a:r>
+            <a:endParaRPr lang="de-AT" sz="900" dirty="0"/>
+          </a:p>
+        </p:txBody>
+      </p:sp>
+      <p:sp>
+        <p:nvSpPr>
+          <p:cNvPr id="84" name="Textfeld 83">
+            <a:extLst>
+              <a:ext uri="{FF2B5EF4-FFF2-40B4-BE49-F238E27FC236}">
+                <a16:creationId xmlns:a16="http://schemas.microsoft.com/office/drawing/2014/main" id="{FBD8F8B1-E29B-3A79-8C4C-E408D6B76A3C}"/>
+              </a:ext>
+            </a:extLst>
+          </p:cNvPr>
+          <p:cNvSpPr txBox="1"/>
+          <p:nvPr/>
+        </p:nvSpPr>
+        <p:spPr>
+          <a:xfrm>
+            <a:off x="2063270" y="3488477"/>
+            <a:ext cx="996963" cy="215763"/>
+          </a:xfrm>
+          <a:prstGeom prst="rect">
+            <a:avLst/>
+          </a:prstGeom>
+        </p:spPr>
+        <p:txBody>
+          <a:bodyPr vert="horz" wrap="none" lIns="91440" tIns="45720" rIns="91440" bIns="45720" rtlCol="0" anchor="t">
+            <a:noAutofit/>
+          </a:bodyPr>
+          <a:lstStyle/>
+          <a:p>
+            <a:pPr algn="ctr"/>
+            <a:r>
+              <a:rPr lang="de-DE" sz="900" dirty="0"/>
+              <a:t>Scheduler</a:t>
+            </a:r>
+            <a:endParaRPr lang="de-AT" sz="900" dirty="0"/>
+          </a:p>
+        </p:txBody>
+      </p:sp>
+      <p:sp>
+        <p:nvSpPr>
+          <p:cNvPr id="85" name="Textfeld 84">
+            <a:extLst>
+              <a:ext uri="{FF2B5EF4-FFF2-40B4-BE49-F238E27FC236}">
+                <a16:creationId xmlns:a16="http://schemas.microsoft.com/office/drawing/2014/main" id="{1C68095D-070B-CEB8-1C2E-32FC44E51551}"/>
+              </a:ext>
+            </a:extLst>
+          </p:cNvPr>
+          <p:cNvSpPr txBox="1"/>
+          <p:nvPr/>
+        </p:nvSpPr>
+        <p:spPr>
+          <a:xfrm>
+            <a:off x="3061045" y="3488477"/>
+            <a:ext cx="1422864" cy="215763"/>
+          </a:xfrm>
+          <a:prstGeom prst="rect">
+            <a:avLst/>
+          </a:prstGeom>
+        </p:spPr>
+        <p:txBody>
+          <a:bodyPr vert="horz" wrap="none" lIns="91440" tIns="45720" rIns="91440" bIns="45720" rtlCol="0" anchor="t">
+            <a:noAutofit/>
+          </a:bodyPr>
+          <a:lstStyle/>
+          <a:p>
+            <a:pPr algn="ctr"/>
+            <a:r>
+              <a:rPr lang="de-DE" sz="900" dirty="0"/>
+              <a:t>System </a:t>
+            </a:r>
+            <a:r>
+              <a:rPr lang="de-DE" sz="900" dirty="0" err="1"/>
+              <a:t>call</a:t>
+            </a:r>
+            <a:r>
+              <a:rPr lang="de-DE" sz="900" dirty="0"/>
+              <a:t> </a:t>
+            </a:r>
+            <a:r>
+              <a:rPr lang="de-DE" sz="900" dirty="0" err="1"/>
+              <a:t>handler</a:t>
+            </a:r>
+            <a:endParaRPr lang="de-AT" sz="900" dirty="0"/>
+          </a:p>
+        </p:txBody>
+      </p:sp>
+      <p:sp>
+        <p:nvSpPr>
+          <p:cNvPr id="86" name="Textfeld 85">
+            <a:extLst>
+              <a:ext uri="{FF2B5EF4-FFF2-40B4-BE49-F238E27FC236}">
+                <a16:creationId xmlns:a16="http://schemas.microsoft.com/office/drawing/2014/main" id="{D50A8F24-7BA9-DB6A-B472-09CB6CCDF537}"/>
+              </a:ext>
+            </a:extLst>
+          </p:cNvPr>
+          <p:cNvSpPr txBox="1"/>
+          <p:nvPr/>
+        </p:nvSpPr>
+        <p:spPr>
+          <a:xfrm>
+            <a:off x="572184" y="4061446"/>
+            <a:ext cx="996962" cy="215763"/>
+          </a:xfrm>
+          <a:prstGeom prst="rect">
+            <a:avLst/>
+          </a:prstGeom>
+        </p:spPr>
+        <p:txBody>
+          <a:bodyPr vert="horz" wrap="none" lIns="91440" tIns="45720" rIns="91440" bIns="45720" rtlCol="0" anchor="t">
+            <a:noAutofit/>
+          </a:bodyPr>
+          <a:lstStyle/>
+          <a:p>
+            <a:pPr algn="ctr"/>
+            <a:r>
+              <a:rPr lang="de-DE" sz="900" dirty="0"/>
+              <a:t>Device Interrupt</a:t>
+            </a:r>
+            <a:endParaRPr lang="de-AT" sz="900" dirty="0"/>
+          </a:p>
+        </p:txBody>
+      </p:sp>
+      <p:sp>
+        <p:nvSpPr>
+          <p:cNvPr id="87" name="Textfeld 86">
+            <a:extLst>
+              <a:ext uri="{FF2B5EF4-FFF2-40B4-BE49-F238E27FC236}">
+                <a16:creationId xmlns:a16="http://schemas.microsoft.com/office/drawing/2014/main" id="{F0EF8682-408F-A9E4-392B-1805FAEE00EF}"/>
+              </a:ext>
+            </a:extLst>
+          </p:cNvPr>
+          <p:cNvSpPr txBox="1"/>
+          <p:nvPr/>
+        </p:nvSpPr>
+        <p:spPr>
+          <a:xfrm>
+            <a:off x="1575282" y="4061446"/>
+            <a:ext cx="996962" cy="215763"/>
+          </a:xfrm>
+          <a:prstGeom prst="rect">
+            <a:avLst/>
+          </a:prstGeom>
+        </p:spPr>
+        <p:txBody>
+          <a:bodyPr vert="horz" wrap="none" lIns="91440" tIns="45720" rIns="91440" bIns="45720" rtlCol="0" anchor="t">
+            <a:noAutofit/>
+          </a:bodyPr>
+          <a:lstStyle/>
+          <a:p>
+            <a:pPr algn="ctr"/>
+            <a:r>
+              <a:rPr lang="de-DE" sz="900" dirty="0" err="1"/>
+              <a:t>Timer</a:t>
+            </a:r>
+            <a:r>
+              <a:rPr lang="de-DE" sz="900" dirty="0"/>
+              <a:t> Interrupt</a:t>
+            </a:r>
+            <a:endParaRPr lang="de-AT" sz="900" dirty="0"/>
+          </a:p>
+        </p:txBody>
+      </p:sp>
+      <p:sp>
+        <p:nvSpPr>
+          <p:cNvPr id="88" name="Textfeld 87">
+            <a:extLst>
+              <a:ext uri="{FF2B5EF4-FFF2-40B4-BE49-F238E27FC236}">
+                <a16:creationId xmlns:a16="http://schemas.microsoft.com/office/drawing/2014/main" id="{17FE24A2-C43F-B144-7BF5-9199DC1B2867}"/>
+              </a:ext>
+            </a:extLst>
+          </p:cNvPr>
+          <p:cNvSpPr txBox="1"/>
+          <p:nvPr/>
+        </p:nvSpPr>
+        <p:spPr>
+          <a:xfrm>
+            <a:off x="2603952" y="4061446"/>
+            <a:ext cx="996962" cy="215763"/>
+          </a:xfrm>
+          <a:prstGeom prst="rect">
+            <a:avLst/>
+          </a:prstGeom>
+        </p:spPr>
+        <p:txBody>
+          <a:bodyPr vert="horz" wrap="none" lIns="91440" tIns="45720" rIns="91440" bIns="45720" rtlCol="0" anchor="t">
+            <a:noAutofit/>
+          </a:bodyPr>
+          <a:lstStyle/>
+          <a:p>
+            <a:pPr algn="ctr"/>
+            <a:r>
+              <a:rPr lang="de-DE" sz="900" dirty="0"/>
+              <a:t>System </a:t>
+            </a:r>
+            <a:r>
+              <a:rPr lang="de-DE" sz="900" dirty="0" err="1"/>
+              <a:t>call</a:t>
+            </a:r>
+            <a:endParaRPr lang="de-AT" sz="900" dirty="0"/>
+          </a:p>
+        </p:txBody>
+      </p:sp>
+      <p:sp>
+        <p:nvSpPr>
+          <p:cNvPr id="89" name="Textfeld 88">
+            <a:extLst>
+              <a:ext uri="{FF2B5EF4-FFF2-40B4-BE49-F238E27FC236}">
+                <a16:creationId xmlns:a16="http://schemas.microsoft.com/office/drawing/2014/main" id="{50187EF6-8E7A-445C-E124-688DED2BEC23}"/>
+              </a:ext>
+            </a:extLst>
+          </p:cNvPr>
+          <p:cNvSpPr txBox="1"/>
+          <p:nvPr/>
+        </p:nvSpPr>
+        <p:spPr>
+          <a:xfrm>
+            <a:off x="128737" y="3487827"/>
+            <a:ext cx="938397" cy="411271"/>
+          </a:xfrm>
+          <a:prstGeom prst="rect">
+            <a:avLst/>
+          </a:prstGeom>
+        </p:spPr>
+        <p:txBody>
+          <a:bodyPr vert="horz" wrap="none" lIns="91440" tIns="45720" rIns="91440" bIns="45720" rtlCol="0" anchor="t">
+            <a:noAutofit/>
+          </a:bodyPr>
+          <a:lstStyle/>
+          <a:p>
+            <a:r>
+              <a:rPr lang="de-DE" sz="1000" dirty="0"/>
+              <a:t>Kernel</a:t>
+            </a:r>
+          </a:p>
+          <a:p>
+            <a:r>
+              <a:rPr lang="de-DE" sz="1000" dirty="0" err="1"/>
+              <a:t>space</a:t>
+            </a:r>
+            <a:endParaRPr lang="de-AT" sz="1000" dirty="0"/>
+          </a:p>
+        </p:txBody>
+      </p:sp>
+      <p:sp>
+        <p:nvSpPr>
+          <p:cNvPr id="92" name="Textfeld 91">
+            <a:extLst>
+              <a:ext uri="{FF2B5EF4-FFF2-40B4-BE49-F238E27FC236}">
+                <a16:creationId xmlns:a16="http://schemas.microsoft.com/office/drawing/2014/main" id="{6F461FE2-7683-CC63-B91B-48F26D1A834E}"/>
+              </a:ext>
+            </a:extLst>
+          </p:cNvPr>
+          <p:cNvSpPr txBox="1"/>
+          <p:nvPr/>
+        </p:nvSpPr>
+        <p:spPr>
+          <a:xfrm>
+            <a:off x="7551384" y="4043398"/>
+            <a:ext cx="626856" cy="385061"/>
+          </a:xfrm>
+          <a:prstGeom prst="rect">
+            <a:avLst/>
+          </a:prstGeom>
+        </p:spPr>
+        <p:txBody>
+          <a:bodyPr vert="horz" wrap="none" lIns="91440" tIns="45720" rIns="91440" bIns="45720" rtlCol="0" anchor="t">
+            <a:noAutofit/>
+          </a:bodyPr>
+          <a:lstStyle/>
+          <a:p>
+            <a:pPr algn="ctr"/>
+            <a:r>
+              <a:rPr lang="de-DE" sz="900" dirty="0" err="1"/>
+              <a:t>Process</a:t>
+            </a:r>
+            <a:r>
+              <a:rPr lang="de-DE" sz="900" dirty="0"/>
+              <a:t> A </a:t>
+            </a:r>
+          </a:p>
+          <a:p>
+            <a:pPr algn="ctr"/>
+            <a:r>
+              <a:rPr lang="de-DE" sz="900" dirty="0" err="1"/>
+              <a:t>resumes</a:t>
+            </a:r>
+            <a:endParaRPr lang="de-AT" sz="900" dirty="0"/>
+          </a:p>
+        </p:txBody>
+      </p:sp>
+      <p:cxnSp>
+        <p:nvCxnSpPr>
+          <p:cNvPr id="109" name="Verbinder: gewinkelt 108">
+            <a:extLst>
+              <a:ext uri="{FF2B5EF4-FFF2-40B4-BE49-F238E27FC236}">
+                <a16:creationId xmlns:a16="http://schemas.microsoft.com/office/drawing/2014/main" id="{E7D533E5-C7B4-1F34-CD88-14533D05A7E7}"/>
+              </a:ext>
+            </a:extLst>
+          </p:cNvPr>
+          <p:cNvCxnSpPr>
+            <a:cxnSpLocks/>
+            <a:stCxn id="9" idx="2"/>
+          </p:cNvCxnSpPr>
+          <p:nvPr/>
+        </p:nvCxnSpPr>
+        <p:spPr>
+          <a:xfrm rot="16200000" flipH="1">
+            <a:off x="5359601" y="3218005"/>
+            <a:ext cx="1050885" cy="577058"/>
+          </a:xfrm>
+          <a:prstGeom prst="bentConnector3">
+            <a:avLst>
+              <a:gd name="adj1" fmla="val 101483"/>
+            </a:avLst>
+          </a:prstGeom>
+          <a:ln w="12700">
+            <a:solidFill>
+              <a:schemeClr val="tx1"/>
+            </a:solidFill>
+            <a:tailEnd type="triangle"/>
+          </a:ln>
+        </p:spPr>
+        <p:style>
+          <a:lnRef idx="1">
+            <a:schemeClr val="accent1"/>
+          </a:lnRef>
+          <a:fillRef idx="0">
+            <a:schemeClr val="accent1"/>
+          </a:fillRef>
+          <a:effectRef idx="0">
+            <a:schemeClr val="accent1"/>
+          </a:effectRef>
+          <a:fontRef idx="minor">
+            <a:schemeClr val="tx1"/>
+          </a:fontRef>
+        </p:style>
+      </p:cxnSp>
+      <p:cxnSp>
+        <p:nvCxnSpPr>
+          <p:cNvPr id="119" name="Verbinder: gewinkelt 118">
+            <a:extLst>
+              <a:ext uri="{FF2B5EF4-FFF2-40B4-BE49-F238E27FC236}">
+                <a16:creationId xmlns:a16="http://schemas.microsoft.com/office/drawing/2014/main" id="{C3B24D17-A932-0253-9D6A-B83242B846C0}"/>
+              </a:ext>
+            </a:extLst>
+          </p:cNvPr>
+          <p:cNvCxnSpPr>
+            <a:cxnSpLocks/>
+          </p:cNvCxnSpPr>
+          <p:nvPr/>
+        </p:nvCxnSpPr>
+        <p:spPr>
+          <a:xfrm rot="5400000" flipH="1" flipV="1">
+            <a:off x="6235889" y="3264498"/>
+            <a:ext cx="1102945" cy="499617"/>
+          </a:xfrm>
+          <a:prstGeom prst="bentConnector3">
+            <a:avLst>
+              <a:gd name="adj1" fmla="val 343"/>
+            </a:avLst>
+          </a:prstGeom>
+          <a:ln w="12700">
+            <a:solidFill>
+              <a:schemeClr val="tx1"/>
+            </a:solidFill>
+            <a:tailEnd type="triangle"/>
+          </a:ln>
+        </p:spPr>
+        <p:style>
+          <a:lnRef idx="1">
+            <a:schemeClr val="accent1"/>
+          </a:lnRef>
+          <a:fillRef idx="0">
+            <a:schemeClr val="accent1"/>
+          </a:fillRef>
+          <a:effectRef idx="0">
+            <a:schemeClr val="accent1"/>
+          </a:effectRef>
+          <a:fontRef idx="minor">
+            <a:schemeClr val="tx1"/>
+          </a:fontRef>
+        </p:style>
+      </p:cxnSp>
+      <p:cxnSp>
+        <p:nvCxnSpPr>
+          <p:cNvPr id="136" name="Verbinder: gewinkelt 135">
+            <a:extLst>
+              <a:ext uri="{FF2B5EF4-FFF2-40B4-BE49-F238E27FC236}">
+                <a16:creationId xmlns:a16="http://schemas.microsoft.com/office/drawing/2014/main" id="{08B10328-6ED7-1CB9-5A28-411BB1A87B2A}"/>
+              </a:ext>
+            </a:extLst>
+          </p:cNvPr>
+          <p:cNvCxnSpPr>
+            <a:cxnSpLocks/>
+          </p:cNvCxnSpPr>
+          <p:nvPr/>
+        </p:nvCxnSpPr>
+        <p:spPr>
+          <a:xfrm rot="5400000" flipH="1" flipV="1">
+            <a:off x="7087158" y="3273393"/>
+            <a:ext cx="1102945" cy="499617"/>
+          </a:xfrm>
+          <a:prstGeom prst="bentConnector3">
+            <a:avLst>
+              <a:gd name="adj1" fmla="val 343"/>
+            </a:avLst>
+          </a:prstGeom>
+          <a:ln w="12700">
+            <a:solidFill>
+              <a:schemeClr val="tx1"/>
+            </a:solidFill>
+            <a:tailEnd type="triangle"/>
+          </a:ln>
+        </p:spPr>
+        <p:style>
+          <a:lnRef idx="1">
+            <a:schemeClr val="accent1"/>
+          </a:lnRef>
+          <a:fillRef idx="0">
+            <a:schemeClr val="accent1"/>
+          </a:fillRef>
+          <a:effectRef idx="0">
+            <a:schemeClr val="accent1"/>
+          </a:effectRef>
+          <a:fontRef idx="minor">
+            <a:schemeClr val="tx1"/>
+          </a:fontRef>
+        </p:style>
+      </p:cxnSp>
+      <p:grpSp>
+        <p:nvGrpSpPr>
+          <p:cNvPr id="149" name="Gruppieren 148">
+            <a:extLst>
+              <a:ext uri="{FF2B5EF4-FFF2-40B4-BE49-F238E27FC236}">
+                <a16:creationId xmlns:a16="http://schemas.microsoft.com/office/drawing/2014/main" id="{01C2B3FF-43B1-9C54-C749-DB31110CA65A}"/>
+              </a:ext>
+            </a:extLst>
+          </p:cNvPr>
+          <p:cNvGrpSpPr/>
+          <p:nvPr/>
+        </p:nvGrpSpPr>
+        <p:grpSpPr>
+          <a:xfrm>
+            <a:off x="651248" y="4256293"/>
+            <a:ext cx="3820478" cy="215763"/>
+            <a:chOff x="620768" y="4229583"/>
+            <a:chExt cx="3820478" cy="215763"/>
+          </a:xfrm>
+        </p:grpSpPr>
+        <p:cxnSp>
+          <p:nvCxnSpPr>
+            <p:cNvPr id="139" name="Gerade Verbindung mit Pfeil 138">
+              <a:extLst>
+                <a:ext uri="{FF2B5EF4-FFF2-40B4-BE49-F238E27FC236}">
+                  <a16:creationId xmlns:a16="http://schemas.microsoft.com/office/drawing/2014/main" id="{C2703C81-2D94-7D8E-B1A3-DD776F5B5637}"/>
+                </a:ext>
+              </a:extLst>
+            </p:cNvPr>
+            <p:cNvCxnSpPr>
+              <a:cxnSpLocks/>
+            </p:cNvCxnSpPr>
+            <p:nvPr/>
+          </p:nvCxnSpPr>
+          <p:spPr>
+            <a:xfrm>
+              <a:off x="620768" y="4434516"/>
+              <a:ext cx="3820478" cy="0"/>
+            </a:xfrm>
+            <a:prstGeom prst="straightConnector1">
+              <a:avLst/>
+            </a:prstGeom>
+            <a:ln w="12700">
+              <a:solidFill>
+                <a:srgbClr val="076F13"/>
+              </a:solidFill>
+              <a:tailEnd type="triangle"/>
+            </a:ln>
+          </p:spPr>
+          <p:style>
+            <a:lnRef idx="1">
+              <a:schemeClr val="dk1"/>
+            </a:lnRef>
+            <a:fillRef idx="0">
+              <a:schemeClr val="dk1"/>
+            </a:fillRef>
+            <a:effectRef idx="0">
+              <a:schemeClr val="dk1"/>
+            </a:effectRef>
+            <a:fontRef idx="minor">
+              <a:schemeClr val="tx1"/>
+            </a:fontRef>
+          </p:style>
+        </p:cxnSp>
+        <p:sp>
+          <p:nvSpPr>
+            <p:cNvPr id="145" name="Textfeld 144">
+              <a:extLst>
+                <a:ext uri="{FF2B5EF4-FFF2-40B4-BE49-F238E27FC236}">
+                  <a16:creationId xmlns:a16="http://schemas.microsoft.com/office/drawing/2014/main" id="{ED795DAB-C576-E760-A75B-58D2240B0B47}"/>
+                </a:ext>
+              </a:extLst>
+            </p:cNvPr>
+            <p:cNvSpPr txBox="1"/>
+            <p:nvPr/>
+          </p:nvSpPr>
+          <p:spPr>
+            <a:xfrm>
+              <a:off x="2032526" y="4229583"/>
+              <a:ext cx="996962" cy="215763"/>
+            </a:xfrm>
+            <a:prstGeom prst="rect">
+              <a:avLst/>
+            </a:prstGeom>
+          </p:spPr>
+          <p:txBody>
+            <a:bodyPr vert="horz" wrap="none" lIns="91440" tIns="45720" rIns="91440" bIns="45720" rtlCol="0" anchor="t">
+              <a:noAutofit/>
+            </a:bodyPr>
+            <a:lstStyle/>
+            <a:p>
+              <a:pPr algn="ctr"/>
+              <a:r>
+                <a:rPr lang="de-DE" sz="900" dirty="0">
+                  <a:solidFill>
+                    <a:srgbClr val="076F13"/>
+                  </a:solidFill>
+                </a:rPr>
+                <a:t>Time</a:t>
+              </a:r>
+              <a:endParaRPr lang="de-AT" sz="900" dirty="0">
+                <a:solidFill>
+                  <a:srgbClr val="076F13"/>
+                </a:solidFill>
+              </a:endParaRPr>
+            </a:p>
+          </p:txBody>
+        </p:sp>
+      </p:grpSp>
+      <p:grpSp>
+        <p:nvGrpSpPr>
+          <p:cNvPr id="148" name="Gruppieren 147">
+            <a:extLst>
+              <a:ext uri="{FF2B5EF4-FFF2-40B4-BE49-F238E27FC236}">
+                <a16:creationId xmlns:a16="http://schemas.microsoft.com/office/drawing/2014/main" id="{8298BF6E-6C43-F17B-458F-72DAAB9DBBBF}"/>
+              </a:ext>
+            </a:extLst>
+          </p:cNvPr>
+          <p:cNvGrpSpPr/>
+          <p:nvPr/>
+        </p:nvGrpSpPr>
+        <p:grpSpPr>
+          <a:xfrm>
+            <a:off x="5204503" y="4256293"/>
+            <a:ext cx="3820478" cy="215763"/>
+            <a:chOff x="5097823" y="4237283"/>
+            <a:chExt cx="3820478" cy="215763"/>
+          </a:xfrm>
+        </p:grpSpPr>
+        <p:cxnSp>
+          <p:nvCxnSpPr>
+            <p:cNvPr id="146" name="Gerade Verbindung mit Pfeil 145">
+              <a:extLst>
+                <a:ext uri="{FF2B5EF4-FFF2-40B4-BE49-F238E27FC236}">
+                  <a16:creationId xmlns:a16="http://schemas.microsoft.com/office/drawing/2014/main" id="{6A87C7D1-FD4D-ECF1-0750-7AD77D2C22B0}"/>
+                </a:ext>
+              </a:extLst>
+            </p:cNvPr>
+            <p:cNvCxnSpPr>
+              <a:cxnSpLocks/>
+            </p:cNvCxnSpPr>
+            <p:nvPr/>
+          </p:nvCxnSpPr>
+          <p:spPr>
+            <a:xfrm>
+              <a:off x="5097823" y="4442216"/>
+              <a:ext cx="3820478" cy="0"/>
+            </a:xfrm>
+            <a:prstGeom prst="straightConnector1">
+              <a:avLst/>
+            </a:prstGeom>
+            <a:ln w="12700">
+              <a:solidFill>
+                <a:srgbClr val="076F13"/>
+              </a:solidFill>
+              <a:tailEnd type="triangle"/>
+            </a:ln>
+          </p:spPr>
+          <p:style>
+            <a:lnRef idx="1">
+              <a:schemeClr val="dk1"/>
+            </a:lnRef>
+            <a:fillRef idx="0">
+              <a:schemeClr val="dk1"/>
+            </a:fillRef>
+            <a:effectRef idx="0">
+              <a:schemeClr val="dk1"/>
+            </a:effectRef>
+            <a:fontRef idx="minor">
+              <a:schemeClr val="tx1"/>
+            </a:fontRef>
+          </p:style>
+        </p:cxnSp>
+        <p:sp>
+          <p:nvSpPr>
+            <p:cNvPr id="147" name="Textfeld 146">
+              <a:extLst>
+                <a:ext uri="{FF2B5EF4-FFF2-40B4-BE49-F238E27FC236}">
+                  <a16:creationId xmlns:a16="http://schemas.microsoft.com/office/drawing/2014/main" id="{46E1BD80-22EF-307D-38D4-AD1E403B6952}"/>
+                </a:ext>
+              </a:extLst>
+            </p:cNvPr>
+            <p:cNvSpPr txBox="1"/>
+            <p:nvPr/>
+          </p:nvSpPr>
+          <p:spPr>
+            <a:xfrm>
+              <a:off x="6509581" y="4237283"/>
+              <a:ext cx="996962" cy="215763"/>
+            </a:xfrm>
+            <a:prstGeom prst="rect">
+              <a:avLst/>
+            </a:prstGeom>
+          </p:spPr>
+          <p:txBody>
+            <a:bodyPr vert="horz" wrap="none" lIns="91440" tIns="45720" rIns="91440" bIns="45720" rtlCol="0" anchor="t">
+              <a:noAutofit/>
+            </a:bodyPr>
+            <a:lstStyle/>
+            <a:p>
+              <a:pPr algn="ctr"/>
+              <a:r>
+                <a:rPr lang="de-DE" sz="900" dirty="0">
+                  <a:solidFill>
+                    <a:srgbClr val="076F13"/>
+                  </a:solidFill>
+                </a:rPr>
+                <a:t>Time</a:t>
+              </a:r>
+              <a:endParaRPr lang="de-AT" sz="900" dirty="0">
+                <a:solidFill>
+                  <a:srgbClr val="076F13"/>
+                </a:solidFill>
+              </a:endParaRPr>
+            </a:p>
+          </p:txBody>
+        </p:sp>
+      </p:grpSp>
     </p:spTree>
     <p:extLst>
       <p:ext uri="{BB962C8B-B14F-4D97-AF65-F5344CB8AC3E}">
@@ -13425,9 +15012,11 @@
           </a:bodyPr>
           <a:lstStyle/>
           <a:p>
+            <a:pPr algn="ctr"/>
             <a:endParaRPr lang="en-US" dirty="0"/>
           </a:p>
           <a:p>
+            <a:pPr algn="ctr"/>
             <a:endParaRPr lang="en-US" dirty="0"/>
           </a:p>
         </p:txBody>
@@ -13510,480 +15099,501 @@
           </a:p>
         </p:txBody>
       </p:sp>
-      <p:sp>
-        <p:nvSpPr>
-          <p:cNvPr id="6" name="Rechteck 5">
-            <a:extLst>
-              <a:ext uri="{FF2B5EF4-FFF2-40B4-BE49-F238E27FC236}">
-                <a16:creationId xmlns:a16="http://schemas.microsoft.com/office/drawing/2014/main" id="{B9C643C1-FF11-E858-F2E3-08F038B396CE}"/>
-              </a:ext>
-            </a:extLst>
-          </p:cNvPr>
-          <p:cNvSpPr/>
+      <p:grpSp>
+        <p:nvGrpSpPr>
+          <p:cNvPr id="15" name="Gruppieren 14">
+            <a:extLst>
+              <a:ext uri="{FF2B5EF4-FFF2-40B4-BE49-F238E27FC236}">
+                <a16:creationId xmlns:a16="http://schemas.microsoft.com/office/drawing/2014/main" id="{6C906FBC-18B9-0AA5-DADA-FFA3327854B2}"/>
+              </a:ext>
+            </a:extLst>
+          </p:cNvPr>
+          <p:cNvGrpSpPr/>
           <p:nvPr/>
-        </p:nvSpPr>
-        <p:spPr>
+        </p:nvGrpSpPr>
+        <p:grpSpPr>
           <a:xfrm>
-            <a:off x="850900" y="787400"/>
-            <a:ext cx="6945735" cy="812800"/>
-          </a:xfrm>
-          <a:prstGeom prst="rect">
-            <a:avLst/>
-          </a:prstGeom>
-          <a:solidFill>
-            <a:schemeClr val="accent5">
-              <a:lumMod val="40000"/>
-              <a:lumOff val="60000"/>
-            </a:schemeClr>
-          </a:solidFill>
-        </p:spPr>
-        <p:style>
-          <a:lnRef idx="2">
-            <a:schemeClr val="accent1">
-              <a:shade val="15000"/>
-            </a:schemeClr>
-          </a:lnRef>
-          <a:fillRef idx="1">
-            <a:schemeClr val="accent1"/>
-          </a:fillRef>
-          <a:effectRef idx="0">
-            <a:schemeClr val="accent1"/>
-          </a:effectRef>
-          <a:fontRef idx="minor">
-            <a:schemeClr val="lt1"/>
-          </a:fontRef>
-        </p:style>
-        <p:txBody>
-          <a:bodyPr rtlCol="0" anchor="ctr"/>
-          <a:lstStyle/>
-          <a:p>
-            <a:pPr algn="ctr"/>
-            <a:r>
-              <a:rPr lang="de-AT" sz="2400" dirty="0">
-                <a:solidFill>
-                  <a:schemeClr val="bg1"/>
-                </a:solidFill>
-              </a:rPr>
-              <a:t>Asses Initial Situation</a:t>
-            </a:r>
-          </a:p>
-          <a:p>
-            <a:pPr algn="ctr"/>
-            <a:r>
-              <a:rPr lang="en-US" sz="1400" dirty="0">
+            <a:off x="1090451" y="895350"/>
+            <a:ext cx="6954417" cy="3352800"/>
+            <a:chOff x="850900" y="787400"/>
+            <a:chExt cx="6954417" cy="3352800"/>
+          </a:xfrm>
+        </p:grpSpPr>
+        <p:sp>
+          <p:nvSpPr>
+            <p:cNvPr id="6" name="Rechteck 5">
+              <a:extLst>
+                <a:ext uri="{FF2B5EF4-FFF2-40B4-BE49-F238E27FC236}">
+                  <a16:creationId xmlns:a16="http://schemas.microsoft.com/office/drawing/2014/main" id="{B9C643C1-FF11-E858-F2E3-08F038B396CE}"/>
+                </a:ext>
+              </a:extLst>
+            </p:cNvPr>
+            <p:cNvSpPr/>
+            <p:nvPr/>
+          </p:nvSpPr>
+          <p:spPr>
+            <a:xfrm>
+              <a:off x="850900" y="787400"/>
+              <a:ext cx="6945735" cy="812800"/>
+            </a:xfrm>
+            <a:prstGeom prst="rect">
+              <a:avLst/>
+            </a:prstGeom>
+            <a:solidFill>
+              <a:schemeClr val="accent5">
+                <a:lumMod val="40000"/>
+                <a:lumOff val="60000"/>
+              </a:schemeClr>
+            </a:solidFill>
+          </p:spPr>
+          <p:style>
+            <a:lnRef idx="2">
+              <a:schemeClr val="accent1">
+                <a:shade val="15000"/>
+              </a:schemeClr>
+            </a:lnRef>
+            <a:fillRef idx="1">
+              <a:schemeClr val="accent1"/>
+            </a:fillRef>
+            <a:effectRef idx="0">
+              <a:schemeClr val="accent1"/>
+            </a:effectRef>
+            <a:fontRef idx="minor">
+              <a:schemeClr val="lt1"/>
+            </a:fontRef>
+          </p:style>
+          <p:txBody>
+            <a:bodyPr rtlCol="0" anchor="ctr"/>
+            <a:lstStyle/>
+            <a:p>
+              <a:pPr algn="ctr"/>
+              <a:r>
+                <a:rPr lang="de-AT" sz="2400" dirty="0">
+                  <a:solidFill>
+                    <a:schemeClr val="bg1"/>
+                  </a:solidFill>
+                </a:rPr>
+                <a:t>Asses Initial Situation</a:t>
+              </a:r>
+            </a:p>
+            <a:p>
+              <a:pPr algn="ctr"/>
+              <a:r>
+                <a:rPr lang="en-US" sz="1400" dirty="0">
+                  <a:solidFill>
+                    <a:schemeClr val="tx1"/>
+                  </a:solidFill>
+                </a:rPr>
+                <a:t>Measure initial latency difference between bare metal &amp; untuned virtualization with the latency tool of </a:t>
+              </a:r>
+              <a:r>
+                <a:rPr lang="en-US" sz="1400" dirty="0" err="1">
+                  <a:solidFill>
+                    <a:schemeClr val="tx1"/>
+                  </a:solidFill>
+                </a:rPr>
+                <a:t>Xenomai</a:t>
+              </a:r>
+              <a:endParaRPr lang="en-US" sz="1400" dirty="0">
                 <a:solidFill>
                   <a:schemeClr val="tx1"/>
                 </a:solidFill>
-              </a:rPr>
-              <a:t>Measure initial latency difference between bare metal &amp; untuned virtualization with the latency tool of </a:t>
-            </a:r>
-            <a:r>
-              <a:rPr lang="en-US" sz="1400" dirty="0" err="1">
+              </a:endParaRPr>
+            </a:p>
+          </p:txBody>
+        </p:sp>
+        <p:sp>
+          <p:nvSpPr>
+            <p:cNvPr id="7" name="Rechteck 6">
+              <a:extLst>
+                <a:ext uri="{FF2B5EF4-FFF2-40B4-BE49-F238E27FC236}">
+                  <a16:creationId xmlns:a16="http://schemas.microsoft.com/office/drawing/2014/main" id="{5339BAD2-97DD-CCC7-93CA-5BB3C68C0549}"/>
+                </a:ext>
+              </a:extLst>
+            </p:cNvPr>
+            <p:cNvSpPr/>
+            <p:nvPr/>
+          </p:nvSpPr>
+          <p:spPr>
+            <a:xfrm>
+              <a:off x="850900" y="2057400"/>
+              <a:ext cx="6945735" cy="812800"/>
+            </a:xfrm>
+            <a:prstGeom prst="rect">
+              <a:avLst/>
+            </a:prstGeom>
+            <a:solidFill>
+              <a:srgbClr val="92D050"/>
+            </a:solidFill>
+          </p:spPr>
+          <p:style>
+            <a:lnRef idx="2">
+              <a:schemeClr val="accent1">
+                <a:shade val="15000"/>
+              </a:schemeClr>
+            </a:lnRef>
+            <a:fillRef idx="1">
+              <a:schemeClr val="accent1"/>
+            </a:fillRef>
+            <a:effectRef idx="0">
+              <a:schemeClr val="accent1"/>
+            </a:effectRef>
+            <a:fontRef idx="minor">
+              <a:schemeClr val="lt1"/>
+            </a:fontRef>
+          </p:style>
+          <p:txBody>
+            <a:bodyPr rtlCol="0" anchor="ctr"/>
+            <a:lstStyle/>
+            <a:p>
+              <a:pPr algn="ctr"/>
+              <a:r>
+                <a:rPr lang="en-US" sz="2400" b="0" i="0" u="none" strike="noStrike" baseline="0" dirty="0">
+                  <a:solidFill>
+                    <a:schemeClr val="bg1"/>
+                  </a:solidFill>
+                </a:rPr>
+                <a:t>Real-Time Performance Tunings</a:t>
+              </a:r>
+            </a:p>
+            <a:p>
+              <a:pPr algn="ctr"/>
+              <a:r>
+                <a:rPr lang="en-US" sz="1400" dirty="0">
+                  <a:solidFill>
+                    <a:schemeClr val="tx1"/>
+                  </a:solidFill>
+                </a:rPr>
+                <a:t>Sequentially tune virtualization through configurations of</a:t>
+              </a:r>
+            </a:p>
+            <a:p>
+              <a:pPr algn="ctr"/>
+              <a:r>
+                <a:rPr lang="en-US" sz="1400" dirty="0">
+                  <a:solidFill>
+                    <a:schemeClr val="tx1"/>
+                  </a:solidFill>
+                </a:rPr>
+                <a:t>BIOS, kernel, host, guest and QEMU</a:t>
+              </a:r>
+              <a:endParaRPr lang="en-US" sz="1100" dirty="0">
                 <a:solidFill>
                   <a:schemeClr val="tx1"/>
                 </a:solidFill>
-              </a:rPr>
-              <a:t>Xenomai</a:t>
-            </a:r>
-            <a:endParaRPr lang="en-US" sz="1400" dirty="0">
+              </a:endParaRPr>
+            </a:p>
+          </p:txBody>
+        </p:sp>
+        <p:cxnSp>
+          <p:nvCxnSpPr>
+            <p:cNvPr id="9" name="Gerade Verbindung mit Pfeil 8">
+              <a:extLst>
+                <a:ext uri="{FF2B5EF4-FFF2-40B4-BE49-F238E27FC236}">
+                  <a16:creationId xmlns:a16="http://schemas.microsoft.com/office/drawing/2014/main" id="{81B8A296-7A62-BD33-C46A-D30B17A44A4F}"/>
+                </a:ext>
+              </a:extLst>
+            </p:cNvPr>
+            <p:cNvCxnSpPr>
+              <a:cxnSpLocks/>
+              <a:stCxn id="6" idx="2"/>
+              <a:endCxn id="7" idx="0"/>
+            </p:cNvCxnSpPr>
+            <p:nvPr/>
+          </p:nvCxnSpPr>
+          <p:spPr>
+            <a:xfrm>
+              <a:off x="4323768" y="1600200"/>
+              <a:ext cx="0" cy="457200"/>
+            </a:xfrm>
+            <a:prstGeom prst="straightConnector1">
+              <a:avLst/>
+            </a:prstGeom>
+            <a:ln w="28575" cap="flat" cmpd="sng" algn="ctr">
               <a:solidFill>
-                <a:schemeClr val="tx1"/>
+                <a:schemeClr val="dk1"/>
               </a:solidFill>
-            </a:endParaRPr>
-          </a:p>
-        </p:txBody>
-      </p:sp>
-      <p:sp>
-        <p:nvSpPr>
-          <p:cNvPr id="7" name="Rechteck 6">
-            <a:extLst>
-              <a:ext uri="{FF2B5EF4-FFF2-40B4-BE49-F238E27FC236}">
-                <a16:creationId xmlns:a16="http://schemas.microsoft.com/office/drawing/2014/main" id="{5339BAD2-97DD-CCC7-93CA-5BB3C68C0549}"/>
-              </a:ext>
-            </a:extLst>
-          </p:cNvPr>
-          <p:cNvSpPr/>
-          <p:nvPr/>
-        </p:nvSpPr>
-        <p:spPr>
-          <a:xfrm>
-            <a:off x="850900" y="2057400"/>
-            <a:ext cx="6945735" cy="812800"/>
-          </a:xfrm>
-          <a:prstGeom prst="rect">
-            <a:avLst/>
-          </a:prstGeom>
-          <a:solidFill>
-            <a:srgbClr val="92D050"/>
-          </a:solidFill>
-        </p:spPr>
-        <p:style>
-          <a:lnRef idx="2">
-            <a:schemeClr val="accent1">
-              <a:shade val="15000"/>
-            </a:schemeClr>
-          </a:lnRef>
-          <a:fillRef idx="1">
-            <a:schemeClr val="accent1"/>
-          </a:fillRef>
-          <a:effectRef idx="0">
-            <a:schemeClr val="accent1"/>
-          </a:effectRef>
-          <a:fontRef idx="minor">
-            <a:schemeClr val="lt1"/>
-          </a:fontRef>
-        </p:style>
-        <p:txBody>
-          <a:bodyPr rtlCol="0" anchor="ctr"/>
-          <a:lstStyle/>
-          <a:p>
-            <a:pPr algn="ctr"/>
-            <a:r>
-              <a:rPr lang="en-US" sz="2400" b="0" i="0" u="none" strike="noStrike" baseline="0" dirty="0">
-                <a:solidFill>
-                  <a:schemeClr val="bg1"/>
-                </a:solidFill>
-              </a:rPr>
-              <a:t>Real-Time Performance Tunings</a:t>
-            </a:r>
-          </a:p>
-          <a:p>
-            <a:pPr algn="ctr"/>
-            <a:r>
-              <a:rPr lang="en-US" sz="1400" dirty="0">
+              <a:prstDash val="solid"/>
+              <a:round/>
+              <a:headEnd type="none" w="med" len="med"/>
+              <a:tailEnd type="arrow" w="med" len="med"/>
+            </a:ln>
+          </p:spPr>
+          <p:style>
+            <a:lnRef idx="0">
+              <a:scrgbClr r="0" g="0" b="0"/>
+            </a:lnRef>
+            <a:fillRef idx="0">
+              <a:scrgbClr r="0" g="0" b="0"/>
+            </a:fillRef>
+            <a:effectRef idx="0">
+              <a:scrgbClr r="0" g="0" b="0"/>
+            </a:effectRef>
+            <a:fontRef idx="minor">
+              <a:schemeClr val="tx1"/>
+            </a:fontRef>
+          </p:style>
+        </p:cxnSp>
+        <p:sp>
+          <p:nvSpPr>
+            <p:cNvPr id="19" name="Rechteck 18">
+              <a:extLst>
+                <a:ext uri="{FF2B5EF4-FFF2-40B4-BE49-F238E27FC236}">
+                  <a16:creationId xmlns:a16="http://schemas.microsoft.com/office/drawing/2014/main" id="{CC6DC2CD-AE6D-B9CA-BF9C-F0493A5034E9}"/>
+                </a:ext>
+              </a:extLst>
+            </p:cNvPr>
+            <p:cNvSpPr/>
+            <p:nvPr/>
+          </p:nvSpPr>
+          <p:spPr>
+            <a:xfrm>
+              <a:off x="892039" y="3327400"/>
+              <a:ext cx="3343412" cy="812800"/>
+            </a:xfrm>
+            <a:prstGeom prst="rect">
+              <a:avLst/>
+            </a:prstGeom>
+            <a:solidFill>
+              <a:srgbClr val="FFC000"/>
+            </a:solidFill>
+          </p:spPr>
+          <p:style>
+            <a:lnRef idx="2">
+              <a:schemeClr val="accent1">
+                <a:shade val="15000"/>
+              </a:schemeClr>
+            </a:lnRef>
+            <a:fillRef idx="1">
+              <a:schemeClr val="accent1"/>
+            </a:fillRef>
+            <a:effectRef idx="0">
+              <a:schemeClr val="accent1"/>
+            </a:effectRef>
+            <a:fontRef idx="minor">
+              <a:schemeClr val="lt1"/>
+            </a:fontRef>
+          </p:style>
+          <p:txBody>
+            <a:bodyPr rtlCol="0" anchor="ctr"/>
+            <a:lstStyle/>
+            <a:p>
+              <a:pPr algn="ctr"/>
+              <a:r>
+                <a:rPr lang="en-US" sz="2400" b="0" i="0" u="none" strike="noStrike" baseline="0" dirty="0">
+                  <a:solidFill>
+                    <a:schemeClr val="bg1"/>
+                  </a:solidFill>
+                </a:rPr>
+                <a:t>Comparison</a:t>
+              </a:r>
+            </a:p>
+            <a:p>
+              <a:pPr algn="ctr"/>
+              <a:r>
+                <a:rPr lang="en-US" sz="1400" b="0" i="0" u="none" strike="noStrike" baseline="0" dirty="0">
+                  <a:solidFill>
+                    <a:schemeClr val="tx1"/>
+                  </a:solidFill>
+                </a:rPr>
+                <a:t>Measure </a:t>
+              </a:r>
+              <a:r>
+                <a:rPr lang="en-US" sz="1400" dirty="0">
+                  <a:solidFill>
+                    <a:schemeClr val="tx1"/>
+                  </a:solidFill>
+                </a:rPr>
+                <a:t>the latency difference with the latency tool</a:t>
+              </a:r>
+            </a:p>
+          </p:txBody>
+        </p:sp>
+        <p:cxnSp>
+          <p:nvCxnSpPr>
+            <p:cNvPr id="11" name="Gerade Verbindung mit Pfeil 10">
+              <a:extLst>
+                <a:ext uri="{FF2B5EF4-FFF2-40B4-BE49-F238E27FC236}">
+                  <a16:creationId xmlns:a16="http://schemas.microsoft.com/office/drawing/2014/main" id="{CFB98A11-0A46-9CC9-731A-230FA7B2A36C}"/>
+                </a:ext>
+              </a:extLst>
+            </p:cNvPr>
+            <p:cNvCxnSpPr>
+              <a:cxnSpLocks/>
+              <a:endCxn id="19" idx="0"/>
+            </p:cNvCxnSpPr>
+            <p:nvPr/>
+          </p:nvCxnSpPr>
+          <p:spPr>
+            <a:xfrm flipH="1">
+              <a:off x="2563745" y="2870200"/>
+              <a:ext cx="1" cy="457200"/>
+            </a:xfrm>
+            <a:prstGeom prst="straightConnector1">
+              <a:avLst/>
+            </a:prstGeom>
+            <a:ln w="28575" cap="flat" cmpd="sng" algn="ctr">
+              <a:solidFill>
+                <a:schemeClr val="dk1"/>
+              </a:solidFill>
+              <a:prstDash val="solid"/>
+              <a:round/>
+              <a:headEnd type="none" w="med" len="med"/>
+              <a:tailEnd type="arrow" w="med" len="med"/>
+            </a:ln>
+          </p:spPr>
+          <p:style>
+            <a:lnRef idx="0">
+              <a:scrgbClr r="0" g="0" b="0"/>
+            </a:lnRef>
+            <a:fillRef idx="0">
+              <a:scrgbClr r="0" g="0" b="0"/>
+            </a:fillRef>
+            <a:effectRef idx="0">
+              <a:scrgbClr r="0" g="0" b="0"/>
+            </a:effectRef>
+            <a:fontRef idx="minor">
+              <a:schemeClr val="tx1"/>
+            </a:fontRef>
+          </p:style>
+        </p:cxnSp>
+        <p:sp>
+          <p:nvSpPr>
+            <p:cNvPr id="24" name="Rechteck 23">
+              <a:extLst>
+                <a:ext uri="{FF2B5EF4-FFF2-40B4-BE49-F238E27FC236}">
+                  <a16:creationId xmlns:a16="http://schemas.microsoft.com/office/drawing/2014/main" id="{2A2922D1-174D-DD22-9BB7-E6038FD9DDF6}"/>
+                </a:ext>
+              </a:extLst>
+            </p:cNvPr>
+            <p:cNvSpPr/>
+            <p:nvPr/>
+          </p:nvSpPr>
+          <p:spPr>
+            <a:xfrm>
+              <a:off x="4394200" y="3327400"/>
+              <a:ext cx="3411117" cy="812800"/>
+            </a:xfrm>
+            <a:prstGeom prst="rect">
+              <a:avLst/>
+            </a:prstGeom>
+            <a:solidFill>
+              <a:srgbClr val="FFC000"/>
+            </a:solidFill>
+          </p:spPr>
+          <p:style>
+            <a:lnRef idx="2">
+              <a:schemeClr val="accent1">
+                <a:shade val="15000"/>
+              </a:schemeClr>
+            </a:lnRef>
+            <a:fillRef idx="1">
+              <a:schemeClr val="accent1"/>
+            </a:fillRef>
+            <a:effectRef idx="0">
+              <a:schemeClr val="accent1"/>
+            </a:effectRef>
+            <a:fontRef idx="minor">
+              <a:schemeClr val="lt1"/>
+            </a:fontRef>
+          </p:style>
+          <p:txBody>
+            <a:bodyPr rtlCol="0" anchor="ctr"/>
+            <a:lstStyle/>
+            <a:p>
+              <a:pPr algn="ctr"/>
+              <a:r>
+                <a:rPr lang="en-US" sz="2400" b="0" i="0" u="none" strike="noStrike" baseline="0" dirty="0">
+                  <a:solidFill>
+                    <a:schemeClr val="bg1"/>
+                  </a:solidFill>
+                </a:rPr>
+                <a:t>Validation</a:t>
+              </a:r>
+            </a:p>
+            <a:p>
+              <a:pPr algn="ctr"/>
+              <a:r>
+                <a:rPr lang="en-US" sz="1400" b="0" i="0" u="none" strike="noStrike" baseline="0" dirty="0">
+                  <a:solidFill>
+                    <a:schemeClr val="tx1"/>
+                  </a:solidFill>
+                </a:rPr>
+                <a:t>Measure </a:t>
+              </a:r>
+              <a:r>
+                <a:rPr lang="en-US" sz="1400" dirty="0">
+                  <a:solidFill>
+                    <a:schemeClr val="tx1"/>
+                  </a:solidFill>
+                </a:rPr>
+                <a:t>the latency difference with a r</a:t>
+              </a:r>
+              <a:r>
+                <a:rPr lang="en-US" sz="1400" b="0" i="0" u="none" strike="noStrike" baseline="0" dirty="0">
+                  <a:solidFill>
+                    <a:schemeClr val="tx1"/>
+                  </a:solidFill>
+                </a:rPr>
+                <a:t>eal-time robotic application</a:t>
+              </a:r>
+              <a:endParaRPr lang="en-US" sz="1100" dirty="0">
                 <a:solidFill>
                   <a:schemeClr val="tx1"/>
                 </a:solidFill>
-              </a:rPr>
-              <a:t>Sequentially tune virtualization through configurations of</a:t>
-            </a:r>
-          </a:p>
-          <a:p>
-            <a:pPr algn="ctr"/>
-            <a:r>
-              <a:rPr lang="en-US" sz="1400" dirty="0">
-                <a:solidFill>
-                  <a:schemeClr val="tx1"/>
-                </a:solidFill>
-              </a:rPr>
-              <a:t>BIOS, kernel, host, guest and QEMU</a:t>
-            </a:r>
-            <a:endParaRPr lang="en-US" sz="1100" dirty="0">
+              </a:endParaRPr>
+            </a:p>
+          </p:txBody>
+        </p:sp>
+        <p:cxnSp>
+          <p:nvCxnSpPr>
+            <p:cNvPr id="13" name="Gerade Verbindung mit Pfeil 12">
+              <a:extLst>
+                <a:ext uri="{FF2B5EF4-FFF2-40B4-BE49-F238E27FC236}">
+                  <a16:creationId xmlns:a16="http://schemas.microsoft.com/office/drawing/2014/main" id="{4DF5E1AE-A2CD-9D35-C7BF-7315F5CA4AB1}"/>
+                </a:ext>
+              </a:extLst>
+            </p:cNvPr>
+            <p:cNvCxnSpPr>
+              <a:cxnSpLocks/>
+              <a:endCxn id="24" idx="0"/>
+            </p:cNvCxnSpPr>
+            <p:nvPr/>
+          </p:nvCxnSpPr>
+          <p:spPr>
+            <a:xfrm>
+              <a:off x="6099758" y="2870200"/>
+              <a:ext cx="1" cy="457200"/>
+            </a:xfrm>
+            <a:prstGeom prst="straightConnector1">
+              <a:avLst/>
+            </a:prstGeom>
+            <a:ln w="28575" cap="flat" cmpd="sng" algn="ctr">
               <a:solidFill>
-                <a:schemeClr val="tx1"/>
+                <a:schemeClr val="dk1"/>
               </a:solidFill>
-            </a:endParaRPr>
-          </a:p>
-        </p:txBody>
-      </p:sp>
-      <p:cxnSp>
-        <p:nvCxnSpPr>
-          <p:cNvPr id="9" name="Gerade Verbindung mit Pfeil 8">
-            <a:extLst>
-              <a:ext uri="{FF2B5EF4-FFF2-40B4-BE49-F238E27FC236}">
-                <a16:creationId xmlns:a16="http://schemas.microsoft.com/office/drawing/2014/main" id="{81B8A296-7A62-BD33-C46A-D30B17A44A4F}"/>
-              </a:ext>
-            </a:extLst>
-          </p:cNvPr>
-          <p:cNvCxnSpPr>
-            <a:cxnSpLocks/>
-            <a:stCxn id="6" idx="2"/>
-            <a:endCxn id="7" idx="0"/>
-          </p:cNvCxnSpPr>
-          <p:nvPr/>
-        </p:nvCxnSpPr>
-        <p:spPr>
-          <a:xfrm>
-            <a:off x="4323768" y="1600200"/>
-            <a:ext cx="0" cy="457200"/>
-          </a:xfrm>
-          <a:prstGeom prst="straightConnector1">
-            <a:avLst/>
-          </a:prstGeom>
-          <a:ln w="28575" cap="flat" cmpd="sng" algn="ctr">
-            <a:solidFill>
-              <a:schemeClr val="dk1"/>
-            </a:solidFill>
-            <a:prstDash val="solid"/>
-            <a:round/>
-            <a:headEnd type="none" w="med" len="med"/>
-            <a:tailEnd type="arrow" w="med" len="med"/>
-          </a:ln>
-        </p:spPr>
-        <p:style>
-          <a:lnRef idx="0">
-            <a:scrgbClr r="0" g="0" b="0"/>
-          </a:lnRef>
-          <a:fillRef idx="0">
-            <a:scrgbClr r="0" g="0" b="0"/>
-          </a:fillRef>
-          <a:effectRef idx="0">
-            <a:scrgbClr r="0" g="0" b="0"/>
-          </a:effectRef>
-          <a:fontRef idx="minor">
-            <a:schemeClr val="tx1"/>
-          </a:fontRef>
-        </p:style>
-      </p:cxnSp>
-      <p:sp>
-        <p:nvSpPr>
-          <p:cNvPr id="19" name="Rechteck 18">
-            <a:extLst>
-              <a:ext uri="{FF2B5EF4-FFF2-40B4-BE49-F238E27FC236}">
-                <a16:creationId xmlns:a16="http://schemas.microsoft.com/office/drawing/2014/main" id="{CC6DC2CD-AE6D-B9CA-BF9C-F0493A5034E9}"/>
-              </a:ext>
-            </a:extLst>
-          </p:cNvPr>
-          <p:cNvSpPr/>
-          <p:nvPr/>
-        </p:nvSpPr>
-        <p:spPr>
-          <a:xfrm>
-            <a:off x="892039" y="3327400"/>
-            <a:ext cx="3343412" cy="812800"/>
-          </a:xfrm>
-          <a:prstGeom prst="rect">
-            <a:avLst/>
-          </a:prstGeom>
-          <a:solidFill>
-            <a:srgbClr val="FFC000"/>
-          </a:solidFill>
-        </p:spPr>
-        <p:style>
-          <a:lnRef idx="2">
-            <a:schemeClr val="accent1">
-              <a:shade val="15000"/>
-            </a:schemeClr>
-          </a:lnRef>
-          <a:fillRef idx="1">
-            <a:schemeClr val="accent1"/>
-          </a:fillRef>
-          <a:effectRef idx="0">
-            <a:schemeClr val="accent1"/>
-          </a:effectRef>
-          <a:fontRef idx="minor">
-            <a:schemeClr val="lt1"/>
-          </a:fontRef>
-        </p:style>
-        <p:txBody>
-          <a:bodyPr rtlCol="0" anchor="ctr"/>
-          <a:lstStyle/>
-          <a:p>
-            <a:pPr algn="ctr"/>
-            <a:r>
-              <a:rPr lang="en-US" sz="2400" b="0" i="0" u="none" strike="noStrike" baseline="0" dirty="0">
-                <a:solidFill>
-                  <a:schemeClr val="bg1"/>
-                </a:solidFill>
-              </a:rPr>
-              <a:t>Comparison</a:t>
-            </a:r>
-          </a:p>
-          <a:p>
-            <a:pPr algn="ctr"/>
-            <a:r>
-              <a:rPr lang="en-US" sz="1400" b="0" i="0" u="none" strike="noStrike" baseline="0" dirty="0">
-                <a:solidFill>
-                  <a:schemeClr val="tx1"/>
-                </a:solidFill>
-              </a:rPr>
-              <a:t>Measure </a:t>
-            </a:r>
-            <a:r>
-              <a:rPr lang="en-US" sz="1400" dirty="0">
-                <a:solidFill>
-                  <a:schemeClr val="tx1"/>
-                </a:solidFill>
-              </a:rPr>
-              <a:t>the latency difference with the latency tool</a:t>
-            </a:r>
-          </a:p>
-        </p:txBody>
-      </p:sp>
-      <p:cxnSp>
-        <p:nvCxnSpPr>
-          <p:cNvPr id="11" name="Gerade Verbindung mit Pfeil 10">
-            <a:extLst>
-              <a:ext uri="{FF2B5EF4-FFF2-40B4-BE49-F238E27FC236}">
-                <a16:creationId xmlns:a16="http://schemas.microsoft.com/office/drawing/2014/main" id="{CFB98A11-0A46-9CC9-731A-230FA7B2A36C}"/>
-              </a:ext>
-            </a:extLst>
-          </p:cNvPr>
-          <p:cNvCxnSpPr>
-            <a:cxnSpLocks/>
-            <a:endCxn id="19" idx="0"/>
-          </p:cNvCxnSpPr>
-          <p:nvPr/>
-        </p:nvCxnSpPr>
-        <p:spPr>
-          <a:xfrm flipH="1">
-            <a:off x="2563745" y="2870200"/>
-            <a:ext cx="1" cy="457200"/>
-          </a:xfrm>
-          <a:prstGeom prst="straightConnector1">
-            <a:avLst/>
-          </a:prstGeom>
-          <a:ln w="28575" cap="flat" cmpd="sng" algn="ctr">
-            <a:solidFill>
-              <a:schemeClr val="dk1"/>
-            </a:solidFill>
-            <a:prstDash val="solid"/>
-            <a:round/>
-            <a:headEnd type="none" w="med" len="med"/>
-            <a:tailEnd type="arrow" w="med" len="med"/>
-          </a:ln>
-        </p:spPr>
-        <p:style>
-          <a:lnRef idx="0">
-            <a:scrgbClr r="0" g="0" b="0"/>
-          </a:lnRef>
-          <a:fillRef idx="0">
-            <a:scrgbClr r="0" g="0" b="0"/>
-          </a:fillRef>
-          <a:effectRef idx="0">
-            <a:scrgbClr r="0" g="0" b="0"/>
-          </a:effectRef>
-          <a:fontRef idx="minor">
-            <a:schemeClr val="tx1"/>
-          </a:fontRef>
-        </p:style>
-      </p:cxnSp>
-      <p:sp>
-        <p:nvSpPr>
-          <p:cNvPr id="24" name="Rechteck 23">
-            <a:extLst>
-              <a:ext uri="{FF2B5EF4-FFF2-40B4-BE49-F238E27FC236}">
-                <a16:creationId xmlns:a16="http://schemas.microsoft.com/office/drawing/2014/main" id="{2A2922D1-174D-DD22-9BB7-E6038FD9DDF6}"/>
-              </a:ext>
-            </a:extLst>
-          </p:cNvPr>
-          <p:cNvSpPr/>
-          <p:nvPr/>
-        </p:nvSpPr>
-        <p:spPr>
-          <a:xfrm>
-            <a:off x="4394200" y="3327400"/>
-            <a:ext cx="3411117" cy="812800"/>
-          </a:xfrm>
-          <a:prstGeom prst="rect">
-            <a:avLst/>
-          </a:prstGeom>
-          <a:solidFill>
-            <a:srgbClr val="FFC000"/>
-          </a:solidFill>
-        </p:spPr>
-        <p:style>
-          <a:lnRef idx="2">
-            <a:schemeClr val="accent1">
-              <a:shade val="15000"/>
-            </a:schemeClr>
-          </a:lnRef>
-          <a:fillRef idx="1">
-            <a:schemeClr val="accent1"/>
-          </a:fillRef>
-          <a:effectRef idx="0">
-            <a:schemeClr val="accent1"/>
-          </a:effectRef>
-          <a:fontRef idx="minor">
-            <a:schemeClr val="lt1"/>
-          </a:fontRef>
-        </p:style>
-        <p:txBody>
-          <a:bodyPr rtlCol="0" anchor="ctr"/>
-          <a:lstStyle/>
-          <a:p>
-            <a:pPr algn="ctr"/>
-            <a:r>
-              <a:rPr lang="en-US" sz="2400" b="0" i="0" u="none" strike="noStrike" baseline="0" dirty="0">
-                <a:solidFill>
-                  <a:schemeClr val="bg1"/>
-                </a:solidFill>
-              </a:rPr>
-              <a:t>Validation</a:t>
-            </a:r>
-          </a:p>
-          <a:p>
-            <a:pPr algn="ctr"/>
-            <a:r>
-              <a:rPr lang="en-US" sz="1400" b="0" i="0" u="none" strike="noStrike" baseline="0" dirty="0">
-                <a:solidFill>
-                  <a:schemeClr val="tx1"/>
-                </a:solidFill>
-              </a:rPr>
-              <a:t>Measure </a:t>
-            </a:r>
-            <a:r>
-              <a:rPr lang="en-US" sz="1400" dirty="0">
-                <a:solidFill>
-                  <a:schemeClr val="tx1"/>
-                </a:solidFill>
-              </a:rPr>
-              <a:t>the latency difference with a r</a:t>
-            </a:r>
-            <a:r>
-              <a:rPr lang="en-US" sz="1400" b="0" i="0" u="none" strike="noStrike" baseline="0" dirty="0">
-                <a:solidFill>
-                  <a:schemeClr val="tx1"/>
-                </a:solidFill>
-              </a:rPr>
-              <a:t>eal-time robotic application</a:t>
-            </a:r>
-            <a:endParaRPr lang="en-US" sz="1100" dirty="0">
-              <a:solidFill>
-                <a:schemeClr val="tx1"/>
-              </a:solidFill>
-            </a:endParaRPr>
-          </a:p>
-        </p:txBody>
-      </p:sp>
-      <p:cxnSp>
-        <p:nvCxnSpPr>
-          <p:cNvPr id="13" name="Gerade Verbindung mit Pfeil 12">
-            <a:extLst>
-              <a:ext uri="{FF2B5EF4-FFF2-40B4-BE49-F238E27FC236}">
-                <a16:creationId xmlns:a16="http://schemas.microsoft.com/office/drawing/2014/main" id="{4DF5E1AE-A2CD-9D35-C7BF-7315F5CA4AB1}"/>
-              </a:ext>
-            </a:extLst>
-          </p:cNvPr>
-          <p:cNvCxnSpPr>
-            <a:cxnSpLocks/>
-            <a:endCxn id="24" idx="0"/>
-          </p:cNvCxnSpPr>
-          <p:nvPr/>
-        </p:nvCxnSpPr>
-        <p:spPr>
-          <a:xfrm>
-            <a:off x="6099758" y="2870200"/>
-            <a:ext cx="1" cy="457200"/>
-          </a:xfrm>
-          <a:prstGeom prst="straightConnector1">
-            <a:avLst/>
-          </a:prstGeom>
-          <a:ln w="28575" cap="flat" cmpd="sng" algn="ctr">
-            <a:solidFill>
-              <a:schemeClr val="dk1"/>
-            </a:solidFill>
-            <a:prstDash val="solid"/>
-            <a:round/>
-            <a:headEnd type="none" w="med" len="med"/>
-            <a:tailEnd type="arrow" w="med" len="med"/>
-          </a:ln>
-        </p:spPr>
-        <p:style>
-          <a:lnRef idx="0">
-            <a:scrgbClr r="0" g="0" b="0"/>
-          </a:lnRef>
-          <a:fillRef idx="0">
-            <a:scrgbClr r="0" g="0" b="0"/>
-          </a:fillRef>
-          <a:effectRef idx="0">
-            <a:scrgbClr r="0" g="0" b="0"/>
-          </a:effectRef>
-          <a:fontRef idx="minor">
-            <a:schemeClr val="tx1"/>
-          </a:fontRef>
-        </p:style>
-      </p:cxnSp>
+              <a:prstDash val="solid"/>
+              <a:round/>
+              <a:headEnd type="none" w="med" len="med"/>
+              <a:tailEnd type="arrow" w="med" len="med"/>
+            </a:ln>
+          </p:spPr>
+          <p:style>
+            <a:lnRef idx="0">
+              <a:scrgbClr r="0" g="0" b="0"/>
+            </a:lnRef>
+            <a:fillRef idx="0">
+              <a:scrgbClr r="0" g="0" b="0"/>
+            </a:fillRef>
+            <a:effectRef idx="0">
+              <a:scrgbClr r="0" g="0" b="0"/>
+            </a:effectRef>
+            <a:fontRef idx="minor">
+              <a:schemeClr val="tx1"/>
+            </a:fontRef>
+          </p:style>
+        </p:cxnSp>
+      </p:grpSp>
     </p:spTree>
     <p:extLst>
       <p:ext uri="{BB962C8B-B14F-4D97-AF65-F5344CB8AC3E}">

--- a/Masterprüfung/Presentation/Pamuk_MT_Präsentation_10102024.pptx
+++ b/Masterprüfung/Presentation/Pamuk_MT_Präsentation_10102024.pptx
@@ -160,7 +160,7 @@
             <p14:sldId id="270"/>
           </p14:sldIdLst>
         </p14:section>
-        <p14:section name="Frage 1" id="{84CCA121-2799-4518-B22A-7EF662210ED7}">
+        <p14:section name="Tunings" id="{84CCA121-2799-4518-B22A-7EF662210ED7}">
           <p14:sldIdLst>
             <p14:sldId id="286"/>
             <p14:sldId id="287"/>
@@ -176,7 +176,7 @@
             <p14:sldId id="298"/>
           </p14:sldIdLst>
         </p14:section>
-        <p14:section name="Frage 2" id="{3C337C3D-C171-4854-8968-B36CC9CD2038}">
+        <p14:section name="Robot" id="{3C337C3D-C171-4854-8968-B36CC9CD2038}">
           <p14:sldIdLst>
             <p14:sldId id="293"/>
             <p14:sldId id="299"/>
@@ -186,7 +186,7 @@
             <p14:sldId id="302"/>
           </p14:sldIdLst>
         </p14:section>
-        <p14:section name="Frage 3" id="{9ADAF0AC-C1D3-4327-B236-09747C4A1383}">
+        <p14:section name="Components" id="{9ADAF0AC-C1D3-4327-B236-09747C4A1383}">
           <p14:sldIdLst>
             <p14:sldId id="277"/>
             <p14:sldId id="279"/>
@@ -15173,7 +15173,7 @@
                     <a:schemeClr val="bg1"/>
                   </a:solidFill>
                 </a:rPr>
-                <a:t>Asses Initial Situation</a:t>
+                <a:t>Initial Situation</a:t>
               </a:r>
             </a:p>
             <a:p>
@@ -15184,7 +15184,18 @@
                     <a:schemeClr val="tx1"/>
                   </a:solidFill>
                 </a:rPr>
-                <a:t>Measure initial latency difference between bare metal &amp; untuned virtualization with the latency tool of </a:t>
+                <a:t>Measure initial latency difference between bare metal &amp; untuned virtualization </a:t>
+              </a:r>
+            </a:p>
+            <a:p>
+              <a:pPr algn="ctr"/>
+              <a:r>
+                <a:rPr lang="en-US" sz="1400" dirty="0">
+                  <a:solidFill>
+                    <a:schemeClr val="tx1"/>
+                  </a:solidFill>
+                </a:rPr>
+                <a:t>with the latency tool of </a:t>
               </a:r>
               <a:r>
                 <a:rPr lang="en-US" sz="1400" dirty="0" err="1">
@@ -15385,7 +15396,7 @@
                     <a:schemeClr val="bg1"/>
                   </a:solidFill>
                 </a:rPr>
-                <a:t>Comparison</a:t>
+                <a:t>Latency Comparison</a:t>
               </a:r>
             </a:p>
             <a:p>
@@ -15396,7 +15407,7 @@
                     <a:schemeClr val="tx1"/>
                   </a:solidFill>
                 </a:rPr>
-                <a:t>Measure </a:t>
+                <a:t>Compare </a:t>
               </a:r>
               <a:r>
                 <a:rPr lang="en-US" sz="1400" dirty="0">
@@ -15404,7 +15415,7 @@
                     <a:schemeClr val="tx1"/>
                   </a:solidFill>
                 </a:rPr>
-                <a:t>the latency difference with the latency tool</a:t>
+                <a:t>the latency distributions with the latency tool</a:t>
               </a:r>
             </a:p>
           </p:txBody>
@@ -15508,7 +15519,7 @@
                     <a:schemeClr val="bg1"/>
                   </a:solidFill>
                 </a:rPr>
-                <a:t>Validation</a:t>
+                <a:t>Robotic Application</a:t>
               </a:r>
             </a:p>
             <a:p>
@@ -15519,7 +15530,7 @@
                     <a:schemeClr val="tx1"/>
                   </a:solidFill>
                 </a:rPr>
-                <a:t>Measure </a:t>
+                <a:t>Validate the tunings </a:t>
               </a:r>
               <a:r>
                 <a:rPr lang="en-US" sz="1400" dirty="0">
@@ -15527,7 +15538,7 @@
                     <a:schemeClr val="tx1"/>
                   </a:solidFill>
                 </a:rPr>
-                <a:t>the latency difference with a r</a:t>
+                <a:t>with a r</a:t>
               </a:r>
               <a:r>
                 <a:rPr lang="en-US" sz="1400" b="0" i="0" u="none" strike="noStrike" baseline="0" dirty="0">
@@ -15657,8 +15668,13 @@
             </a:r>
             <a:r>
               <a:rPr lang="de-AT" dirty="0"/>
-              <a:t> Tool</a:t>
-            </a:r>
+              <a:t> </a:t>
+            </a:r>
+            <a:r>
+              <a:rPr lang="de-AT" dirty="0" err="1"/>
+              <a:t>Comparison</a:t>
+            </a:r>
+            <a:endParaRPr lang="de-AT" dirty="0"/>
           </a:p>
         </p:txBody>
       </p:sp>
@@ -16055,7 +16071,7 @@
         </p:blipFill>
         <p:spPr>
           <a:xfrm>
-            <a:off x="2488176" y="1089136"/>
+            <a:off x="2488176" y="1078694"/>
             <a:ext cx="2020165" cy="644861"/>
           </a:xfrm>
           <a:prstGeom prst="rect">
@@ -17694,6 +17710,96 @@
           </a:fontRef>
         </p:style>
       </p:cxnSp>
+      <p:pic>
+        <p:nvPicPr>
+          <p:cNvPr id="21" name="Grafik 20">
+            <a:extLst>
+              <a:ext uri="{FF2B5EF4-FFF2-40B4-BE49-F238E27FC236}">
+                <a16:creationId xmlns:a16="http://schemas.microsoft.com/office/drawing/2014/main" id="{C0280FD7-0360-D5B8-2772-A9C847DAA710}"/>
+              </a:ext>
+            </a:extLst>
+          </p:cNvPr>
+          <p:cNvPicPr>
+            <a:picLocks noChangeAspect="1"/>
+          </p:cNvPicPr>
+          <p:nvPr/>
+        </p:nvPicPr>
+        <p:blipFill>
+          <a:blip r:embed="rId14"/>
+          <a:stretch>
+            <a:fillRect/>
+          </a:stretch>
+        </p:blipFill>
+        <p:spPr>
+          <a:xfrm>
+            <a:off x="2649077" y="1200547"/>
+            <a:ext cx="849182" cy="140183"/>
+          </a:xfrm>
+          <a:prstGeom prst="rect">
+            <a:avLst/>
+          </a:prstGeom>
+        </p:spPr>
+      </p:pic>
+      <p:pic>
+        <p:nvPicPr>
+          <p:cNvPr id="23" name="Grafik 22">
+            <a:extLst>
+              <a:ext uri="{FF2B5EF4-FFF2-40B4-BE49-F238E27FC236}">
+                <a16:creationId xmlns:a16="http://schemas.microsoft.com/office/drawing/2014/main" id="{CB2CADD0-2C5E-E666-3C02-E33F17572D4E}"/>
+              </a:ext>
+            </a:extLst>
+          </p:cNvPr>
+          <p:cNvPicPr>
+            <a:picLocks noChangeAspect="1"/>
+          </p:cNvPicPr>
+          <p:nvPr/>
+        </p:nvPicPr>
+        <p:blipFill>
+          <a:blip r:embed="rId14"/>
+          <a:stretch>
+            <a:fillRect/>
+          </a:stretch>
+        </p:blipFill>
+        <p:spPr>
+          <a:xfrm>
+            <a:off x="2496670" y="1329130"/>
+            <a:ext cx="849182" cy="140183"/>
+          </a:xfrm>
+          <a:prstGeom prst="rect">
+            <a:avLst/>
+          </a:prstGeom>
+        </p:spPr>
+      </p:pic>
+      <p:pic>
+        <p:nvPicPr>
+          <p:cNvPr id="33" name="Grafik 32">
+            <a:extLst>
+              <a:ext uri="{FF2B5EF4-FFF2-40B4-BE49-F238E27FC236}">
+                <a16:creationId xmlns:a16="http://schemas.microsoft.com/office/drawing/2014/main" id="{3ACCEABB-2DFC-D0CC-CA99-E8F5D40CA1FC}"/>
+              </a:ext>
+            </a:extLst>
+          </p:cNvPr>
+          <p:cNvPicPr>
+            <a:picLocks noChangeAspect="1"/>
+          </p:cNvPicPr>
+          <p:nvPr/>
+        </p:nvPicPr>
+        <p:blipFill>
+          <a:blip r:embed="rId15"/>
+          <a:stretch>
+            <a:fillRect/>
+          </a:stretch>
+        </p:blipFill>
+        <p:spPr>
+          <a:xfrm>
+            <a:off x="2885013" y="1355163"/>
+            <a:ext cx="495764" cy="122212"/>
+          </a:xfrm>
+          <a:prstGeom prst="rect">
+            <a:avLst/>
+          </a:prstGeom>
+        </p:spPr>
+      </p:pic>
     </p:spTree>
     <p:extLst>
       <p:ext uri="{BB962C8B-B14F-4D97-AF65-F5344CB8AC3E}">

--- a/Masterprüfung/Presentation/Pamuk_MT_Präsentation_10102024.pptx
+++ b/Masterprüfung/Presentation/Pamuk_MT_Präsentation_10102024.pptx
@@ -15415,7 +15415,7 @@
                     <a:schemeClr val="tx1"/>
                   </a:solidFill>
                 </a:rPr>
-                <a:t>the latency distributions with the latency tool</a:t>
+                <a:t>the latency after the tunings with the latency tool</a:t>
               </a:r>
             </a:p>
           </p:txBody>

--- a/Masterprüfung/Presentation/Pamuk_MT_Präsentation_10102024.pptx
+++ b/Masterprüfung/Presentation/Pamuk_MT_Präsentation_10102024.pptx
@@ -8684,94 +8684,6 @@
       </p:sp>
       <p:sp>
         <p:nvSpPr>
-          <p:cNvPr id="16" name="Textfeld 15">
-            <a:extLst>
-              <a:ext uri="{FF2B5EF4-FFF2-40B4-BE49-F238E27FC236}">
-                <a16:creationId xmlns:a16="http://schemas.microsoft.com/office/drawing/2014/main" id="{36F7C50C-9802-1145-F3A6-EB87CF7BF46C}"/>
-              </a:ext>
-            </a:extLst>
-          </p:cNvPr>
-          <p:cNvSpPr txBox="1"/>
-          <p:nvPr/>
-        </p:nvSpPr>
-        <p:spPr>
-          <a:xfrm>
-            <a:off x="1351835" y="4446919"/>
-            <a:ext cx="2192134" cy="271012"/>
-          </a:xfrm>
-          <a:prstGeom prst="rect">
-            <a:avLst/>
-          </a:prstGeom>
-        </p:spPr>
-        <p:txBody>
-          <a:bodyPr vert="horz" wrap="none" lIns="91440" tIns="45720" rIns="91440" bIns="45720" rtlCol="0" anchor="t">
-            <a:normAutofit/>
-          </a:bodyPr>
-          <a:lstStyle/>
-          <a:p>
-            <a:pPr algn="l"/>
-            <a:r>
-              <a:rPr lang="de-AT" sz="1000" dirty="0"/>
-              <a:t>Figure 1: Non-</a:t>
-            </a:r>
-            <a:r>
-              <a:rPr lang="de-AT" sz="1000" dirty="0" err="1"/>
-              <a:t>preemptible</a:t>
-            </a:r>
-            <a:r>
-              <a:rPr lang="de-AT" sz="1000" dirty="0"/>
-              <a:t> Kernel [1] </a:t>
-            </a:r>
-            <a:endParaRPr lang="en-US" sz="1000" dirty="0"/>
-          </a:p>
-        </p:txBody>
-      </p:sp>
-      <p:sp>
-        <p:nvSpPr>
-          <p:cNvPr id="6" name="Textfeld 5">
-            <a:extLst>
-              <a:ext uri="{FF2B5EF4-FFF2-40B4-BE49-F238E27FC236}">
-                <a16:creationId xmlns:a16="http://schemas.microsoft.com/office/drawing/2014/main" id="{34178FBA-C589-6075-766F-A04B79B9072E}"/>
-              </a:ext>
-            </a:extLst>
-          </p:cNvPr>
-          <p:cNvSpPr txBox="1"/>
-          <p:nvPr/>
-        </p:nvSpPr>
-        <p:spPr>
-          <a:xfrm>
-            <a:off x="5626800" y="4446919"/>
-            <a:ext cx="2192134" cy="271012"/>
-          </a:xfrm>
-          <a:prstGeom prst="rect">
-            <a:avLst/>
-          </a:prstGeom>
-        </p:spPr>
-        <p:txBody>
-          <a:bodyPr vert="horz" wrap="none" lIns="91440" tIns="45720" rIns="91440" bIns="45720" rtlCol="0" anchor="t">
-            <a:normAutofit/>
-          </a:bodyPr>
-          <a:lstStyle/>
-          <a:p>
-            <a:pPr algn="l"/>
-            <a:r>
-              <a:rPr lang="de-AT" sz="1000" dirty="0"/>
-              <a:t>Figure 2: </a:t>
-            </a:r>
-            <a:r>
-              <a:rPr lang="de-AT" sz="1000" dirty="0" err="1"/>
-              <a:t>Preemptible</a:t>
-            </a:r>
-            <a:r>
-              <a:rPr lang="de-AT" sz="1000" dirty="0"/>
-              <a:t> Kernel [1]</a:t>
-            </a:r>
-            <a:endParaRPr lang="en-US" sz="1000" dirty="0"/>
-          </a:p>
-        </p:txBody>
-      </p:sp>
-      <p:sp>
-        <p:nvSpPr>
           <p:cNvPr id="9" name="Rechteck: abgerundete Ecken 8">
             <a:extLst>
               <a:ext uri="{FF2B5EF4-FFF2-40B4-BE49-F238E27FC236}">
@@ -10082,10 +9994,10 @@
       </p:cxnSp>
       <p:grpSp>
         <p:nvGrpSpPr>
-          <p:cNvPr id="149" name="Gruppieren 148">
-            <a:extLst>
-              <a:ext uri="{FF2B5EF4-FFF2-40B4-BE49-F238E27FC236}">
-                <a16:creationId xmlns:a16="http://schemas.microsoft.com/office/drawing/2014/main" id="{01C2B3FF-43B1-9C54-C749-DB31110CA65A}"/>
+          <p:cNvPr id="8" name="Gruppieren 7">
+            <a:extLst>
+              <a:ext uri="{FF2B5EF4-FFF2-40B4-BE49-F238E27FC236}">
+                <a16:creationId xmlns:a16="http://schemas.microsoft.com/office/drawing/2014/main" id="{3BB6CB59-9B87-43A5-220F-B34AB131E487}"/>
               </a:ext>
             </a:extLst>
           </p:cNvPr>
@@ -10094,12 +10006,56 @@
         </p:nvGrpSpPr>
         <p:grpSpPr>
           <a:xfrm>
-            <a:off x="651248" y="4256293"/>
-            <a:ext cx="3820478" cy="215763"/>
-            <a:chOff x="620768" y="4229583"/>
-            <a:chExt cx="3820478" cy="215763"/>
+            <a:off x="389991" y="4258068"/>
+            <a:ext cx="3820478" cy="461638"/>
+            <a:chOff x="651248" y="4256293"/>
+            <a:chExt cx="3820478" cy="461638"/>
           </a:xfrm>
         </p:grpSpPr>
+        <p:sp>
+          <p:nvSpPr>
+            <p:cNvPr id="16" name="Textfeld 15">
+              <a:extLst>
+                <a:ext uri="{FF2B5EF4-FFF2-40B4-BE49-F238E27FC236}">
+                  <a16:creationId xmlns:a16="http://schemas.microsoft.com/office/drawing/2014/main" id="{36F7C50C-9802-1145-F3A6-EB87CF7BF46C}"/>
+                </a:ext>
+              </a:extLst>
+            </p:cNvPr>
+            <p:cNvSpPr txBox="1"/>
+            <p:nvPr/>
+          </p:nvSpPr>
+          <p:spPr>
+            <a:xfrm>
+              <a:off x="1465420" y="4446919"/>
+              <a:ext cx="2192134" cy="271012"/>
+            </a:xfrm>
+            <a:prstGeom prst="rect">
+              <a:avLst/>
+            </a:prstGeom>
+          </p:spPr>
+          <p:txBody>
+            <a:bodyPr vert="horz" wrap="none" lIns="91440" tIns="45720" rIns="91440" bIns="45720" rtlCol="0" anchor="t">
+              <a:normAutofit/>
+            </a:bodyPr>
+            <a:lstStyle/>
+            <a:p>
+              <a:pPr algn="l"/>
+              <a:r>
+                <a:rPr lang="de-AT" sz="1000" dirty="0"/>
+                <a:t>Figure 1: Non-</a:t>
+              </a:r>
+              <a:r>
+                <a:rPr lang="de-AT" sz="1000" dirty="0" err="1"/>
+                <a:t>preemptible</a:t>
+              </a:r>
+              <a:r>
+                <a:rPr lang="de-AT" sz="1000" dirty="0"/>
+                <a:t> Kernel [1] </a:t>
+              </a:r>
+              <a:endParaRPr lang="en-US" sz="1000" dirty="0"/>
+            </a:p>
+          </p:txBody>
+        </p:sp>
         <p:cxnSp>
           <p:nvCxnSpPr>
             <p:cNvPr id="139" name="Gerade Verbindung mit Pfeil 138">
@@ -10116,7 +10072,7 @@
           </p:nvCxnSpPr>
           <p:spPr>
             <a:xfrm>
-              <a:off x="620768" y="4434516"/>
+              <a:off x="651248" y="4459487"/>
               <a:ext cx="3820478" cy="0"/>
             </a:xfrm>
             <a:prstGeom prst="straightConnector1">
@@ -10158,7 +10114,7 @@
           </p:nvSpPr>
           <p:spPr>
             <a:xfrm>
-              <a:off x="2032526" y="4229583"/>
+              <a:off x="2063006" y="4256293"/>
               <a:ext cx="996962" cy="215763"/>
             </a:xfrm>
             <a:prstGeom prst="rect">
@@ -10191,10 +10147,10 @@
       </p:grpSp>
       <p:grpSp>
         <p:nvGrpSpPr>
-          <p:cNvPr id="148" name="Gruppieren 147">
-            <a:extLst>
-              <a:ext uri="{FF2B5EF4-FFF2-40B4-BE49-F238E27FC236}">
-                <a16:creationId xmlns:a16="http://schemas.microsoft.com/office/drawing/2014/main" id="{8298BF6E-6C43-F17B-458F-72DAAB9DBBBF}"/>
+          <p:cNvPr id="7" name="Gruppieren 6">
+            <a:extLst>
+              <a:ext uri="{FF2B5EF4-FFF2-40B4-BE49-F238E27FC236}">
+                <a16:creationId xmlns:a16="http://schemas.microsoft.com/office/drawing/2014/main" id="{D36DA96F-F961-6164-D460-D2633F5C0B79}"/>
               </a:ext>
             </a:extLst>
           </p:cNvPr>
@@ -10203,12 +10159,56 @@
         </p:nvGrpSpPr>
         <p:grpSpPr>
           <a:xfrm>
-            <a:off x="5204503" y="4256293"/>
-            <a:ext cx="3820478" cy="215763"/>
-            <a:chOff x="5097823" y="4237283"/>
-            <a:chExt cx="3820478" cy="215763"/>
+            <a:off x="4877122" y="4235016"/>
+            <a:ext cx="3820478" cy="507743"/>
+            <a:chOff x="4882133" y="4235325"/>
+            <a:chExt cx="3820478" cy="507743"/>
           </a:xfrm>
         </p:grpSpPr>
+        <p:sp>
+          <p:nvSpPr>
+            <p:cNvPr id="6" name="Textfeld 5">
+              <a:extLst>
+                <a:ext uri="{FF2B5EF4-FFF2-40B4-BE49-F238E27FC236}">
+                  <a16:creationId xmlns:a16="http://schemas.microsoft.com/office/drawing/2014/main" id="{34178FBA-C589-6075-766F-A04B79B9072E}"/>
+                </a:ext>
+              </a:extLst>
+            </p:cNvPr>
+            <p:cNvSpPr txBox="1"/>
+            <p:nvPr/>
+          </p:nvSpPr>
+          <p:spPr>
+            <a:xfrm>
+              <a:off x="5696305" y="4472056"/>
+              <a:ext cx="2192134" cy="271012"/>
+            </a:xfrm>
+            <a:prstGeom prst="rect">
+              <a:avLst/>
+            </a:prstGeom>
+          </p:spPr>
+          <p:txBody>
+            <a:bodyPr vert="horz" wrap="none" lIns="91440" tIns="45720" rIns="91440" bIns="45720" rtlCol="0" anchor="t">
+              <a:normAutofit/>
+            </a:bodyPr>
+            <a:lstStyle/>
+            <a:p>
+              <a:pPr algn="l"/>
+              <a:r>
+                <a:rPr lang="de-AT" sz="1000" dirty="0"/>
+                <a:t>Figure 2: </a:t>
+              </a:r>
+              <a:r>
+                <a:rPr lang="de-AT" sz="1000" dirty="0" err="1"/>
+                <a:t>Preemptible</a:t>
+              </a:r>
+              <a:r>
+                <a:rPr lang="de-AT" sz="1000" dirty="0"/>
+                <a:t> Kernel [1]</a:t>
+              </a:r>
+              <a:endParaRPr lang="en-US" sz="1000" dirty="0"/>
+            </a:p>
+          </p:txBody>
+        </p:sp>
         <p:cxnSp>
           <p:nvCxnSpPr>
             <p:cNvPr id="146" name="Gerade Verbindung mit Pfeil 145">
@@ -10225,7 +10225,7 @@
           </p:nvCxnSpPr>
           <p:spPr>
             <a:xfrm>
-              <a:off x="5097823" y="4442216"/>
+              <a:off x="4882133" y="4440258"/>
               <a:ext cx="3820478" cy="0"/>
             </a:xfrm>
             <a:prstGeom prst="straightConnector1">
@@ -10267,7 +10267,7 @@
           </p:nvSpPr>
           <p:spPr>
             <a:xfrm>
-              <a:off x="6509581" y="4237283"/>
+              <a:off x="6293891" y="4235325"/>
               <a:ext cx="996962" cy="215763"/>
             </a:xfrm>
             <a:prstGeom prst="rect">

--- a/Masterprüfung/Presentation/Pamuk_MT_Präsentation_10102024.pptx
+++ b/Masterprüfung/Presentation/Pamuk_MT_Präsentation_10102024.pptx
@@ -18146,8 +18146,13 @@
             </a:pPr>
             <a:r>
               <a:rPr lang="en-US" sz="2000" b="1" dirty="0"/>
-              <a:t> Latency Tool</a:t>
-            </a:r>
+              <a:t> </a:t>
+            </a:r>
+            <a:r>
+              <a:rPr lang="en-US" sz="2000" b="1"/>
+              <a:t>Latency Comparison</a:t>
+            </a:r>
+            <a:endParaRPr lang="en-US" sz="2000" b="1" dirty="0"/>
           </a:p>
           <a:p>
             <a:r>
